--- a/openEuler开源实习.pptx
+++ b/openEuler开源实习.pptx
@@ -151,6 +151,358 @@
 </p:cmAuthorLst>
 </file>
 
+<file path=ppt/charts/chart1.xml><?xml version="1.0" encoding="utf-8"?>
+<c:chartSpace xmlns:c="http://schemas.openxmlformats.org/drawingml/2006/chart" xmlns:a="http://schemas.openxmlformats.org/drawingml/2006/main" xmlns:r="http://schemas.openxmlformats.org/officeDocument/2006/relationships" xmlns:c16r2="http://schemas.microsoft.com/office/drawing/2015/06/chart">
+  <c:date1904 val="0"/>
+  <c:lang val="en-GB"/>
+  <c:roundedCorners val="0"/>
+  <mc:AlternateContent xmlns:mc="http://schemas.openxmlformats.org/markup-compatibility/2006">
+    <mc:Choice xmlns:c14="http://schemas.microsoft.com/office/drawing/2007/8/2/chart" Requires="c14">
+      <c14:style val="102"/>
+    </mc:Choice>
+    <mc:Fallback>
+      <c:style val="2"/>
+    </mc:Fallback>
+  </mc:AlternateContent>
+  <c:chart>
+    <c:autoTitleDeleted val="1"/>
+    <c:plotArea>
+      <c:layout/>
+      <c:doughnutChart>
+        <c:varyColors val="1"/>
+        <c:ser>
+          <c:idx val="0"/>
+          <c:order val="0"/>
+          <c:tx>
+            <c:strRef>
+              <c:f>Sheet1!$B$1</c:f>
+              <c:strCache>
+                <c:ptCount val="1"/>
+                <c:pt idx="0">
+                  <c:v>销售额</c:v>
+                </c:pt>
+              </c:strCache>
+            </c:strRef>
+          </c:tx>
+          <c:spPr>
+            <a:ln>
+              <a:noFill/>
+            </a:ln>
+          </c:spPr>
+          <c:dPt>
+            <c:idx val="0"/>
+            <c:bubble3D val="0"/>
+            <c:spPr>
+              <a:solidFill>
+                <a:srgbClr val="3A3A3A"/>
+              </a:solidFill>
+              <a:ln w="19050">
+                <a:noFill/>
+              </a:ln>
+              <a:effectLst/>
+            </c:spPr>
+            <c:extLst>
+              <c:ext xmlns:c16="http://schemas.microsoft.com/office/drawing/2014/chart" uri="{C3380CC4-5D6E-409C-BE32-E72D297353CC}">
+                <c16:uniqueId val="{00000001-C25F-4A0C-8DC5-2973E6C58A21}"/>
+              </c:ext>
+            </c:extLst>
+          </c:dPt>
+          <c:dPt>
+            <c:idx val="1"/>
+            <c:bubble3D val="0"/>
+            <c:spPr>
+              <a:solidFill>
+                <a:srgbClr val="DC6C7C"/>
+              </a:solidFill>
+              <a:ln w="19050">
+                <a:noFill/>
+              </a:ln>
+              <a:effectLst/>
+            </c:spPr>
+            <c:extLst>
+              <c:ext xmlns:c16="http://schemas.microsoft.com/office/drawing/2014/chart" uri="{C3380CC4-5D6E-409C-BE32-E72D297353CC}">
+                <c16:uniqueId val="{00000003-C25F-4A0C-8DC5-2973E6C58A21}"/>
+              </c:ext>
+            </c:extLst>
+          </c:dPt>
+          <c:dPt>
+            <c:idx val="2"/>
+            <c:bubble3D val="0"/>
+            <c:spPr>
+              <a:solidFill>
+                <a:srgbClr val="F1AF59"/>
+              </a:solidFill>
+              <a:ln w="19050">
+                <a:noFill/>
+              </a:ln>
+              <a:effectLst/>
+            </c:spPr>
+            <c:extLst>
+              <c:ext xmlns:c16="http://schemas.microsoft.com/office/drawing/2014/chart" uri="{C3380CC4-5D6E-409C-BE32-E72D297353CC}">
+                <c16:uniqueId val="{00000005-C25F-4A0C-8DC5-2973E6C58A21}"/>
+              </c:ext>
+            </c:extLst>
+          </c:dPt>
+          <c:dPt>
+            <c:idx val="3"/>
+            <c:bubble3D val="0"/>
+            <c:spPr>
+              <a:solidFill>
+                <a:srgbClr val="3A3A3A"/>
+              </a:solidFill>
+              <a:ln w="19050">
+                <a:noFill/>
+              </a:ln>
+              <a:effectLst/>
+            </c:spPr>
+            <c:extLst>
+              <c:ext xmlns:c16="http://schemas.microsoft.com/office/drawing/2014/chart" uri="{C3380CC4-5D6E-409C-BE32-E72D297353CC}">
+                <c16:uniqueId val="{00000007-C25F-4A0C-8DC5-2973E6C58A21}"/>
+              </c:ext>
+            </c:extLst>
+          </c:dPt>
+          <c:dPt>
+            <c:idx val="4"/>
+            <c:bubble3D val="0"/>
+            <c:spPr>
+              <a:solidFill>
+                <a:srgbClr val="3A3A3A"/>
+              </a:solidFill>
+              <a:ln w="19050">
+                <a:noFill/>
+              </a:ln>
+              <a:effectLst/>
+            </c:spPr>
+            <c:extLst>
+              <c:ext xmlns:c16="http://schemas.microsoft.com/office/drawing/2014/chart" uri="{C3380CC4-5D6E-409C-BE32-E72D297353CC}">
+                <c16:uniqueId val="{00000009-C25F-4A0C-8DC5-2973E6C58A21}"/>
+              </c:ext>
+            </c:extLst>
+          </c:dPt>
+          <c:dPt>
+            <c:idx val="5"/>
+            <c:bubble3D val="0"/>
+            <c:spPr>
+              <a:solidFill>
+                <a:srgbClr val="00B050"/>
+              </a:solidFill>
+              <a:ln w="19050">
+                <a:noFill/>
+              </a:ln>
+              <a:effectLst/>
+            </c:spPr>
+            <c:extLst>
+              <c:ext xmlns:c16="http://schemas.microsoft.com/office/drawing/2014/chart" uri="{C3380CC4-5D6E-409C-BE32-E72D297353CC}">
+                <c16:uniqueId val="{0000000B-C25F-4A0C-8DC5-2973E6C58A21}"/>
+              </c:ext>
+            </c:extLst>
+          </c:dPt>
+          <c:dPt>
+            <c:idx val="6"/>
+            <c:bubble3D val="0"/>
+            <c:spPr>
+              <a:solidFill>
+                <a:srgbClr val="56A8BD"/>
+              </a:solidFill>
+              <a:ln w="19050">
+                <a:noFill/>
+              </a:ln>
+              <a:effectLst/>
+            </c:spPr>
+            <c:extLst>
+              <c:ext xmlns:c16="http://schemas.microsoft.com/office/drawing/2014/chart" uri="{C3380CC4-5D6E-409C-BE32-E72D297353CC}">
+                <c16:uniqueId val="{0000000D-C25F-4A0C-8DC5-2973E6C58A21}"/>
+              </c:ext>
+            </c:extLst>
+          </c:dPt>
+          <c:dPt>
+            <c:idx val="7"/>
+            <c:bubble3D val="0"/>
+            <c:spPr>
+              <a:solidFill>
+                <a:srgbClr val="3A3A3A"/>
+              </a:solidFill>
+              <a:ln w="19050">
+                <a:noFill/>
+              </a:ln>
+              <a:effectLst/>
+            </c:spPr>
+            <c:extLst>
+              <c:ext xmlns:c16="http://schemas.microsoft.com/office/drawing/2014/chart" uri="{C3380CC4-5D6E-409C-BE32-E72D297353CC}">
+                <c16:uniqueId val="{0000000F-C25F-4A0C-8DC5-2973E6C58A21}"/>
+              </c:ext>
+            </c:extLst>
+          </c:dPt>
+          <c:cat>
+            <c:strRef>
+              <c:f>Sheet1!$A$2:$A$9</c:f>
+              <c:strCache>
+                <c:ptCount val="4"/>
+                <c:pt idx="0">
+                  <c:v>第一季度</c:v>
+                </c:pt>
+                <c:pt idx="1">
+                  <c:v>第二季度</c:v>
+                </c:pt>
+                <c:pt idx="2">
+                  <c:v>第三季度</c:v>
+                </c:pt>
+                <c:pt idx="3">
+                  <c:v>第四季度</c:v>
+                </c:pt>
+              </c:strCache>
+            </c:strRef>
+          </c:cat>
+          <c:val>
+            <c:numRef>
+              <c:f>Sheet1!$B$2:$B$9</c:f>
+              <c:numCache>
+                <c:formatCode>General</c:formatCode>
+                <c:ptCount val="8"/>
+                <c:pt idx="0">
+                  <c:v>1</c:v>
+                </c:pt>
+                <c:pt idx="1">
+                  <c:v>1</c:v>
+                </c:pt>
+                <c:pt idx="2">
+                  <c:v>1</c:v>
+                </c:pt>
+                <c:pt idx="3">
+                  <c:v>1</c:v>
+                </c:pt>
+                <c:pt idx="4">
+                  <c:v>1</c:v>
+                </c:pt>
+                <c:pt idx="5">
+                  <c:v>1</c:v>
+                </c:pt>
+                <c:pt idx="6">
+                  <c:v>1</c:v>
+                </c:pt>
+                <c:pt idx="7">
+                  <c:v>1</c:v>
+                </c:pt>
+              </c:numCache>
+            </c:numRef>
+          </c:val>
+          <c:extLst>
+            <c:ext xmlns:c16="http://schemas.microsoft.com/office/drawing/2014/chart" uri="{C3380CC4-5D6E-409C-BE32-E72D297353CC}">
+              <c16:uniqueId val="{00000010-C25F-4A0C-8DC5-2973E6C58A21}"/>
+            </c:ext>
+          </c:extLst>
+        </c:ser>
+        <c:dLbls>
+          <c:showLegendKey val="0"/>
+          <c:showVal val="0"/>
+          <c:showCatName val="0"/>
+          <c:showSerName val="0"/>
+          <c:showPercent val="0"/>
+          <c:showBubbleSize val="0"/>
+          <c:showLeaderLines val="0"/>
+        </c:dLbls>
+        <c:firstSliceAng val="0"/>
+        <c:holeSize val="54"/>
+      </c:doughnutChart>
+      <c:spPr>
+        <a:noFill/>
+        <a:ln>
+          <a:noFill/>
+        </a:ln>
+        <a:effectLst/>
+      </c:spPr>
+    </c:plotArea>
+    <c:plotVisOnly val="1"/>
+    <c:dispBlanksAs val="zero"/>
+    <c:showDLblsOverMax val="0"/>
+  </c:chart>
+  <c:spPr>
+    <a:noFill/>
+    <a:ln>
+      <a:noFill/>
+    </a:ln>
+    <a:effectLst/>
+  </c:spPr>
+  <c:txPr>
+    <a:bodyPr/>
+    <a:lstStyle/>
+    <a:p>
+      <a:pPr>
+        <a:defRPr/>
+      </a:pPr>
+      <a:endParaRPr lang="zh-CN"/>
+    </a:p>
+  </c:txPr>
+  <c:externalData r:id="rId1">
+    <c:autoUpdate val="0"/>
+  </c:externalData>
+  <c:userShapes r:id="rId2"/>
+</c:chartSpace>
+</file>
+
+<file path=ppt/drawings/drawing1.xml><?xml version="1.0" encoding="utf-8"?>
+<c:userShapes xmlns:c="http://schemas.openxmlformats.org/drawingml/2006/chart">
+  <cdr:relSizeAnchor xmlns:cdr="http://schemas.openxmlformats.org/drawingml/2006/chartDrawing">
+    <cdr:from>
+      <cdr:x>0.14917</cdr:x>
+      <cdr:y>0.15132</cdr:y>
+    </cdr:from>
+    <cdr:to>
+      <cdr:x>0.8507</cdr:x>
+      <cdr:y>0.85284</cdr:y>
+    </cdr:to>
+    <cdr:sp macro="" textlink="">
+      <cdr:nvSpPr>
+        <cdr:cNvPr id="2" name="同心圆 1"/>
+        <cdr:cNvSpPr/>
+      </cdr:nvSpPr>
+      <cdr:spPr>
+        <a:xfrm xmlns:a="http://schemas.openxmlformats.org/drawingml/2006/main">
+          <a:off x="387416" y="393000"/>
+          <a:ext cx="1821973" cy="1821947"/>
+        </a:xfrm>
+        <a:prstGeom xmlns:a="http://schemas.openxmlformats.org/drawingml/2006/main" prst="donut">
+          <a:avLst>
+            <a:gd name="adj" fmla="val 14136"/>
+          </a:avLst>
+        </a:prstGeom>
+        <a:solidFill xmlns:a="http://schemas.openxmlformats.org/drawingml/2006/main">
+          <a:schemeClr val="tx1">
+            <a:alpha val="21000"/>
+          </a:schemeClr>
+        </a:solidFill>
+        <a:ln xmlns:a="http://schemas.openxmlformats.org/drawingml/2006/main">
+          <a:noFill/>
+        </a:ln>
+      </cdr:spPr>
+      <cdr:style>
+        <a:lnRef xmlns:a="http://schemas.openxmlformats.org/drawingml/2006/main" idx="2">
+          <a:schemeClr val="accent1">
+            <a:shade val="50000"/>
+          </a:schemeClr>
+        </a:lnRef>
+        <a:fillRef xmlns:a="http://schemas.openxmlformats.org/drawingml/2006/main" idx="1">
+          <a:schemeClr val="accent1"/>
+        </a:fillRef>
+        <a:effectRef xmlns:a="http://schemas.openxmlformats.org/drawingml/2006/main" idx="0">
+          <a:schemeClr val="accent1"/>
+        </a:effectRef>
+        <a:fontRef xmlns:a="http://schemas.openxmlformats.org/drawingml/2006/main" idx="minor">
+          <a:schemeClr val="lt1"/>
+        </a:fontRef>
+      </cdr:style>
+      <cdr:txBody>
+        <a:bodyPr xmlns:a="http://schemas.openxmlformats.org/drawingml/2006/main" vertOverflow="clip"/>
+        <a:lstStyle xmlns:a="http://schemas.openxmlformats.org/drawingml/2006/main"/>
+        <a:p xmlns:a="http://schemas.openxmlformats.org/drawingml/2006/main">
+          <a:endParaRPr lang="zh-CN"/>
+        </a:p>
+      </cdr:txBody>
+    </cdr:sp>
+  </cdr:relSizeAnchor>
+</c:userShapes>
+</file>
+
 <file path=ppt/notesMasters/notesMaster1.xml><?xml version="1.0" encoding="utf-8"?>
 <p:notesMaster xmlns:a="http://schemas.openxmlformats.org/drawingml/2006/main" xmlns:r="http://schemas.openxmlformats.org/officeDocument/2006/relationships" xmlns:p="http://schemas.openxmlformats.org/presentationml/2006/main">
   <p:cSld>
@@ -234,7 +586,7 @@
             <a:fld id="{5686139A-A79B-4645-92A0-09FBA3C9B72F}" type="datetimeFigureOut">
               <a:rPr lang="zh-CN" altLang="en-US" smtClean="0"/>
               <a:pPr/>
-              <a:t>2022/8/10</a:t>
+              <a:t>2022/8/23</a:t>
             </a:fld>
             <a:endParaRPr lang="zh-CN" altLang="en-US"/>
           </a:p>
@@ -1617,7 +1969,7 @@
             <a:fld id="{1D6B058F-3419-4783-A32B-A7489A7A2485}" type="datetimeFigureOut">
               <a:rPr lang="zh-CN" altLang="en-US" smtClean="0"/>
               <a:pPr/>
-              <a:t>2022/8/10</a:t>
+              <a:t>2022/8/23</a:t>
             </a:fld>
             <a:endParaRPr lang="zh-CN" altLang="en-US"/>
           </a:p>
@@ -1787,7 +2139,7 @@
             <a:fld id="{1D6B058F-3419-4783-A32B-A7489A7A2485}" type="datetimeFigureOut">
               <a:rPr lang="zh-CN" altLang="en-US" smtClean="0"/>
               <a:pPr/>
-              <a:t>2022/8/10</a:t>
+              <a:t>2022/8/23</a:t>
             </a:fld>
             <a:endParaRPr lang="zh-CN" altLang="en-US"/>
           </a:p>
@@ -1967,7 +2319,7 @@
             <a:fld id="{1D6B058F-3419-4783-A32B-A7489A7A2485}" type="datetimeFigureOut">
               <a:rPr lang="zh-CN" altLang="en-US" smtClean="0"/>
               <a:pPr/>
-              <a:t>2022/8/10</a:t>
+              <a:t>2022/8/23</a:t>
             </a:fld>
             <a:endParaRPr lang="zh-CN" altLang="en-US"/>
           </a:p>
@@ -2137,7 +2489,7 @@
             <a:fld id="{1D6B058F-3419-4783-A32B-A7489A7A2485}" type="datetimeFigureOut">
               <a:rPr lang="zh-CN" altLang="en-US" smtClean="0"/>
               <a:pPr/>
-              <a:t>2022/8/10</a:t>
+              <a:t>2022/8/23</a:t>
             </a:fld>
             <a:endParaRPr lang="zh-CN" altLang="en-US"/>
           </a:p>
@@ -2384,7 +2736,7 @@
             <a:fld id="{1D6B058F-3419-4783-A32B-A7489A7A2485}" type="datetimeFigureOut">
               <a:rPr lang="zh-CN" altLang="en-US" smtClean="0"/>
               <a:pPr/>
-              <a:t>2022/8/10</a:t>
+              <a:t>2022/8/23</a:t>
             </a:fld>
             <a:endParaRPr lang="zh-CN" altLang="en-US"/>
           </a:p>
@@ -2671,7 +3023,7 @@
             <a:fld id="{1D6B058F-3419-4783-A32B-A7489A7A2485}" type="datetimeFigureOut">
               <a:rPr lang="zh-CN" altLang="en-US" smtClean="0"/>
               <a:pPr/>
-              <a:t>2022/8/10</a:t>
+              <a:t>2022/8/23</a:t>
             </a:fld>
             <a:endParaRPr lang="zh-CN" altLang="en-US"/>
           </a:p>
@@ -3097,7 +3449,7 @@
             <a:fld id="{1D6B058F-3419-4783-A32B-A7489A7A2485}" type="datetimeFigureOut">
               <a:rPr lang="zh-CN" altLang="en-US" smtClean="0"/>
               <a:pPr/>
-              <a:t>2022/8/10</a:t>
+              <a:t>2022/8/23</a:t>
             </a:fld>
             <a:endParaRPr lang="zh-CN" altLang="en-US"/>
           </a:p>
@@ -3216,7 +3568,7 @@
             <a:fld id="{1D6B058F-3419-4783-A32B-A7489A7A2485}" type="datetimeFigureOut">
               <a:rPr lang="zh-CN" altLang="en-US" smtClean="0"/>
               <a:pPr/>
-              <a:t>2022/8/10</a:t>
+              <a:t>2022/8/23</a:t>
             </a:fld>
             <a:endParaRPr lang="zh-CN" altLang="en-US"/>
           </a:p>
@@ -3313,7 +3665,7 @@
             <a:fld id="{1D6B058F-3419-4783-A32B-A7489A7A2485}" type="datetimeFigureOut">
               <a:rPr lang="zh-CN" altLang="en-US" smtClean="0"/>
               <a:pPr/>
-              <a:t>2022/8/10</a:t>
+              <a:t>2022/8/23</a:t>
             </a:fld>
             <a:endParaRPr lang="zh-CN" altLang="en-US"/>
           </a:p>
@@ -3590,7 +3942,7 @@
             <a:fld id="{1D6B058F-3419-4783-A32B-A7489A7A2485}" type="datetimeFigureOut">
               <a:rPr lang="zh-CN" altLang="en-US" smtClean="0"/>
               <a:pPr/>
-              <a:t>2022/8/10</a:t>
+              <a:t>2022/8/23</a:t>
             </a:fld>
             <a:endParaRPr lang="zh-CN" altLang="en-US"/>
           </a:p>
@@ -3844,7 +4196,7 @@
             <a:fld id="{1D6B058F-3419-4783-A32B-A7489A7A2485}" type="datetimeFigureOut">
               <a:rPr lang="zh-CN" altLang="en-US" smtClean="0"/>
               <a:pPr/>
-              <a:t>2022/8/10</a:t>
+              <a:t>2022/8/23</a:t>
             </a:fld>
             <a:endParaRPr lang="zh-CN" altLang="en-US"/>
           </a:p>
@@ -4060,7 +4412,7 @@
             <a:fld id="{1D6B058F-3419-4783-A32B-A7489A7A2485}" type="datetimeFigureOut">
               <a:rPr lang="zh-CN" altLang="en-US" smtClean="0"/>
               <a:pPr/>
-              <a:t>2022/8/10</a:t>
+              <a:t>2022/8/23</a:t>
             </a:fld>
             <a:endParaRPr lang="zh-CN" altLang="en-US"/>
           </a:p>
@@ -13811,6 +14163,3544 @@
           </a:extLst>
         </p:spPr>
       </p:pic>
+      <p:grpSp>
+        <p:nvGrpSpPr>
+          <p:cNvPr id="2" name="组合 2">
+            <a:extLst>
+              <a:ext uri="{FF2B5EF4-FFF2-40B4-BE49-F238E27FC236}">
+                <a16:creationId xmlns:a16="http://schemas.microsoft.com/office/drawing/2014/main" id="{1CE36F38-57F1-137B-1A4F-D0F288C40819}"/>
+              </a:ext>
+            </a:extLst>
+          </p:cNvPr>
+          <p:cNvGrpSpPr/>
+          <p:nvPr/>
+        </p:nvGrpSpPr>
+        <p:grpSpPr>
+          <a:xfrm>
+            <a:off x="6745659" y="2132841"/>
+            <a:ext cx="2976383" cy="2976383"/>
+            <a:chOff x="6848924" y="2406742"/>
+            <a:chExt cx="2977072" cy="2977072"/>
+          </a:xfrm>
+        </p:grpSpPr>
+        <p:grpSp>
+          <p:nvGrpSpPr>
+            <p:cNvPr id="3" name="组合 1">
+              <a:extLst>
+                <a:ext uri="{FF2B5EF4-FFF2-40B4-BE49-F238E27FC236}">
+                  <a16:creationId xmlns:a16="http://schemas.microsoft.com/office/drawing/2014/main" id="{0CE71FE9-C19F-1F7E-D425-0B806417B9DC}"/>
+                </a:ext>
+              </a:extLst>
+            </p:cNvPr>
+            <p:cNvGrpSpPr/>
+            <p:nvPr/>
+          </p:nvGrpSpPr>
+          <p:grpSpPr>
+            <a:xfrm>
+              <a:off x="6848924" y="2406742"/>
+              <a:ext cx="2977072" cy="2977072"/>
+              <a:chOff x="4005943" y="1516285"/>
+              <a:chExt cx="3600001" cy="3600001"/>
+            </a:xfrm>
+          </p:grpSpPr>
+          <p:sp>
+            <p:nvSpPr>
+              <p:cNvPr id="15" name="椭圆 3">
+                <a:extLst>
+                  <a:ext uri="{FF2B5EF4-FFF2-40B4-BE49-F238E27FC236}">
+                    <a16:creationId xmlns:a16="http://schemas.microsoft.com/office/drawing/2014/main" id="{169A70CD-A84F-BE71-D555-7DA738FE2FFE}"/>
+                  </a:ext>
+                </a:extLst>
+              </p:cNvPr>
+              <p:cNvSpPr/>
+              <p:nvPr/>
+            </p:nvSpPr>
+            <p:spPr>
+              <a:xfrm>
+                <a:off x="4909458" y="2409372"/>
+                <a:ext cx="1799770" cy="1799770"/>
+              </a:xfrm>
+              <a:prstGeom prst="ellipse">
+                <a:avLst/>
+              </a:prstGeom>
+              <a:solidFill>
+                <a:schemeClr val="bg1"/>
+              </a:solidFill>
+              <a:ln>
+                <a:noFill/>
+              </a:ln>
+              <a:effectLst>
+                <a:innerShdw blurRad="584200">
+                  <a:prstClr val="black">
+                    <a:alpha val="31000"/>
+                  </a:prstClr>
+                </a:innerShdw>
+              </a:effectLst>
+            </p:spPr>
+            <p:style>
+              <a:lnRef idx="2">
+                <a:schemeClr val="accent1">
+                  <a:shade val="50000"/>
+                </a:schemeClr>
+              </a:lnRef>
+              <a:fillRef idx="1">
+                <a:schemeClr val="accent1"/>
+              </a:fillRef>
+              <a:effectRef idx="0">
+                <a:schemeClr val="accent1"/>
+              </a:effectRef>
+              <a:fontRef idx="minor">
+                <a:schemeClr val="lt1"/>
+              </a:fontRef>
+            </p:style>
+            <p:txBody>
+              <a:bodyPr rtlCol="0" anchor="ctr"/>
+              <a:lstStyle/>
+              <a:p>
+                <a:pPr algn="ctr"/>
+                <a:endParaRPr lang="zh-CN" altLang="en-US"/>
+              </a:p>
+            </p:txBody>
+          </p:sp>
+          <p:graphicFrame>
+            <p:nvGraphicFramePr>
+              <p:cNvPr id="16" name="图表 4">
+                <a:extLst>
+                  <a:ext uri="{FF2B5EF4-FFF2-40B4-BE49-F238E27FC236}">
+                    <a16:creationId xmlns:a16="http://schemas.microsoft.com/office/drawing/2014/main" id="{8D7284A6-95F0-6254-719F-FB9AED8928BC}"/>
+                  </a:ext>
+                </a:extLst>
+              </p:cNvPr>
+              <p:cNvGraphicFramePr/>
+              <p:nvPr/>
+            </p:nvGraphicFramePr>
+            <p:xfrm>
+              <a:off x="4005943" y="1516285"/>
+              <a:ext cx="3600001" cy="3600001"/>
+            </p:xfrm>
+            <a:graphic>
+              <a:graphicData uri="http://schemas.openxmlformats.org/drawingml/2006/chart">
+                <c:chart xmlns:c="http://schemas.openxmlformats.org/drawingml/2006/chart" xmlns:r="http://schemas.openxmlformats.org/officeDocument/2006/relationships" r:id="rId4"/>
+              </a:graphicData>
+            </a:graphic>
+          </p:graphicFrame>
+        </p:grpSp>
+        <p:grpSp>
+          <p:nvGrpSpPr>
+            <p:cNvPr id="4" name="组合 5">
+              <a:extLst>
+                <a:ext uri="{FF2B5EF4-FFF2-40B4-BE49-F238E27FC236}">
+                  <a16:creationId xmlns:a16="http://schemas.microsoft.com/office/drawing/2014/main" id="{62D19D85-93AE-C54C-1187-E4050E8E33DC}"/>
+                </a:ext>
+              </a:extLst>
+            </p:cNvPr>
+            <p:cNvGrpSpPr/>
+            <p:nvPr/>
+          </p:nvGrpSpPr>
+          <p:grpSpPr>
+            <a:xfrm>
+              <a:off x="7093857" y="3316989"/>
+              <a:ext cx="273133" cy="263874"/>
+              <a:chOff x="549275" y="533400"/>
+              <a:chExt cx="561975" cy="542926"/>
+            </a:xfrm>
+          </p:grpSpPr>
+          <p:sp>
+            <p:nvSpPr>
+              <p:cNvPr id="8" name="Freeform 16">
+                <a:extLst>
+                  <a:ext uri="{FF2B5EF4-FFF2-40B4-BE49-F238E27FC236}">
+                    <a16:creationId xmlns:a16="http://schemas.microsoft.com/office/drawing/2014/main" id="{8B84D4D1-DB4F-C252-A151-9250B8E92EC9}"/>
+                  </a:ext>
+                </a:extLst>
+              </p:cNvPr>
+              <p:cNvSpPr>
+                <a:spLocks noEditPoints="1"/>
+              </p:cNvSpPr>
+              <p:nvPr/>
+            </p:nvSpPr>
+            <p:spPr bwMode="auto">
+              <a:xfrm>
+                <a:off x="549275" y="649288"/>
+                <a:ext cx="463550" cy="427038"/>
+              </a:xfrm>
+              <a:custGeom>
+                <a:avLst/>
+                <a:gdLst>
+                  <a:gd name="T0" fmla="*/ 149 w 165"/>
+                  <a:gd name="T1" fmla="*/ 38 h 152"/>
+                  <a:gd name="T2" fmla="*/ 147 w 165"/>
+                  <a:gd name="T3" fmla="*/ 34 h 152"/>
+                  <a:gd name="T4" fmla="*/ 137 w 165"/>
+                  <a:gd name="T5" fmla="*/ 22 h 152"/>
+                  <a:gd name="T6" fmla="*/ 125 w 165"/>
+                  <a:gd name="T7" fmla="*/ 12 h 152"/>
+                  <a:gd name="T8" fmla="*/ 121 w 165"/>
+                  <a:gd name="T9" fmla="*/ 10 h 152"/>
+                  <a:gd name="T10" fmla="*/ 118 w 165"/>
+                  <a:gd name="T11" fmla="*/ 8 h 152"/>
+                  <a:gd name="T12" fmla="*/ 83 w 165"/>
+                  <a:gd name="T13" fmla="*/ 0 h 152"/>
+                  <a:gd name="T14" fmla="*/ 29 w 165"/>
+                  <a:gd name="T15" fmla="*/ 22 h 152"/>
+                  <a:gd name="T16" fmla="*/ 29 w 165"/>
+                  <a:gd name="T17" fmla="*/ 130 h 152"/>
+                  <a:gd name="T18" fmla="*/ 83 w 165"/>
+                  <a:gd name="T19" fmla="*/ 152 h 152"/>
+                  <a:gd name="T20" fmla="*/ 137 w 165"/>
+                  <a:gd name="T21" fmla="*/ 130 h 152"/>
+                  <a:gd name="T22" fmla="*/ 151 w 165"/>
+                  <a:gd name="T23" fmla="*/ 41 h 152"/>
+                  <a:gd name="T24" fmla="*/ 149 w 165"/>
+                  <a:gd name="T25" fmla="*/ 38 h 152"/>
+                  <a:gd name="T26" fmla="*/ 83 w 165"/>
+                  <a:gd name="T27" fmla="*/ 32 h 152"/>
+                  <a:gd name="T28" fmla="*/ 52 w 165"/>
+                  <a:gd name="T29" fmla="*/ 45 h 152"/>
+                  <a:gd name="T30" fmla="*/ 39 w 165"/>
+                  <a:gd name="T31" fmla="*/ 76 h 152"/>
+                  <a:gd name="T32" fmla="*/ 52 w 165"/>
+                  <a:gd name="T33" fmla="*/ 107 h 152"/>
+                  <a:gd name="T34" fmla="*/ 52 w 165"/>
+                  <a:gd name="T35" fmla="*/ 113 h 152"/>
+                  <a:gd name="T36" fmla="*/ 49 w 165"/>
+                  <a:gd name="T37" fmla="*/ 114 h 152"/>
+                  <a:gd name="T38" fmla="*/ 46 w 165"/>
+                  <a:gd name="T39" fmla="*/ 113 h 152"/>
+                  <a:gd name="T40" fmla="*/ 31 w 165"/>
+                  <a:gd name="T41" fmla="*/ 76 h 152"/>
+                  <a:gd name="T42" fmla="*/ 46 w 165"/>
+                  <a:gd name="T43" fmla="*/ 39 h 152"/>
+                  <a:gd name="T44" fmla="*/ 83 w 165"/>
+                  <a:gd name="T45" fmla="*/ 24 h 152"/>
+                  <a:gd name="T46" fmla="*/ 87 w 165"/>
+                  <a:gd name="T47" fmla="*/ 28 h 152"/>
+                  <a:gd name="T48" fmla="*/ 83 w 165"/>
+                  <a:gd name="T49" fmla="*/ 32 h 152"/>
+                </a:gdLst>
+                <a:ahLst/>
+                <a:cxnLst>
+                  <a:cxn ang="0">
+                    <a:pos x="T0" y="T1"/>
+                  </a:cxn>
+                  <a:cxn ang="0">
+                    <a:pos x="T2" y="T3"/>
+                  </a:cxn>
+                  <a:cxn ang="0">
+                    <a:pos x="T4" y="T5"/>
+                  </a:cxn>
+                  <a:cxn ang="0">
+                    <a:pos x="T6" y="T7"/>
+                  </a:cxn>
+                  <a:cxn ang="0">
+                    <a:pos x="T8" y="T9"/>
+                  </a:cxn>
+                  <a:cxn ang="0">
+                    <a:pos x="T10" y="T11"/>
+                  </a:cxn>
+                  <a:cxn ang="0">
+                    <a:pos x="T12" y="T13"/>
+                  </a:cxn>
+                  <a:cxn ang="0">
+                    <a:pos x="T14" y="T15"/>
+                  </a:cxn>
+                  <a:cxn ang="0">
+                    <a:pos x="T16" y="T17"/>
+                  </a:cxn>
+                  <a:cxn ang="0">
+                    <a:pos x="T18" y="T19"/>
+                  </a:cxn>
+                  <a:cxn ang="0">
+                    <a:pos x="T20" y="T21"/>
+                  </a:cxn>
+                  <a:cxn ang="0">
+                    <a:pos x="T22" y="T23"/>
+                  </a:cxn>
+                  <a:cxn ang="0">
+                    <a:pos x="T24" y="T25"/>
+                  </a:cxn>
+                  <a:cxn ang="0">
+                    <a:pos x="T26" y="T27"/>
+                  </a:cxn>
+                  <a:cxn ang="0">
+                    <a:pos x="T28" y="T29"/>
+                  </a:cxn>
+                  <a:cxn ang="0">
+                    <a:pos x="T30" y="T31"/>
+                  </a:cxn>
+                  <a:cxn ang="0">
+                    <a:pos x="T32" y="T33"/>
+                  </a:cxn>
+                  <a:cxn ang="0">
+                    <a:pos x="T34" y="T35"/>
+                  </a:cxn>
+                  <a:cxn ang="0">
+                    <a:pos x="T36" y="T37"/>
+                  </a:cxn>
+                  <a:cxn ang="0">
+                    <a:pos x="T38" y="T39"/>
+                  </a:cxn>
+                  <a:cxn ang="0">
+                    <a:pos x="T40" y="T41"/>
+                  </a:cxn>
+                  <a:cxn ang="0">
+                    <a:pos x="T42" y="T43"/>
+                  </a:cxn>
+                  <a:cxn ang="0">
+                    <a:pos x="T44" y="T45"/>
+                  </a:cxn>
+                  <a:cxn ang="0">
+                    <a:pos x="T46" y="T47"/>
+                  </a:cxn>
+                  <a:cxn ang="0">
+                    <a:pos x="T48" y="T49"/>
+                  </a:cxn>
+                </a:cxnLst>
+                <a:rect l="0" t="0" r="r" b="b"/>
+                <a:pathLst>
+                  <a:path w="165" h="152">
+                    <a:moveTo>
+                      <a:pt x="149" y="38"/>
+                    </a:moveTo>
+                    <a:cubicBezTo>
+                      <a:pt x="148" y="37"/>
+                      <a:pt x="147" y="35"/>
+                      <a:pt x="147" y="34"/>
+                    </a:cubicBezTo>
+                    <a:cubicBezTo>
+                      <a:pt x="144" y="30"/>
+                      <a:pt x="141" y="26"/>
+                      <a:pt x="137" y="22"/>
+                    </a:cubicBezTo>
+                    <a:cubicBezTo>
+                      <a:pt x="133" y="18"/>
+                      <a:pt x="129" y="15"/>
+                      <a:pt x="125" y="12"/>
+                    </a:cubicBezTo>
+                    <a:cubicBezTo>
+                      <a:pt x="124" y="12"/>
+                      <a:pt x="122" y="11"/>
+                      <a:pt x="121" y="10"/>
+                    </a:cubicBezTo>
+                    <a:cubicBezTo>
+                      <a:pt x="120" y="9"/>
+                      <a:pt x="119" y="9"/>
+                      <a:pt x="118" y="8"/>
+                    </a:cubicBezTo>
+                    <a:cubicBezTo>
+                      <a:pt x="107" y="3"/>
+                      <a:pt x="95" y="0"/>
+                      <a:pt x="83" y="0"/>
+                    </a:cubicBezTo>
+                    <a:cubicBezTo>
+                      <a:pt x="63" y="0"/>
+                      <a:pt x="44" y="8"/>
+                      <a:pt x="29" y="22"/>
+                    </a:cubicBezTo>
+                    <a:cubicBezTo>
+                      <a:pt x="0" y="52"/>
+                      <a:pt x="0" y="100"/>
+                      <a:pt x="29" y="130"/>
+                    </a:cubicBezTo>
+                    <a:cubicBezTo>
+                      <a:pt x="44" y="144"/>
+                      <a:pt x="63" y="152"/>
+                      <a:pt x="83" y="152"/>
+                    </a:cubicBezTo>
+                    <a:cubicBezTo>
+                      <a:pt x="103" y="152"/>
+                      <a:pt x="123" y="144"/>
+                      <a:pt x="137" y="130"/>
+                    </a:cubicBezTo>
+                    <a:cubicBezTo>
+                      <a:pt x="161" y="106"/>
+                      <a:pt x="165" y="70"/>
+                      <a:pt x="151" y="41"/>
+                    </a:cubicBezTo>
+                    <a:cubicBezTo>
+                      <a:pt x="150" y="40"/>
+                      <a:pt x="150" y="39"/>
+                      <a:pt x="149" y="38"/>
+                    </a:cubicBezTo>
+                    <a:close/>
+                    <a:moveTo>
+                      <a:pt x="83" y="32"/>
+                    </a:moveTo>
+                    <a:cubicBezTo>
+                      <a:pt x="71" y="32"/>
+                      <a:pt x="60" y="36"/>
+                      <a:pt x="52" y="45"/>
+                    </a:cubicBezTo>
+                    <a:cubicBezTo>
+                      <a:pt x="44" y="53"/>
+                      <a:pt x="39" y="64"/>
+                      <a:pt x="39" y="76"/>
+                    </a:cubicBezTo>
+                    <a:cubicBezTo>
+                      <a:pt x="39" y="88"/>
+                      <a:pt x="44" y="99"/>
+                      <a:pt x="52" y="107"/>
+                    </a:cubicBezTo>
+                    <a:cubicBezTo>
+                      <a:pt x="54" y="109"/>
+                      <a:pt x="54" y="111"/>
+                      <a:pt x="52" y="113"/>
+                    </a:cubicBezTo>
+                    <a:cubicBezTo>
+                      <a:pt x="51" y="113"/>
+                      <a:pt x="50" y="114"/>
+                      <a:pt x="49" y="114"/>
+                    </a:cubicBezTo>
+                    <a:cubicBezTo>
+                      <a:pt x="48" y="114"/>
+                      <a:pt x="47" y="113"/>
+                      <a:pt x="46" y="113"/>
+                    </a:cubicBezTo>
+                    <a:cubicBezTo>
+                      <a:pt x="37" y="103"/>
+                      <a:pt x="31" y="90"/>
+                      <a:pt x="31" y="76"/>
+                    </a:cubicBezTo>
+                    <a:cubicBezTo>
+                      <a:pt x="31" y="62"/>
+                      <a:pt x="37" y="49"/>
+                      <a:pt x="46" y="39"/>
+                    </a:cubicBezTo>
+                    <a:cubicBezTo>
+                      <a:pt x="56" y="29"/>
+                      <a:pt x="69" y="24"/>
+                      <a:pt x="83" y="24"/>
+                    </a:cubicBezTo>
+                    <a:cubicBezTo>
+                      <a:pt x="85" y="24"/>
+                      <a:pt x="87" y="26"/>
+                      <a:pt x="87" y="28"/>
+                    </a:cubicBezTo>
+                    <a:cubicBezTo>
+                      <a:pt x="87" y="30"/>
+                      <a:pt x="85" y="32"/>
+                      <a:pt x="83" y="32"/>
+                    </a:cubicBezTo>
+                    <a:close/>
+                  </a:path>
+                </a:pathLst>
+              </a:custGeom>
+              <a:solidFill>
+                <a:srgbClr val="FFFFFF"/>
+              </a:solidFill>
+              <a:ln>
+                <a:noFill/>
+              </a:ln>
+              <a:extLst>
+                <a:ext uri="{91240B29-F687-4F45-9708-019B960494DF}">
+                  <a14:hiddenLine xmlns:a14="http://schemas.microsoft.com/office/drawing/2010/main" w="9525">
+                    <a:solidFill>
+                      <a:srgbClr val="000000"/>
+                    </a:solidFill>
+                    <a:round/>
+                    <a:headEnd/>
+                    <a:tailEnd/>
+                  </a14:hiddenLine>
+                </a:ext>
+              </a:extLst>
+            </p:spPr>
+            <p:txBody>
+              <a:bodyPr vert="horz" wrap="square" lIns="91419" tIns="45709" rIns="91419" bIns="45709" numCol="1" anchor="t" anchorCtr="0" compatLnSpc="1">
+                <a:prstTxWarp prst="textNoShape">
+                  <a:avLst/>
+                </a:prstTxWarp>
+              </a:bodyPr>
+              <a:lstStyle/>
+              <a:p>
+                <a:endParaRPr lang="zh-CN" altLang="en-US"/>
+              </a:p>
+            </p:txBody>
+          </p:sp>
+          <p:sp>
+            <p:nvSpPr>
+              <p:cNvPr id="9" name="Freeform 17">
+                <a:extLst>
+                  <a:ext uri="{FF2B5EF4-FFF2-40B4-BE49-F238E27FC236}">
+                    <a16:creationId xmlns:a16="http://schemas.microsoft.com/office/drawing/2014/main" id="{DF5CA90C-69CE-2ABF-F7BA-0AE26C7B9161}"/>
+                  </a:ext>
+                </a:extLst>
+              </p:cNvPr>
+              <p:cNvSpPr>
+                <a:spLocks/>
+              </p:cNvSpPr>
+              <p:nvPr/>
+            </p:nvSpPr>
+            <p:spPr bwMode="auto">
+              <a:xfrm>
+                <a:off x="896938" y="623888"/>
+                <a:ext cx="123825" cy="123825"/>
+              </a:xfrm>
+              <a:custGeom>
+                <a:avLst/>
+                <a:gdLst>
+                  <a:gd name="T0" fmla="*/ 31 w 44"/>
+                  <a:gd name="T1" fmla="*/ 19 h 44"/>
+                  <a:gd name="T2" fmla="*/ 31 w 44"/>
+                  <a:gd name="T3" fmla="*/ 19 h 44"/>
+                  <a:gd name="T4" fmla="*/ 42 w 44"/>
+                  <a:gd name="T5" fmla="*/ 8 h 44"/>
+                  <a:gd name="T6" fmla="*/ 42 w 44"/>
+                  <a:gd name="T7" fmla="*/ 2 h 44"/>
+                  <a:gd name="T8" fmla="*/ 36 w 44"/>
+                  <a:gd name="T9" fmla="*/ 2 h 44"/>
+                  <a:gd name="T10" fmla="*/ 25 w 44"/>
+                  <a:gd name="T11" fmla="*/ 13 h 44"/>
+                  <a:gd name="T12" fmla="*/ 25 w 44"/>
+                  <a:gd name="T13" fmla="*/ 13 h 44"/>
+                  <a:gd name="T14" fmla="*/ 15 w 44"/>
+                  <a:gd name="T15" fmla="*/ 2 h 44"/>
+                  <a:gd name="T16" fmla="*/ 9 w 44"/>
+                  <a:gd name="T17" fmla="*/ 2 h 44"/>
+                  <a:gd name="T18" fmla="*/ 0 w 44"/>
+                  <a:gd name="T19" fmla="*/ 11 h 44"/>
+                  <a:gd name="T20" fmla="*/ 1 w 44"/>
+                  <a:gd name="T21" fmla="*/ 12 h 44"/>
+                  <a:gd name="T22" fmla="*/ 7 w 44"/>
+                  <a:gd name="T23" fmla="*/ 16 h 44"/>
+                  <a:gd name="T24" fmla="*/ 19 w 44"/>
+                  <a:gd name="T25" fmla="*/ 26 h 44"/>
+                  <a:gd name="T26" fmla="*/ 28 w 44"/>
+                  <a:gd name="T27" fmla="*/ 37 h 44"/>
+                  <a:gd name="T28" fmla="*/ 31 w 44"/>
+                  <a:gd name="T29" fmla="*/ 41 h 44"/>
+                  <a:gd name="T30" fmla="*/ 33 w 44"/>
+                  <a:gd name="T31" fmla="*/ 44 h 44"/>
+                  <a:gd name="T32" fmla="*/ 42 w 44"/>
+                  <a:gd name="T33" fmla="*/ 35 h 44"/>
+                  <a:gd name="T34" fmla="*/ 42 w 44"/>
+                  <a:gd name="T35" fmla="*/ 29 h 44"/>
+                  <a:gd name="T36" fmla="*/ 31 w 44"/>
+                  <a:gd name="T37" fmla="*/ 19 h 44"/>
+                </a:gdLst>
+                <a:ahLst/>
+                <a:cxnLst>
+                  <a:cxn ang="0">
+                    <a:pos x="T0" y="T1"/>
+                  </a:cxn>
+                  <a:cxn ang="0">
+                    <a:pos x="T2" y="T3"/>
+                  </a:cxn>
+                  <a:cxn ang="0">
+                    <a:pos x="T4" y="T5"/>
+                  </a:cxn>
+                  <a:cxn ang="0">
+                    <a:pos x="T6" y="T7"/>
+                  </a:cxn>
+                  <a:cxn ang="0">
+                    <a:pos x="T8" y="T9"/>
+                  </a:cxn>
+                  <a:cxn ang="0">
+                    <a:pos x="T10" y="T11"/>
+                  </a:cxn>
+                  <a:cxn ang="0">
+                    <a:pos x="T12" y="T13"/>
+                  </a:cxn>
+                  <a:cxn ang="0">
+                    <a:pos x="T14" y="T15"/>
+                  </a:cxn>
+                  <a:cxn ang="0">
+                    <a:pos x="T16" y="T17"/>
+                  </a:cxn>
+                  <a:cxn ang="0">
+                    <a:pos x="T18" y="T19"/>
+                  </a:cxn>
+                  <a:cxn ang="0">
+                    <a:pos x="T20" y="T21"/>
+                  </a:cxn>
+                  <a:cxn ang="0">
+                    <a:pos x="T22" y="T23"/>
+                  </a:cxn>
+                  <a:cxn ang="0">
+                    <a:pos x="T24" y="T25"/>
+                  </a:cxn>
+                  <a:cxn ang="0">
+                    <a:pos x="T26" y="T27"/>
+                  </a:cxn>
+                  <a:cxn ang="0">
+                    <a:pos x="T28" y="T29"/>
+                  </a:cxn>
+                  <a:cxn ang="0">
+                    <a:pos x="T30" y="T31"/>
+                  </a:cxn>
+                  <a:cxn ang="0">
+                    <a:pos x="T32" y="T33"/>
+                  </a:cxn>
+                  <a:cxn ang="0">
+                    <a:pos x="T34" y="T35"/>
+                  </a:cxn>
+                  <a:cxn ang="0">
+                    <a:pos x="T36" y="T37"/>
+                  </a:cxn>
+                </a:cxnLst>
+                <a:rect l="0" t="0" r="r" b="b"/>
+                <a:pathLst>
+                  <a:path w="44" h="44">
+                    <a:moveTo>
+                      <a:pt x="31" y="19"/>
+                    </a:moveTo>
+                    <a:cubicBezTo>
+                      <a:pt x="31" y="19"/>
+                      <a:pt x="31" y="19"/>
+                      <a:pt x="31" y="19"/>
+                    </a:cubicBezTo>
+                    <a:cubicBezTo>
+                      <a:pt x="42" y="8"/>
+                      <a:pt x="42" y="8"/>
+                      <a:pt x="42" y="8"/>
+                    </a:cubicBezTo>
+                    <a:cubicBezTo>
+                      <a:pt x="44" y="6"/>
+                      <a:pt x="44" y="4"/>
+                      <a:pt x="42" y="2"/>
+                    </a:cubicBezTo>
+                    <a:cubicBezTo>
+                      <a:pt x="40" y="0"/>
+                      <a:pt x="38" y="0"/>
+                      <a:pt x="36" y="2"/>
+                    </a:cubicBezTo>
+                    <a:cubicBezTo>
+                      <a:pt x="25" y="13"/>
+                      <a:pt x="25" y="13"/>
+                      <a:pt x="25" y="13"/>
+                    </a:cubicBezTo>
+                    <a:cubicBezTo>
+                      <a:pt x="25" y="13"/>
+                      <a:pt x="25" y="13"/>
+                      <a:pt x="25" y="13"/>
+                    </a:cubicBezTo>
+                    <a:cubicBezTo>
+                      <a:pt x="15" y="2"/>
+                      <a:pt x="15" y="2"/>
+                      <a:pt x="15" y="2"/>
+                    </a:cubicBezTo>
+                    <a:cubicBezTo>
+                      <a:pt x="13" y="0"/>
+                      <a:pt x="10" y="0"/>
+                      <a:pt x="9" y="2"/>
+                    </a:cubicBezTo>
+                    <a:cubicBezTo>
+                      <a:pt x="0" y="11"/>
+                      <a:pt x="0" y="11"/>
+                      <a:pt x="0" y="11"/>
+                    </a:cubicBezTo>
+                    <a:cubicBezTo>
+                      <a:pt x="0" y="12"/>
+                      <a:pt x="1" y="12"/>
+                      <a:pt x="1" y="12"/>
+                    </a:cubicBezTo>
+                    <a:cubicBezTo>
+                      <a:pt x="3" y="13"/>
+                      <a:pt x="5" y="14"/>
+                      <a:pt x="7" y="16"/>
+                    </a:cubicBezTo>
+                    <a:cubicBezTo>
+                      <a:pt x="11" y="19"/>
+                      <a:pt x="15" y="22"/>
+                      <a:pt x="19" y="26"/>
+                    </a:cubicBezTo>
+                    <a:cubicBezTo>
+                      <a:pt x="22" y="29"/>
+                      <a:pt x="26" y="33"/>
+                      <a:pt x="28" y="37"/>
+                    </a:cubicBezTo>
+                    <a:cubicBezTo>
+                      <a:pt x="29" y="39"/>
+                      <a:pt x="30" y="40"/>
+                      <a:pt x="31" y="41"/>
+                    </a:cubicBezTo>
+                    <a:cubicBezTo>
+                      <a:pt x="31" y="42"/>
+                      <a:pt x="32" y="43"/>
+                      <a:pt x="33" y="44"/>
+                    </a:cubicBezTo>
+                    <a:cubicBezTo>
+                      <a:pt x="42" y="35"/>
+                      <a:pt x="42" y="35"/>
+                      <a:pt x="42" y="35"/>
+                    </a:cubicBezTo>
+                    <a:cubicBezTo>
+                      <a:pt x="44" y="34"/>
+                      <a:pt x="44" y="31"/>
+                      <a:pt x="42" y="29"/>
+                    </a:cubicBezTo>
+                    <a:lnTo>
+                      <a:pt x="31" y="19"/>
+                    </a:lnTo>
+                    <a:close/>
+                  </a:path>
+                </a:pathLst>
+              </a:custGeom>
+              <a:solidFill>
+                <a:srgbClr val="FFFFFF"/>
+              </a:solidFill>
+              <a:ln>
+                <a:noFill/>
+              </a:ln>
+              <a:extLst>
+                <a:ext uri="{91240B29-F687-4F45-9708-019B960494DF}">
+                  <a14:hiddenLine xmlns:a14="http://schemas.microsoft.com/office/drawing/2010/main" w="9525">
+                    <a:solidFill>
+                      <a:srgbClr val="000000"/>
+                    </a:solidFill>
+                    <a:round/>
+                    <a:headEnd/>
+                    <a:tailEnd/>
+                  </a14:hiddenLine>
+                </a:ext>
+              </a:extLst>
+            </p:spPr>
+            <p:txBody>
+              <a:bodyPr vert="horz" wrap="square" lIns="91419" tIns="45709" rIns="91419" bIns="45709" numCol="1" anchor="t" anchorCtr="0" compatLnSpc="1">
+                <a:prstTxWarp prst="textNoShape">
+                  <a:avLst/>
+                </a:prstTxWarp>
+              </a:bodyPr>
+              <a:lstStyle/>
+              <a:p>
+                <a:endParaRPr lang="zh-CN" altLang="en-US"/>
+              </a:p>
+            </p:txBody>
+          </p:sp>
+          <p:sp>
+            <p:nvSpPr>
+              <p:cNvPr id="10" name="Freeform 18">
+                <a:extLst>
+                  <a:ext uri="{FF2B5EF4-FFF2-40B4-BE49-F238E27FC236}">
+                    <a16:creationId xmlns:a16="http://schemas.microsoft.com/office/drawing/2014/main" id="{D406C63F-40F0-808A-9E81-EC1F9D5A0FDF}"/>
+                  </a:ext>
+                </a:extLst>
+              </p:cNvPr>
+              <p:cNvSpPr>
+                <a:spLocks/>
+              </p:cNvSpPr>
+              <p:nvPr/>
+            </p:nvSpPr>
+            <p:spPr bwMode="auto">
+              <a:xfrm>
+                <a:off x="1041400" y="533400"/>
+                <a:ext cx="69850" cy="69850"/>
+              </a:xfrm>
+              <a:custGeom>
+                <a:avLst/>
+                <a:gdLst>
+                  <a:gd name="T0" fmla="*/ 4 w 25"/>
+                  <a:gd name="T1" fmla="*/ 25 h 25"/>
+                  <a:gd name="T2" fmla="*/ 7 w 25"/>
+                  <a:gd name="T3" fmla="*/ 24 h 25"/>
+                  <a:gd name="T4" fmla="*/ 23 w 25"/>
+                  <a:gd name="T5" fmla="*/ 8 h 25"/>
+                  <a:gd name="T6" fmla="*/ 23 w 25"/>
+                  <a:gd name="T7" fmla="*/ 2 h 25"/>
+                  <a:gd name="T8" fmla="*/ 17 w 25"/>
+                  <a:gd name="T9" fmla="*/ 2 h 25"/>
+                  <a:gd name="T10" fmla="*/ 1 w 25"/>
+                  <a:gd name="T11" fmla="*/ 18 h 25"/>
+                  <a:gd name="T12" fmla="*/ 1 w 25"/>
+                  <a:gd name="T13" fmla="*/ 24 h 25"/>
+                  <a:gd name="T14" fmla="*/ 4 w 25"/>
+                  <a:gd name="T15" fmla="*/ 25 h 25"/>
+                </a:gdLst>
+                <a:ahLst/>
+                <a:cxnLst>
+                  <a:cxn ang="0">
+                    <a:pos x="T0" y="T1"/>
+                  </a:cxn>
+                  <a:cxn ang="0">
+                    <a:pos x="T2" y="T3"/>
+                  </a:cxn>
+                  <a:cxn ang="0">
+                    <a:pos x="T4" y="T5"/>
+                  </a:cxn>
+                  <a:cxn ang="0">
+                    <a:pos x="T6" y="T7"/>
+                  </a:cxn>
+                  <a:cxn ang="0">
+                    <a:pos x="T8" y="T9"/>
+                  </a:cxn>
+                  <a:cxn ang="0">
+                    <a:pos x="T10" y="T11"/>
+                  </a:cxn>
+                  <a:cxn ang="0">
+                    <a:pos x="T12" y="T13"/>
+                  </a:cxn>
+                  <a:cxn ang="0">
+                    <a:pos x="T14" y="T15"/>
+                  </a:cxn>
+                </a:cxnLst>
+                <a:rect l="0" t="0" r="r" b="b"/>
+                <a:pathLst>
+                  <a:path w="25" h="25">
+                    <a:moveTo>
+                      <a:pt x="4" y="25"/>
+                    </a:moveTo>
+                    <a:cubicBezTo>
+                      <a:pt x="5" y="25"/>
+                      <a:pt x="6" y="24"/>
+                      <a:pt x="7" y="24"/>
+                    </a:cubicBezTo>
+                    <a:cubicBezTo>
+                      <a:pt x="23" y="8"/>
+                      <a:pt x="23" y="8"/>
+                      <a:pt x="23" y="8"/>
+                    </a:cubicBezTo>
+                    <a:cubicBezTo>
+                      <a:pt x="25" y="6"/>
+                      <a:pt x="25" y="4"/>
+                      <a:pt x="23" y="2"/>
+                    </a:cubicBezTo>
+                    <a:cubicBezTo>
+                      <a:pt x="21" y="0"/>
+                      <a:pt x="19" y="0"/>
+                      <a:pt x="17" y="2"/>
+                    </a:cubicBezTo>
+                    <a:cubicBezTo>
+                      <a:pt x="1" y="18"/>
+                      <a:pt x="1" y="18"/>
+                      <a:pt x="1" y="18"/>
+                    </a:cubicBezTo>
+                    <a:cubicBezTo>
+                      <a:pt x="0" y="20"/>
+                      <a:pt x="0" y="22"/>
+                      <a:pt x="1" y="24"/>
+                    </a:cubicBezTo>
+                    <a:cubicBezTo>
+                      <a:pt x="2" y="24"/>
+                      <a:pt x="3" y="25"/>
+                      <a:pt x="4" y="25"/>
+                    </a:cubicBezTo>
+                    <a:close/>
+                  </a:path>
+                </a:pathLst>
+              </a:custGeom>
+              <a:solidFill>
+                <a:srgbClr val="FFFFFF"/>
+              </a:solidFill>
+              <a:ln>
+                <a:noFill/>
+              </a:ln>
+              <a:extLst>
+                <a:ext uri="{91240B29-F687-4F45-9708-019B960494DF}">
+                  <a14:hiddenLine xmlns:a14="http://schemas.microsoft.com/office/drawing/2010/main" w="9525">
+                    <a:solidFill>
+                      <a:srgbClr val="000000"/>
+                    </a:solidFill>
+                    <a:round/>
+                    <a:headEnd/>
+                    <a:tailEnd/>
+                  </a14:hiddenLine>
+                </a:ext>
+              </a:extLst>
+            </p:spPr>
+            <p:txBody>
+              <a:bodyPr vert="horz" wrap="square" lIns="91419" tIns="45709" rIns="91419" bIns="45709" numCol="1" anchor="t" anchorCtr="0" compatLnSpc="1">
+                <a:prstTxWarp prst="textNoShape">
+                  <a:avLst/>
+                </a:prstTxWarp>
+              </a:bodyPr>
+              <a:lstStyle/>
+              <a:p>
+                <a:endParaRPr lang="zh-CN" altLang="en-US"/>
+              </a:p>
+            </p:txBody>
+          </p:sp>
+          <p:sp>
+            <p:nvSpPr>
+              <p:cNvPr id="11" name="Freeform 19">
+                <a:extLst>
+                  <a:ext uri="{FF2B5EF4-FFF2-40B4-BE49-F238E27FC236}">
+                    <a16:creationId xmlns:a16="http://schemas.microsoft.com/office/drawing/2014/main" id="{66FC09FA-D339-383F-F543-BB27F83E5DC7}"/>
+                  </a:ext>
+                </a:extLst>
+              </p:cNvPr>
+              <p:cNvSpPr>
+                <a:spLocks/>
+              </p:cNvSpPr>
+              <p:nvPr/>
+            </p:nvSpPr>
+            <p:spPr bwMode="auto">
+              <a:xfrm>
+                <a:off x="1041400" y="625475"/>
+                <a:ext cx="66675" cy="23813"/>
+              </a:xfrm>
+              <a:custGeom>
+                <a:avLst/>
+                <a:gdLst>
+                  <a:gd name="T0" fmla="*/ 20 w 24"/>
+                  <a:gd name="T1" fmla="*/ 0 h 8"/>
+                  <a:gd name="T2" fmla="*/ 4 w 24"/>
+                  <a:gd name="T3" fmla="*/ 0 h 8"/>
+                  <a:gd name="T4" fmla="*/ 0 w 24"/>
+                  <a:gd name="T5" fmla="*/ 4 h 8"/>
+                  <a:gd name="T6" fmla="*/ 4 w 24"/>
+                  <a:gd name="T7" fmla="*/ 8 h 8"/>
+                  <a:gd name="T8" fmla="*/ 20 w 24"/>
+                  <a:gd name="T9" fmla="*/ 8 h 8"/>
+                  <a:gd name="T10" fmla="*/ 24 w 24"/>
+                  <a:gd name="T11" fmla="*/ 4 h 8"/>
+                  <a:gd name="T12" fmla="*/ 20 w 24"/>
+                  <a:gd name="T13" fmla="*/ 0 h 8"/>
+                </a:gdLst>
+                <a:ahLst/>
+                <a:cxnLst>
+                  <a:cxn ang="0">
+                    <a:pos x="T0" y="T1"/>
+                  </a:cxn>
+                  <a:cxn ang="0">
+                    <a:pos x="T2" y="T3"/>
+                  </a:cxn>
+                  <a:cxn ang="0">
+                    <a:pos x="T4" y="T5"/>
+                  </a:cxn>
+                  <a:cxn ang="0">
+                    <a:pos x="T6" y="T7"/>
+                  </a:cxn>
+                  <a:cxn ang="0">
+                    <a:pos x="T8" y="T9"/>
+                  </a:cxn>
+                  <a:cxn ang="0">
+                    <a:pos x="T10" y="T11"/>
+                  </a:cxn>
+                  <a:cxn ang="0">
+                    <a:pos x="T12" y="T13"/>
+                  </a:cxn>
+                </a:cxnLst>
+                <a:rect l="0" t="0" r="r" b="b"/>
+                <a:pathLst>
+                  <a:path w="24" h="8">
+                    <a:moveTo>
+                      <a:pt x="20" y="0"/>
+                    </a:moveTo>
+                    <a:cubicBezTo>
+                      <a:pt x="4" y="0"/>
+                      <a:pt x="4" y="0"/>
+                      <a:pt x="4" y="0"/>
+                    </a:cubicBezTo>
+                    <a:cubicBezTo>
+                      <a:pt x="2" y="0"/>
+                      <a:pt x="0" y="2"/>
+                      <a:pt x="0" y="4"/>
+                    </a:cubicBezTo>
+                    <a:cubicBezTo>
+                      <a:pt x="0" y="6"/>
+                      <a:pt x="2" y="8"/>
+                      <a:pt x="4" y="8"/>
+                    </a:cubicBezTo>
+                    <a:cubicBezTo>
+                      <a:pt x="20" y="8"/>
+                      <a:pt x="20" y="8"/>
+                      <a:pt x="20" y="8"/>
+                    </a:cubicBezTo>
+                    <a:cubicBezTo>
+                      <a:pt x="22" y="8"/>
+                      <a:pt x="24" y="6"/>
+                      <a:pt x="24" y="4"/>
+                    </a:cubicBezTo>
+                    <a:cubicBezTo>
+                      <a:pt x="24" y="2"/>
+                      <a:pt x="22" y="0"/>
+                      <a:pt x="20" y="0"/>
+                    </a:cubicBezTo>
+                    <a:close/>
+                  </a:path>
+                </a:pathLst>
+              </a:custGeom>
+              <a:solidFill>
+                <a:srgbClr val="FFFFFF"/>
+              </a:solidFill>
+              <a:ln>
+                <a:noFill/>
+              </a:ln>
+              <a:extLst>
+                <a:ext uri="{91240B29-F687-4F45-9708-019B960494DF}">
+                  <a14:hiddenLine xmlns:a14="http://schemas.microsoft.com/office/drawing/2010/main" w="9525">
+                    <a:solidFill>
+                      <a:srgbClr val="000000"/>
+                    </a:solidFill>
+                    <a:round/>
+                    <a:headEnd/>
+                    <a:tailEnd/>
+                  </a14:hiddenLine>
+                </a:ext>
+              </a:extLst>
+            </p:spPr>
+            <p:txBody>
+              <a:bodyPr vert="horz" wrap="square" lIns="91419" tIns="45709" rIns="91419" bIns="45709" numCol="1" anchor="t" anchorCtr="0" compatLnSpc="1">
+                <a:prstTxWarp prst="textNoShape">
+                  <a:avLst/>
+                </a:prstTxWarp>
+              </a:bodyPr>
+              <a:lstStyle/>
+              <a:p>
+                <a:endParaRPr lang="zh-CN" altLang="en-US"/>
+              </a:p>
+            </p:txBody>
+          </p:sp>
+          <p:sp>
+            <p:nvSpPr>
+              <p:cNvPr id="12" name="Freeform 20">
+                <a:extLst>
+                  <a:ext uri="{FF2B5EF4-FFF2-40B4-BE49-F238E27FC236}">
+                    <a16:creationId xmlns:a16="http://schemas.microsoft.com/office/drawing/2014/main" id="{791AA409-7F1C-AF6E-16ED-2AE6F542520D}"/>
+                  </a:ext>
+                </a:extLst>
+              </p:cNvPr>
+              <p:cNvSpPr>
+                <a:spLocks/>
+              </p:cNvSpPr>
+              <p:nvPr/>
+            </p:nvSpPr>
+            <p:spPr bwMode="auto">
+              <a:xfrm>
+                <a:off x="1041400" y="668338"/>
+                <a:ext cx="69850" cy="58738"/>
+              </a:xfrm>
+              <a:custGeom>
+                <a:avLst/>
+                <a:gdLst>
+                  <a:gd name="T0" fmla="*/ 7 w 25"/>
+                  <a:gd name="T1" fmla="*/ 2 h 21"/>
+                  <a:gd name="T2" fmla="*/ 1 w 25"/>
+                  <a:gd name="T3" fmla="*/ 2 h 21"/>
+                  <a:gd name="T4" fmla="*/ 2 w 25"/>
+                  <a:gd name="T5" fmla="*/ 8 h 21"/>
+                  <a:gd name="T6" fmla="*/ 18 w 25"/>
+                  <a:gd name="T7" fmla="*/ 20 h 21"/>
+                  <a:gd name="T8" fmla="*/ 20 w 25"/>
+                  <a:gd name="T9" fmla="*/ 21 h 21"/>
+                  <a:gd name="T10" fmla="*/ 23 w 25"/>
+                  <a:gd name="T11" fmla="*/ 19 h 21"/>
+                  <a:gd name="T12" fmla="*/ 23 w 25"/>
+                  <a:gd name="T13" fmla="*/ 14 h 21"/>
+                  <a:gd name="T14" fmla="*/ 7 w 25"/>
+                  <a:gd name="T15" fmla="*/ 2 h 21"/>
+                </a:gdLst>
+                <a:ahLst/>
+                <a:cxnLst>
+                  <a:cxn ang="0">
+                    <a:pos x="T0" y="T1"/>
+                  </a:cxn>
+                  <a:cxn ang="0">
+                    <a:pos x="T2" y="T3"/>
+                  </a:cxn>
+                  <a:cxn ang="0">
+                    <a:pos x="T4" y="T5"/>
+                  </a:cxn>
+                  <a:cxn ang="0">
+                    <a:pos x="T6" y="T7"/>
+                  </a:cxn>
+                  <a:cxn ang="0">
+                    <a:pos x="T8" y="T9"/>
+                  </a:cxn>
+                  <a:cxn ang="0">
+                    <a:pos x="T10" y="T11"/>
+                  </a:cxn>
+                  <a:cxn ang="0">
+                    <a:pos x="T12" y="T13"/>
+                  </a:cxn>
+                  <a:cxn ang="0">
+                    <a:pos x="T14" y="T15"/>
+                  </a:cxn>
+                </a:cxnLst>
+                <a:rect l="0" t="0" r="r" b="b"/>
+                <a:pathLst>
+                  <a:path w="25" h="21">
+                    <a:moveTo>
+                      <a:pt x="7" y="2"/>
+                    </a:moveTo>
+                    <a:cubicBezTo>
+                      <a:pt x="5" y="0"/>
+                      <a:pt x="2" y="1"/>
+                      <a:pt x="1" y="2"/>
+                    </a:cubicBezTo>
+                    <a:cubicBezTo>
+                      <a:pt x="0" y="4"/>
+                      <a:pt x="0" y="7"/>
+                      <a:pt x="2" y="8"/>
+                    </a:cubicBezTo>
+                    <a:cubicBezTo>
+                      <a:pt x="18" y="20"/>
+                      <a:pt x="18" y="20"/>
+                      <a:pt x="18" y="20"/>
+                    </a:cubicBezTo>
+                    <a:cubicBezTo>
+                      <a:pt x="18" y="21"/>
+                      <a:pt x="19" y="21"/>
+                      <a:pt x="20" y="21"/>
+                    </a:cubicBezTo>
+                    <a:cubicBezTo>
+                      <a:pt x="21" y="21"/>
+                      <a:pt x="23" y="20"/>
+                      <a:pt x="23" y="19"/>
+                    </a:cubicBezTo>
+                    <a:cubicBezTo>
+                      <a:pt x="25" y="17"/>
+                      <a:pt x="24" y="15"/>
+                      <a:pt x="23" y="14"/>
+                    </a:cubicBezTo>
+                    <a:lnTo>
+                      <a:pt x="7" y="2"/>
+                    </a:lnTo>
+                    <a:close/>
+                  </a:path>
+                </a:pathLst>
+              </a:custGeom>
+              <a:solidFill>
+                <a:srgbClr val="FFFFFF"/>
+              </a:solidFill>
+              <a:ln>
+                <a:noFill/>
+              </a:ln>
+              <a:extLst>
+                <a:ext uri="{91240B29-F687-4F45-9708-019B960494DF}">
+                  <a14:hiddenLine xmlns:a14="http://schemas.microsoft.com/office/drawing/2010/main" w="9525">
+                    <a:solidFill>
+                      <a:srgbClr val="000000"/>
+                    </a:solidFill>
+                    <a:round/>
+                    <a:headEnd/>
+                    <a:tailEnd/>
+                  </a14:hiddenLine>
+                </a:ext>
+              </a:extLst>
+            </p:spPr>
+            <p:txBody>
+              <a:bodyPr vert="horz" wrap="square" lIns="91419" tIns="45709" rIns="91419" bIns="45709" numCol="1" anchor="t" anchorCtr="0" compatLnSpc="1">
+                <a:prstTxWarp prst="textNoShape">
+                  <a:avLst/>
+                </a:prstTxWarp>
+              </a:bodyPr>
+              <a:lstStyle/>
+              <a:p>
+                <a:endParaRPr lang="zh-CN" altLang="en-US"/>
+              </a:p>
+            </p:txBody>
+          </p:sp>
+          <p:sp>
+            <p:nvSpPr>
+              <p:cNvPr id="13" name="Freeform 21">
+                <a:extLst>
+                  <a:ext uri="{FF2B5EF4-FFF2-40B4-BE49-F238E27FC236}">
+                    <a16:creationId xmlns:a16="http://schemas.microsoft.com/office/drawing/2014/main" id="{405DA9D2-46E3-10FF-634E-C70C31A1FDD5}"/>
+                  </a:ext>
+                </a:extLst>
+              </p:cNvPr>
+              <p:cNvSpPr>
+                <a:spLocks/>
+              </p:cNvSpPr>
+              <p:nvPr/>
+            </p:nvSpPr>
+            <p:spPr bwMode="auto">
+              <a:xfrm>
+                <a:off x="995363" y="536575"/>
+                <a:ext cx="23813" cy="66675"/>
+              </a:xfrm>
+              <a:custGeom>
+                <a:avLst/>
+                <a:gdLst>
+                  <a:gd name="T0" fmla="*/ 4 w 8"/>
+                  <a:gd name="T1" fmla="*/ 24 h 24"/>
+                  <a:gd name="T2" fmla="*/ 8 w 8"/>
+                  <a:gd name="T3" fmla="*/ 20 h 24"/>
+                  <a:gd name="T4" fmla="*/ 8 w 8"/>
+                  <a:gd name="T5" fmla="*/ 4 h 24"/>
+                  <a:gd name="T6" fmla="*/ 4 w 8"/>
+                  <a:gd name="T7" fmla="*/ 0 h 24"/>
+                  <a:gd name="T8" fmla="*/ 0 w 8"/>
+                  <a:gd name="T9" fmla="*/ 4 h 24"/>
+                  <a:gd name="T10" fmla="*/ 0 w 8"/>
+                  <a:gd name="T11" fmla="*/ 20 h 24"/>
+                  <a:gd name="T12" fmla="*/ 4 w 8"/>
+                  <a:gd name="T13" fmla="*/ 24 h 24"/>
+                </a:gdLst>
+                <a:ahLst/>
+                <a:cxnLst>
+                  <a:cxn ang="0">
+                    <a:pos x="T0" y="T1"/>
+                  </a:cxn>
+                  <a:cxn ang="0">
+                    <a:pos x="T2" y="T3"/>
+                  </a:cxn>
+                  <a:cxn ang="0">
+                    <a:pos x="T4" y="T5"/>
+                  </a:cxn>
+                  <a:cxn ang="0">
+                    <a:pos x="T6" y="T7"/>
+                  </a:cxn>
+                  <a:cxn ang="0">
+                    <a:pos x="T8" y="T9"/>
+                  </a:cxn>
+                  <a:cxn ang="0">
+                    <a:pos x="T10" y="T11"/>
+                  </a:cxn>
+                  <a:cxn ang="0">
+                    <a:pos x="T12" y="T13"/>
+                  </a:cxn>
+                </a:cxnLst>
+                <a:rect l="0" t="0" r="r" b="b"/>
+                <a:pathLst>
+                  <a:path w="8" h="24">
+                    <a:moveTo>
+                      <a:pt x="4" y="24"/>
+                    </a:moveTo>
+                    <a:cubicBezTo>
+                      <a:pt x="6" y="24"/>
+                      <a:pt x="8" y="22"/>
+                      <a:pt x="8" y="20"/>
+                    </a:cubicBezTo>
+                    <a:cubicBezTo>
+                      <a:pt x="8" y="4"/>
+                      <a:pt x="8" y="4"/>
+                      <a:pt x="8" y="4"/>
+                    </a:cubicBezTo>
+                    <a:cubicBezTo>
+                      <a:pt x="8" y="2"/>
+                      <a:pt x="6" y="0"/>
+                      <a:pt x="4" y="0"/>
+                    </a:cubicBezTo>
+                    <a:cubicBezTo>
+                      <a:pt x="2" y="0"/>
+                      <a:pt x="0" y="2"/>
+                      <a:pt x="0" y="4"/>
+                    </a:cubicBezTo>
+                    <a:cubicBezTo>
+                      <a:pt x="0" y="20"/>
+                      <a:pt x="0" y="20"/>
+                      <a:pt x="0" y="20"/>
+                    </a:cubicBezTo>
+                    <a:cubicBezTo>
+                      <a:pt x="0" y="22"/>
+                      <a:pt x="2" y="24"/>
+                      <a:pt x="4" y="24"/>
+                    </a:cubicBezTo>
+                    <a:close/>
+                  </a:path>
+                </a:pathLst>
+              </a:custGeom>
+              <a:solidFill>
+                <a:srgbClr val="FFFFFF"/>
+              </a:solidFill>
+              <a:ln>
+                <a:noFill/>
+              </a:ln>
+              <a:extLst>
+                <a:ext uri="{91240B29-F687-4F45-9708-019B960494DF}">
+                  <a14:hiddenLine xmlns:a14="http://schemas.microsoft.com/office/drawing/2010/main" w="9525">
+                    <a:solidFill>
+                      <a:srgbClr val="000000"/>
+                    </a:solidFill>
+                    <a:round/>
+                    <a:headEnd/>
+                    <a:tailEnd/>
+                  </a14:hiddenLine>
+                </a:ext>
+              </a:extLst>
+            </p:spPr>
+            <p:txBody>
+              <a:bodyPr vert="horz" wrap="square" lIns="91419" tIns="45709" rIns="91419" bIns="45709" numCol="1" anchor="t" anchorCtr="0" compatLnSpc="1">
+                <a:prstTxWarp prst="textNoShape">
+                  <a:avLst/>
+                </a:prstTxWarp>
+              </a:bodyPr>
+              <a:lstStyle/>
+              <a:p>
+                <a:endParaRPr lang="zh-CN" altLang="en-US"/>
+              </a:p>
+            </p:txBody>
+          </p:sp>
+          <p:sp>
+            <p:nvSpPr>
+              <p:cNvPr id="14" name="Freeform 22">
+                <a:extLst>
+                  <a:ext uri="{FF2B5EF4-FFF2-40B4-BE49-F238E27FC236}">
+                    <a16:creationId xmlns:a16="http://schemas.microsoft.com/office/drawing/2014/main" id="{DE61F0C8-F9E9-2D4D-3E18-550A85EC444C}"/>
+                  </a:ext>
+                </a:extLst>
+              </p:cNvPr>
+              <p:cNvSpPr>
+                <a:spLocks/>
+              </p:cNvSpPr>
+              <p:nvPr/>
+            </p:nvSpPr>
+            <p:spPr bwMode="auto">
+              <a:xfrm>
+                <a:off x="917575" y="533400"/>
+                <a:ext cx="58738" cy="69850"/>
+              </a:xfrm>
+              <a:custGeom>
+                <a:avLst/>
+                <a:gdLst>
+                  <a:gd name="T0" fmla="*/ 13 w 21"/>
+                  <a:gd name="T1" fmla="*/ 23 h 25"/>
+                  <a:gd name="T2" fmla="*/ 16 w 21"/>
+                  <a:gd name="T3" fmla="*/ 25 h 25"/>
+                  <a:gd name="T4" fmla="*/ 19 w 21"/>
+                  <a:gd name="T5" fmla="*/ 24 h 25"/>
+                  <a:gd name="T6" fmla="*/ 19 w 21"/>
+                  <a:gd name="T7" fmla="*/ 18 h 25"/>
+                  <a:gd name="T8" fmla="*/ 7 w 21"/>
+                  <a:gd name="T9" fmla="*/ 2 h 25"/>
+                  <a:gd name="T10" fmla="*/ 2 w 21"/>
+                  <a:gd name="T11" fmla="*/ 2 h 25"/>
+                  <a:gd name="T12" fmla="*/ 1 w 21"/>
+                  <a:gd name="T13" fmla="*/ 7 h 25"/>
+                  <a:gd name="T14" fmla="*/ 13 w 21"/>
+                  <a:gd name="T15" fmla="*/ 23 h 25"/>
+                </a:gdLst>
+                <a:ahLst/>
+                <a:cxnLst>
+                  <a:cxn ang="0">
+                    <a:pos x="T0" y="T1"/>
+                  </a:cxn>
+                  <a:cxn ang="0">
+                    <a:pos x="T2" y="T3"/>
+                  </a:cxn>
+                  <a:cxn ang="0">
+                    <a:pos x="T4" y="T5"/>
+                  </a:cxn>
+                  <a:cxn ang="0">
+                    <a:pos x="T6" y="T7"/>
+                  </a:cxn>
+                  <a:cxn ang="0">
+                    <a:pos x="T8" y="T9"/>
+                  </a:cxn>
+                  <a:cxn ang="0">
+                    <a:pos x="T10" y="T11"/>
+                  </a:cxn>
+                  <a:cxn ang="0">
+                    <a:pos x="T12" y="T13"/>
+                  </a:cxn>
+                  <a:cxn ang="0">
+                    <a:pos x="T14" y="T15"/>
+                  </a:cxn>
+                </a:cxnLst>
+                <a:rect l="0" t="0" r="r" b="b"/>
+                <a:pathLst>
+                  <a:path w="21" h="25">
+                    <a:moveTo>
+                      <a:pt x="13" y="23"/>
+                    </a:moveTo>
+                    <a:cubicBezTo>
+                      <a:pt x="14" y="24"/>
+                      <a:pt x="15" y="25"/>
+                      <a:pt x="16" y="25"/>
+                    </a:cubicBezTo>
+                    <a:cubicBezTo>
+                      <a:pt x="17" y="25"/>
+                      <a:pt x="18" y="25"/>
+                      <a:pt x="19" y="24"/>
+                    </a:cubicBezTo>
+                    <a:cubicBezTo>
+                      <a:pt x="20" y="23"/>
+                      <a:pt x="21" y="20"/>
+                      <a:pt x="19" y="18"/>
+                    </a:cubicBezTo>
+                    <a:cubicBezTo>
+                      <a:pt x="7" y="2"/>
+                      <a:pt x="7" y="2"/>
+                      <a:pt x="7" y="2"/>
+                    </a:cubicBezTo>
+                    <a:cubicBezTo>
+                      <a:pt x="6" y="1"/>
+                      <a:pt x="3" y="0"/>
+                      <a:pt x="2" y="2"/>
+                    </a:cubicBezTo>
+                    <a:cubicBezTo>
+                      <a:pt x="0" y="3"/>
+                      <a:pt x="0" y="5"/>
+                      <a:pt x="1" y="7"/>
+                    </a:cubicBezTo>
+                    <a:lnTo>
+                      <a:pt x="13" y="23"/>
+                    </a:lnTo>
+                    <a:close/>
+                  </a:path>
+                </a:pathLst>
+              </a:custGeom>
+              <a:solidFill>
+                <a:srgbClr val="FFFFFF"/>
+              </a:solidFill>
+              <a:ln>
+                <a:noFill/>
+              </a:ln>
+              <a:extLst>
+                <a:ext uri="{91240B29-F687-4F45-9708-019B960494DF}">
+                  <a14:hiddenLine xmlns:a14="http://schemas.microsoft.com/office/drawing/2010/main" w="9525">
+                    <a:solidFill>
+                      <a:srgbClr val="000000"/>
+                    </a:solidFill>
+                    <a:round/>
+                    <a:headEnd/>
+                    <a:tailEnd/>
+                  </a14:hiddenLine>
+                </a:ext>
+              </a:extLst>
+            </p:spPr>
+            <p:txBody>
+              <a:bodyPr vert="horz" wrap="square" lIns="91419" tIns="45709" rIns="91419" bIns="45709" numCol="1" anchor="t" anchorCtr="0" compatLnSpc="1">
+                <a:prstTxWarp prst="textNoShape">
+                  <a:avLst/>
+                </a:prstTxWarp>
+              </a:bodyPr>
+              <a:lstStyle/>
+              <a:p>
+                <a:endParaRPr lang="zh-CN" altLang="en-US"/>
+              </a:p>
+            </p:txBody>
+          </p:sp>
+        </p:grpSp>
+        <p:sp>
+          <p:nvSpPr>
+            <p:cNvPr id="5" name="Freeform 28">
+              <a:extLst>
+                <a:ext uri="{FF2B5EF4-FFF2-40B4-BE49-F238E27FC236}">
+                  <a16:creationId xmlns:a16="http://schemas.microsoft.com/office/drawing/2014/main" id="{F2371C69-4033-378D-145E-2C04CFB0118D}"/>
+                </a:ext>
+              </a:extLst>
+            </p:cNvPr>
+            <p:cNvSpPr>
+              <a:spLocks noEditPoints="1"/>
+            </p:cNvSpPr>
+            <p:nvPr/>
+          </p:nvSpPr>
+          <p:spPr bwMode="auto">
+            <a:xfrm>
+              <a:off x="9325124" y="3332990"/>
+              <a:ext cx="245628" cy="245628"/>
+            </a:xfrm>
+            <a:custGeom>
+              <a:avLst/>
+              <a:gdLst>
+                <a:gd name="T0" fmla="*/ 153 w 207"/>
+                <a:gd name="T1" fmla="*/ 51 h 207"/>
+                <a:gd name="T2" fmla="*/ 142 w 207"/>
+                <a:gd name="T3" fmla="*/ 128 h 207"/>
+                <a:gd name="T4" fmla="*/ 161 w 207"/>
+                <a:gd name="T5" fmla="*/ 130 h 207"/>
+                <a:gd name="T6" fmla="*/ 179 w 207"/>
+                <a:gd name="T7" fmla="*/ 108 h 207"/>
+                <a:gd name="T8" fmla="*/ 176 w 207"/>
+                <a:gd name="T9" fmla="*/ 58 h 207"/>
+                <a:gd name="T10" fmla="*/ 137 w 207"/>
+                <a:gd name="T11" fmla="*/ 27 h 207"/>
+                <a:gd name="T12" fmla="*/ 76 w 207"/>
+                <a:gd name="T13" fmla="*/ 30 h 207"/>
+                <a:gd name="T14" fmla="*/ 31 w 207"/>
+                <a:gd name="T15" fmla="*/ 74 h 207"/>
+                <a:gd name="T16" fmla="*/ 30 w 207"/>
+                <a:gd name="T17" fmla="*/ 139 h 207"/>
+                <a:gd name="T18" fmla="*/ 71 w 207"/>
+                <a:gd name="T19" fmla="*/ 178 h 207"/>
+                <a:gd name="T20" fmla="*/ 121 w 207"/>
+                <a:gd name="T21" fmla="*/ 182 h 207"/>
+                <a:gd name="T22" fmla="*/ 143 w 207"/>
+                <a:gd name="T23" fmla="*/ 199 h 207"/>
+                <a:gd name="T24" fmla="*/ 102 w 207"/>
+                <a:gd name="T25" fmla="*/ 207 h 207"/>
+                <a:gd name="T26" fmla="*/ 29 w 207"/>
+                <a:gd name="T27" fmla="*/ 182 h 207"/>
+                <a:gd name="T28" fmla="*/ 0 w 207"/>
+                <a:gd name="T29" fmla="*/ 108 h 207"/>
+                <a:gd name="T30" fmla="*/ 32 w 207"/>
+                <a:gd name="T31" fmla="*/ 29 h 207"/>
+                <a:gd name="T32" fmla="*/ 109 w 207"/>
+                <a:gd name="T33" fmla="*/ 0 h 207"/>
+                <a:gd name="T34" fmla="*/ 179 w 207"/>
+                <a:gd name="T35" fmla="*/ 23 h 207"/>
+                <a:gd name="T36" fmla="*/ 207 w 207"/>
+                <a:gd name="T37" fmla="*/ 87 h 207"/>
+                <a:gd name="T38" fmla="*/ 188 w 207"/>
+                <a:gd name="T39" fmla="*/ 137 h 207"/>
+                <a:gd name="T40" fmla="*/ 141 w 207"/>
+                <a:gd name="T41" fmla="*/ 157 h 207"/>
+                <a:gd name="T42" fmla="*/ 123 w 207"/>
+                <a:gd name="T43" fmla="*/ 151 h 207"/>
+                <a:gd name="T44" fmla="*/ 117 w 207"/>
+                <a:gd name="T45" fmla="*/ 132 h 207"/>
+                <a:gd name="T46" fmla="*/ 109 w 207"/>
+                <a:gd name="T47" fmla="*/ 141 h 207"/>
+                <a:gd name="T48" fmla="*/ 89 w 207"/>
+                <a:gd name="T49" fmla="*/ 155 h 207"/>
+                <a:gd name="T50" fmla="*/ 66 w 207"/>
+                <a:gd name="T51" fmla="*/ 154 h 207"/>
+                <a:gd name="T52" fmla="*/ 52 w 207"/>
+                <a:gd name="T53" fmla="*/ 137 h 207"/>
+                <a:gd name="T54" fmla="*/ 54 w 207"/>
+                <a:gd name="T55" fmla="*/ 96 h 207"/>
+                <a:gd name="T56" fmla="*/ 85 w 207"/>
+                <a:gd name="T57" fmla="*/ 56 h 207"/>
+                <a:gd name="T58" fmla="*/ 120 w 207"/>
+                <a:gd name="T59" fmla="*/ 52 h 207"/>
+                <a:gd name="T60" fmla="*/ 137 w 207"/>
+                <a:gd name="T61" fmla="*/ 51 h 207"/>
+                <a:gd name="T62" fmla="*/ 117 w 207"/>
+                <a:gd name="T63" fmla="*/ 75 h 207"/>
+                <a:gd name="T64" fmla="*/ 96 w 207"/>
+                <a:gd name="T65" fmla="*/ 78 h 207"/>
+                <a:gd name="T66" fmla="*/ 80 w 207"/>
+                <a:gd name="T67" fmla="*/ 101 h 207"/>
+                <a:gd name="T68" fmla="*/ 81 w 207"/>
+                <a:gd name="T69" fmla="*/ 128 h 207"/>
+                <a:gd name="T70" fmla="*/ 98 w 207"/>
+                <a:gd name="T71" fmla="*/ 131 h 207"/>
+                <a:gd name="T72" fmla="*/ 112 w 207"/>
+                <a:gd name="T73" fmla="*/ 119 h 207"/>
+                <a:gd name="T74" fmla="*/ 123 w 207"/>
+                <a:gd name="T75" fmla="*/ 79 h 207"/>
+              </a:gdLst>
+              <a:ahLst/>
+              <a:cxnLst>
+                <a:cxn ang="0">
+                  <a:pos x="T0" y="T1"/>
+                </a:cxn>
+                <a:cxn ang="0">
+                  <a:pos x="T2" y="T3"/>
+                </a:cxn>
+                <a:cxn ang="0">
+                  <a:pos x="T4" y="T5"/>
+                </a:cxn>
+                <a:cxn ang="0">
+                  <a:pos x="T6" y="T7"/>
+                </a:cxn>
+                <a:cxn ang="0">
+                  <a:pos x="T8" y="T9"/>
+                </a:cxn>
+                <a:cxn ang="0">
+                  <a:pos x="T10" y="T11"/>
+                </a:cxn>
+                <a:cxn ang="0">
+                  <a:pos x="T12" y="T13"/>
+                </a:cxn>
+                <a:cxn ang="0">
+                  <a:pos x="T14" y="T15"/>
+                </a:cxn>
+                <a:cxn ang="0">
+                  <a:pos x="T16" y="T17"/>
+                </a:cxn>
+                <a:cxn ang="0">
+                  <a:pos x="T18" y="T19"/>
+                </a:cxn>
+                <a:cxn ang="0">
+                  <a:pos x="T20" y="T21"/>
+                </a:cxn>
+                <a:cxn ang="0">
+                  <a:pos x="T22" y="T23"/>
+                </a:cxn>
+                <a:cxn ang="0">
+                  <a:pos x="T24" y="T25"/>
+                </a:cxn>
+                <a:cxn ang="0">
+                  <a:pos x="T26" y="T27"/>
+                </a:cxn>
+                <a:cxn ang="0">
+                  <a:pos x="T28" y="T29"/>
+                </a:cxn>
+                <a:cxn ang="0">
+                  <a:pos x="T30" y="T31"/>
+                </a:cxn>
+                <a:cxn ang="0">
+                  <a:pos x="T32" y="T33"/>
+                </a:cxn>
+                <a:cxn ang="0">
+                  <a:pos x="T34" y="T35"/>
+                </a:cxn>
+                <a:cxn ang="0">
+                  <a:pos x="T36" y="T37"/>
+                </a:cxn>
+                <a:cxn ang="0">
+                  <a:pos x="T38" y="T39"/>
+                </a:cxn>
+                <a:cxn ang="0">
+                  <a:pos x="T40" y="T41"/>
+                </a:cxn>
+                <a:cxn ang="0">
+                  <a:pos x="T42" y="T43"/>
+                </a:cxn>
+                <a:cxn ang="0">
+                  <a:pos x="T44" y="T45"/>
+                </a:cxn>
+                <a:cxn ang="0">
+                  <a:pos x="T46" y="T47"/>
+                </a:cxn>
+                <a:cxn ang="0">
+                  <a:pos x="T48" y="T49"/>
+                </a:cxn>
+                <a:cxn ang="0">
+                  <a:pos x="T50" y="T51"/>
+                </a:cxn>
+                <a:cxn ang="0">
+                  <a:pos x="T52" y="T53"/>
+                </a:cxn>
+                <a:cxn ang="0">
+                  <a:pos x="T54" y="T55"/>
+                </a:cxn>
+                <a:cxn ang="0">
+                  <a:pos x="T56" y="T57"/>
+                </a:cxn>
+                <a:cxn ang="0">
+                  <a:pos x="T58" y="T59"/>
+                </a:cxn>
+                <a:cxn ang="0">
+                  <a:pos x="T60" y="T61"/>
+                </a:cxn>
+                <a:cxn ang="0">
+                  <a:pos x="T62" y="T63"/>
+                </a:cxn>
+                <a:cxn ang="0">
+                  <a:pos x="T64" y="T65"/>
+                </a:cxn>
+                <a:cxn ang="0">
+                  <a:pos x="T66" y="T67"/>
+                </a:cxn>
+                <a:cxn ang="0">
+                  <a:pos x="T68" y="T69"/>
+                </a:cxn>
+                <a:cxn ang="0">
+                  <a:pos x="T70" y="T71"/>
+                </a:cxn>
+                <a:cxn ang="0">
+                  <a:pos x="T72" y="T73"/>
+                </a:cxn>
+                <a:cxn ang="0">
+                  <a:pos x="T74" y="T75"/>
+                </a:cxn>
+              </a:cxnLst>
+              <a:rect l="0" t="0" r="r" b="b"/>
+              <a:pathLst>
+                <a:path w="207" h="207">
+                  <a:moveTo>
+                    <a:pt x="137" y="51"/>
+                  </a:moveTo>
+                  <a:cubicBezTo>
+                    <a:pt x="153" y="51"/>
+                    <a:pt x="153" y="51"/>
+                    <a:pt x="153" y="51"/>
+                  </a:cubicBezTo>
+                  <a:cubicBezTo>
+                    <a:pt x="142" y="113"/>
+                    <a:pt x="142" y="113"/>
+                    <a:pt x="142" y="113"/>
+                  </a:cubicBezTo>
+                  <a:cubicBezTo>
+                    <a:pt x="141" y="120"/>
+                    <a:pt x="141" y="125"/>
+                    <a:pt x="142" y="128"/>
+                  </a:cubicBezTo>
+                  <a:cubicBezTo>
+                    <a:pt x="143" y="132"/>
+                    <a:pt x="146" y="133"/>
+                    <a:pt x="150" y="133"/>
+                  </a:cubicBezTo>
+                  <a:cubicBezTo>
+                    <a:pt x="154" y="133"/>
+                    <a:pt x="158" y="132"/>
+                    <a:pt x="161" y="130"/>
+                  </a:cubicBezTo>
+                  <a:cubicBezTo>
+                    <a:pt x="165" y="129"/>
+                    <a:pt x="169" y="126"/>
+                    <a:pt x="172" y="122"/>
+                  </a:cubicBezTo>
+                  <a:cubicBezTo>
+                    <a:pt x="175" y="118"/>
+                    <a:pt x="177" y="114"/>
+                    <a:pt x="179" y="108"/>
+                  </a:cubicBezTo>
+                  <a:cubicBezTo>
+                    <a:pt x="181" y="102"/>
+                    <a:pt x="182" y="95"/>
+                    <a:pt x="182" y="87"/>
+                  </a:cubicBezTo>
+                  <a:cubicBezTo>
+                    <a:pt x="182" y="76"/>
+                    <a:pt x="180" y="66"/>
+                    <a:pt x="176" y="58"/>
+                  </a:cubicBezTo>
+                  <a:cubicBezTo>
+                    <a:pt x="172" y="50"/>
+                    <a:pt x="167" y="44"/>
+                    <a:pt x="161" y="38"/>
+                  </a:cubicBezTo>
+                  <a:cubicBezTo>
+                    <a:pt x="154" y="33"/>
+                    <a:pt x="146" y="29"/>
+                    <a:pt x="137" y="27"/>
+                  </a:cubicBezTo>
+                  <a:cubicBezTo>
+                    <a:pt x="128" y="24"/>
+                    <a:pt x="119" y="23"/>
+                    <a:pt x="109" y="23"/>
+                  </a:cubicBezTo>
+                  <a:cubicBezTo>
+                    <a:pt x="97" y="23"/>
+                    <a:pt x="86" y="25"/>
+                    <a:pt x="76" y="30"/>
+                  </a:cubicBezTo>
+                  <a:cubicBezTo>
+                    <a:pt x="65" y="34"/>
+                    <a:pt x="57" y="40"/>
+                    <a:pt x="49" y="47"/>
+                  </a:cubicBezTo>
+                  <a:cubicBezTo>
+                    <a:pt x="42" y="55"/>
+                    <a:pt x="36" y="63"/>
+                    <a:pt x="31" y="74"/>
+                  </a:cubicBezTo>
+                  <a:cubicBezTo>
+                    <a:pt x="27" y="84"/>
+                    <a:pt x="25" y="95"/>
+                    <a:pt x="25" y="107"/>
+                  </a:cubicBezTo>
+                  <a:cubicBezTo>
+                    <a:pt x="25" y="119"/>
+                    <a:pt x="27" y="129"/>
+                    <a:pt x="30" y="139"/>
+                  </a:cubicBezTo>
+                  <a:cubicBezTo>
+                    <a:pt x="34" y="148"/>
+                    <a:pt x="39" y="156"/>
+                    <a:pt x="46" y="163"/>
+                  </a:cubicBezTo>
+                  <a:cubicBezTo>
+                    <a:pt x="53" y="169"/>
+                    <a:pt x="61" y="174"/>
+                    <a:pt x="71" y="178"/>
+                  </a:cubicBezTo>
+                  <a:cubicBezTo>
+                    <a:pt x="81" y="181"/>
+                    <a:pt x="93" y="183"/>
+                    <a:pt x="106" y="183"/>
+                  </a:cubicBezTo>
+                  <a:cubicBezTo>
+                    <a:pt x="110" y="183"/>
+                    <a:pt x="115" y="183"/>
+                    <a:pt x="121" y="182"/>
+                  </a:cubicBezTo>
+                  <a:cubicBezTo>
+                    <a:pt x="127" y="181"/>
+                    <a:pt x="132" y="179"/>
+                    <a:pt x="136" y="177"/>
+                  </a:cubicBezTo>
+                  <a:cubicBezTo>
+                    <a:pt x="143" y="199"/>
+                    <a:pt x="143" y="199"/>
+                    <a:pt x="143" y="199"/>
+                  </a:cubicBezTo>
+                  <a:cubicBezTo>
+                    <a:pt x="137" y="202"/>
+                    <a:pt x="131" y="204"/>
+                    <a:pt x="124" y="205"/>
+                  </a:cubicBezTo>
+                  <a:cubicBezTo>
+                    <a:pt x="118" y="206"/>
+                    <a:pt x="110" y="207"/>
+                    <a:pt x="102" y="207"/>
+                  </a:cubicBezTo>
+                  <a:cubicBezTo>
+                    <a:pt x="87" y="207"/>
+                    <a:pt x="74" y="205"/>
+                    <a:pt x="61" y="200"/>
+                  </a:cubicBezTo>
+                  <a:cubicBezTo>
+                    <a:pt x="49" y="196"/>
+                    <a:pt x="38" y="190"/>
+                    <a:pt x="29" y="182"/>
+                  </a:cubicBezTo>
+                  <a:cubicBezTo>
+                    <a:pt x="20" y="173"/>
+                    <a:pt x="13" y="163"/>
+                    <a:pt x="7" y="151"/>
+                  </a:cubicBezTo>
+                  <a:cubicBezTo>
+                    <a:pt x="2" y="138"/>
+                    <a:pt x="0" y="124"/>
+                    <a:pt x="0" y="108"/>
+                  </a:cubicBezTo>
+                  <a:cubicBezTo>
+                    <a:pt x="0" y="91"/>
+                    <a:pt x="3" y="76"/>
+                    <a:pt x="9" y="63"/>
+                  </a:cubicBezTo>
+                  <a:cubicBezTo>
+                    <a:pt x="14" y="50"/>
+                    <a:pt x="22" y="38"/>
+                    <a:pt x="32" y="29"/>
+                  </a:cubicBezTo>
+                  <a:cubicBezTo>
+                    <a:pt x="42" y="20"/>
+                    <a:pt x="54" y="12"/>
+                    <a:pt x="67" y="7"/>
+                  </a:cubicBezTo>
+                  <a:cubicBezTo>
+                    <a:pt x="80" y="2"/>
+                    <a:pt x="94" y="0"/>
+                    <a:pt x="109" y="0"/>
+                  </a:cubicBezTo>
+                  <a:cubicBezTo>
+                    <a:pt x="123" y="0"/>
+                    <a:pt x="136" y="2"/>
+                    <a:pt x="148" y="6"/>
+                  </a:cubicBezTo>
+                  <a:cubicBezTo>
+                    <a:pt x="160" y="10"/>
+                    <a:pt x="170" y="15"/>
+                    <a:pt x="179" y="23"/>
+                  </a:cubicBezTo>
+                  <a:cubicBezTo>
+                    <a:pt x="188" y="30"/>
+                    <a:pt x="195" y="40"/>
+                    <a:pt x="200" y="50"/>
+                  </a:cubicBezTo>
+                  <a:cubicBezTo>
+                    <a:pt x="205" y="61"/>
+                    <a:pt x="207" y="74"/>
+                    <a:pt x="207" y="87"/>
+                  </a:cubicBezTo>
+                  <a:cubicBezTo>
+                    <a:pt x="207" y="97"/>
+                    <a:pt x="205" y="106"/>
+                    <a:pt x="202" y="115"/>
+                  </a:cubicBezTo>
+                  <a:cubicBezTo>
+                    <a:pt x="199" y="123"/>
+                    <a:pt x="194" y="130"/>
+                    <a:pt x="188" y="137"/>
+                  </a:cubicBezTo>
+                  <a:cubicBezTo>
+                    <a:pt x="182" y="143"/>
+                    <a:pt x="175" y="148"/>
+                    <a:pt x="167" y="151"/>
+                  </a:cubicBezTo>
+                  <a:cubicBezTo>
+                    <a:pt x="159" y="155"/>
+                    <a:pt x="151" y="157"/>
+                    <a:pt x="141" y="157"/>
+                  </a:cubicBezTo>
+                  <a:cubicBezTo>
+                    <a:pt x="138" y="157"/>
+                    <a:pt x="134" y="156"/>
+                    <a:pt x="131" y="156"/>
+                  </a:cubicBezTo>
+                  <a:cubicBezTo>
+                    <a:pt x="128" y="155"/>
+                    <a:pt x="125" y="153"/>
+                    <a:pt x="123" y="151"/>
+                  </a:cubicBezTo>
+                  <a:cubicBezTo>
+                    <a:pt x="121" y="149"/>
+                    <a:pt x="119" y="147"/>
+                    <a:pt x="118" y="144"/>
+                  </a:cubicBezTo>
+                  <a:cubicBezTo>
+                    <a:pt x="117" y="140"/>
+                    <a:pt x="116" y="137"/>
+                    <a:pt x="117" y="132"/>
+                  </a:cubicBezTo>
+                  <a:cubicBezTo>
+                    <a:pt x="116" y="132"/>
+                    <a:pt x="116" y="132"/>
+                    <a:pt x="116" y="132"/>
+                  </a:cubicBezTo>
+                  <a:cubicBezTo>
+                    <a:pt x="114" y="135"/>
+                    <a:pt x="111" y="138"/>
+                    <a:pt x="109" y="141"/>
+                  </a:cubicBezTo>
+                  <a:cubicBezTo>
+                    <a:pt x="106" y="144"/>
+                    <a:pt x="103" y="147"/>
+                    <a:pt x="100" y="149"/>
+                  </a:cubicBezTo>
+                  <a:cubicBezTo>
+                    <a:pt x="97" y="152"/>
+                    <a:pt x="93" y="153"/>
+                    <a:pt x="89" y="155"/>
+                  </a:cubicBezTo>
+                  <a:cubicBezTo>
+                    <a:pt x="86" y="156"/>
+                    <a:pt x="81" y="157"/>
+                    <a:pt x="77" y="157"/>
+                  </a:cubicBezTo>
+                  <a:cubicBezTo>
+                    <a:pt x="73" y="157"/>
+                    <a:pt x="70" y="156"/>
+                    <a:pt x="66" y="154"/>
+                  </a:cubicBezTo>
+                  <a:cubicBezTo>
+                    <a:pt x="63" y="153"/>
+                    <a:pt x="60" y="151"/>
+                    <a:pt x="58" y="148"/>
+                  </a:cubicBezTo>
+                  <a:cubicBezTo>
+                    <a:pt x="55" y="145"/>
+                    <a:pt x="53" y="141"/>
+                    <a:pt x="52" y="137"/>
+                  </a:cubicBezTo>
+                  <a:cubicBezTo>
+                    <a:pt x="51" y="133"/>
+                    <a:pt x="50" y="129"/>
+                    <a:pt x="50" y="124"/>
+                  </a:cubicBezTo>
+                  <a:cubicBezTo>
+                    <a:pt x="50" y="114"/>
+                    <a:pt x="51" y="105"/>
+                    <a:pt x="54" y="96"/>
+                  </a:cubicBezTo>
+                  <a:cubicBezTo>
+                    <a:pt x="57" y="87"/>
+                    <a:pt x="62" y="80"/>
+                    <a:pt x="67" y="73"/>
+                  </a:cubicBezTo>
+                  <a:cubicBezTo>
+                    <a:pt x="72" y="66"/>
+                    <a:pt x="78" y="60"/>
+                    <a:pt x="85" y="56"/>
+                  </a:cubicBezTo>
+                  <a:cubicBezTo>
+                    <a:pt x="92" y="52"/>
+                    <a:pt x="99" y="50"/>
+                    <a:pt x="107" y="50"/>
+                  </a:cubicBezTo>
+                  <a:cubicBezTo>
+                    <a:pt x="112" y="50"/>
+                    <a:pt x="117" y="51"/>
+                    <a:pt x="120" y="52"/>
+                  </a:cubicBezTo>
+                  <a:cubicBezTo>
+                    <a:pt x="124" y="54"/>
+                    <a:pt x="127" y="56"/>
+                    <a:pt x="130" y="59"/>
+                  </a:cubicBezTo>
+                  <a:lnTo>
+                    <a:pt x="137" y="51"/>
+                  </a:lnTo>
+                  <a:close/>
+                  <a:moveTo>
+                    <a:pt x="123" y="79"/>
+                  </a:moveTo>
+                  <a:cubicBezTo>
+                    <a:pt x="121" y="77"/>
+                    <a:pt x="119" y="76"/>
+                    <a:pt x="117" y="75"/>
+                  </a:cubicBezTo>
+                  <a:cubicBezTo>
+                    <a:pt x="115" y="74"/>
+                    <a:pt x="112" y="74"/>
+                    <a:pt x="109" y="74"/>
+                  </a:cubicBezTo>
+                  <a:cubicBezTo>
+                    <a:pt x="104" y="74"/>
+                    <a:pt x="100" y="75"/>
+                    <a:pt x="96" y="78"/>
+                  </a:cubicBezTo>
+                  <a:cubicBezTo>
+                    <a:pt x="92" y="80"/>
+                    <a:pt x="89" y="83"/>
+                    <a:pt x="86" y="88"/>
+                  </a:cubicBezTo>
+                  <a:cubicBezTo>
+                    <a:pt x="84" y="92"/>
+                    <a:pt x="81" y="96"/>
+                    <a:pt x="80" y="101"/>
+                  </a:cubicBezTo>
+                  <a:cubicBezTo>
+                    <a:pt x="78" y="106"/>
+                    <a:pt x="78" y="111"/>
+                    <a:pt x="78" y="116"/>
+                  </a:cubicBezTo>
+                  <a:cubicBezTo>
+                    <a:pt x="78" y="121"/>
+                    <a:pt x="79" y="125"/>
+                    <a:pt x="81" y="128"/>
+                  </a:cubicBezTo>
+                  <a:cubicBezTo>
+                    <a:pt x="83" y="132"/>
+                    <a:pt x="86" y="133"/>
+                    <a:pt x="91" y="133"/>
+                  </a:cubicBezTo>
+                  <a:cubicBezTo>
+                    <a:pt x="93" y="133"/>
+                    <a:pt x="96" y="133"/>
+                    <a:pt x="98" y="131"/>
+                  </a:cubicBezTo>
+                  <a:cubicBezTo>
+                    <a:pt x="100" y="130"/>
+                    <a:pt x="103" y="128"/>
+                    <a:pt x="105" y="126"/>
+                  </a:cubicBezTo>
+                  <a:cubicBezTo>
+                    <a:pt x="107" y="124"/>
+                    <a:pt x="110" y="122"/>
+                    <a:pt x="112" y="119"/>
+                  </a:cubicBezTo>
+                  <a:cubicBezTo>
+                    <a:pt x="114" y="116"/>
+                    <a:pt x="116" y="113"/>
+                    <a:pt x="117" y="110"/>
+                  </a:cubicBezTo>
+                  <a:lnTo>
+                    <a:pt x="123" y="79"/>
+                  </a:lnTo>
+                  <a:close/>
+                </a:path>
+              </a:pathLst>
+            </a:custGeom>
+            <a:solidFill>
+              <a:schemeClr val="bg1"/>
+            </a:solidFill>
+            <a:ln>
+              <a:noFill/>
+            </a:ln>
+          </p:spPr>
+          <p:txBody>
+            <a:bodyPr vert="horz" wrap="square" lIns="91419" tIns="45709" rIns="91419" bIns="45709" numCol="1" anchor="t" anchorCtr="0" compatLnSpc="1">
+              <a:prstTxWarp prst="textNoShape">
+                <a:avLst/>
+              </a:prstTxWarp>
+            </a:bodyPr>
+            <a:lstStyle/>
+            <a:p>
+              <a:endParaRPr lang="zh-CN" altLang="en-US"/>
+            </a:p>
+          </p:txBody>
+        </p:sp>
+        <p:sp>
+          <p:nvSpPr>
+            <p:cNvPr id="6" name="Freeform 64">
+              <a:extLst>
+                <a:ext uri="{FF2B5EF4-FFF2-40B4-BE49-F238E27FC236}">
+                  <a16:creationId xmlns:a16="http://schemas.microsoft.com/office/drawing/2014/main" id="{67AE6EB9-FCDC-8483-24DF-39DA772A3976}"/>
+                </a:ext>
+              </a:extLst>
+            </p:cNvPr>
+            <p:cNvSpPr>
+              <a:spLocks noEditPoints="1"/>
+            </p:cNvSpPr>
+            <p:nvPr/>
+          </p:nvSpPr>
+          <p:spPr bwMode="auto">
+            <a:xfrm>
+              <a:off x="7093857" y="4231545"/>
+              <a:ext cx="261925" cy="260524"/>
+            </a:xfrm>
+            <a:custGeom>
+              <a:avLst/>
+              <a:gdLst>
+                <a:gd name="T0" fmla="*/ 219 w 248"/>
+                <a:gd name="T1" fmla="*/ 149 h 247"/>
+                <a:gd name="T2" fmla="*/ 219 w 248"/>
+                <a:gd name="T3" fmla="*/ 99 h 247"/>
+                <a:gd name="T4" fmla="*/ 231 w 248"/>
+                <a:gd name="T5" fmla="*/ 70 h 247"/>
+                <a:gd name="T6" fmla="*/ 174 w 248"/>
+                <a:gd name="T7" fmla="*/ 39 h 247"/>
+                <a:gd name="T8" fmla="*/ 162 w 248"/>
+                <a:gd name="T9" fmla="*/ 10 h 247"/>
+                <a:gd name="T10" fmla="*/ 100 w 248"/>
+                <a:gd name="T11" fmla="*/ 29 h 247"/>
+                <a:gd name="T12" fmla="*/ 71 w 248"/>
+                <a:gd name="T13" fmla="*/ 17 h 247"/>
+                <a:gd name="T14" fmla="*/ 40 w 248"/>
+                <a:gd name="T15" fmla="*/ 74 h 247"/>
+                <a:gd name="T16" fmla="*/ 11 w 248"/>
+                <a:gd name="T17" fmla="*/ 86 h 247"/>
+                <a:gd name="T18" fmla="*/ 45 w 248"/>
+                <a:gd name="T19" fmla="*/ 124 h 247"/>
+                <a:gd name="T20" fmla="*/ 11 w 248"/>
+                <a:gd name="T21" fmla="*/ 161 h 247"/>
+                <a:gd name="T22" fmla="*/ 40 w 248"/>
+                <a:gd name="T23" fmla="*/ 173 h 247"/>
+                <a:gd name="T24" fmla="*/ 71 w 248"/>
+                <a:gd name="T25" fmla="*/ 231 h 247"/>
+                <a:gd name="T26" fmla="*/ 100 w 248"/>
+                <a:gd name="T27" fmla="*/ 218 h 247"/>
+                <a:gd name="T28" fmla="*/ 162 w 248"/>
+                <a:gd name="T29" fmla="*/ 237 h 247"/>
+                <a:gd name="T30" fmla="*/ 174 w 248"/>
+                <a:gd name="T31" fmla="*/ 208 h 247"/>
+                <a:gd name="T32" fmla="*/ 231 w 248"/>
+                <a:gd name="T33" fmla="*/ 177 h 247"/>
+                <a:gd name="T34" fmla="*/ 124 w 248"/>
+                <a:gd name="T35" fmla="*/ 187 h 247"/>
+                <a:gd name="T36" fmla="*/ 124 w 248"/>
+                <a:gd name="T37" fmla="*/ 61 h 247"/>
+                <a:gd name="T38" fmla="*/ 124 w 248"/>
+                <a:gd name="T39" fmla="*/ 187 h 247"/>
+                <a:gd name="T40" fmla="*/ 216 w 248"/>
+                <a:gd name="T41" fmla="*/ 124 h 247"/>
+                <a:gd name="T42" fmla="*/ 235 w 248"/>
+                <a:gd name="T43" fmla="*/ 118 h 247"/>
+                <a:gd name="T44" fmla="*/ 235 w 248"/>
+                <a:gd name="T45" fmla="*/ 132 h 247"/>
+                <a:gd name="T46" fmla="*/ 54 w 248"/>
+                <a:gd name="T47" fmla="*/ 65 h 247"/>
+                <a:gd name="T48" fmla="*/ 51 w 248"/>
+                <a:gd name="T49" fmla="*/ 42 h 247"/>
+                <a:gd name="T50" fmla="*/ 41 w 248"/>
+                <a:gd name="T51" fmla="*/ 51 h 247"/>
+                <a:gd name="T52" fmla="*/ 131 w 248"/>
+                <a:gd name="T53" fmla="*/ 33 h 247"/>
+                <a:gd name="T54" fmla="*/ 124 w 248"/>
+                <a:gd name="T55" fmla="*/ 7 h 247"/>
+                <a:gd name="T56" fmla="*/ 117 w 248"/>
+                <a:gd name="T57" fmla="*/ 33 h 247"/>
+                <a:gd name="T58" fmla="*/ 131 w 248"/>
+                <a:gd name="T59" fmla="*/ 33 h 247"/>
+                <a:gd name="T60" fmla="*/ 207 w 248"/>
+                <a:gd name="T61" fmla="*/ 51 h 247"/>
+                <a:gd name="T62" fmla="*/ 197 w 248"/>
+                <a:gd name="T63" fmla="*/ 42 h 247"/>
+                <a:gd name="T64" fmla="*/ 189 w 248"/>
+                <a:gd name="T65" fmla="*/ 59 h 247"/>
+                <a:gd name="T66" fmla="*/ 13 w 248"/>
+                <a:gd name="T67" fmla="*/ 118 h 247"/>
+                <a:gd name="T68" fmla="*/ 13 w 248"/>
+                <a:gd name="T69" fmla="*/ 132 h 247"/>
+                <a:gd name="T70" fmla="*/ 33 w 248"/>
+                <a:gd name="T71" fmla="*/ 124 h 247"/>
+                <a:gd name="T72" fmla="*/ 13 w 248"/>
+                <a:gd name="T73" fmla="*/ 118 h 247"/>
+                <a:gd name="T74" fmla="*/ 189 w 248"/>
+                <a:gd name="T75" fmla="*/ 189 h 247"/>
+                <a:gd name="T76" fmla="*/ 196 w 248"/>
+                <a:gd name="T77" fmla="*/ 207 h 247"/>
+                <a:gd name="T78" fmla="*/ 206 w 248"/>
+                <a:gd name="T79" fmla="*/ 207 h 247"/>
+                <a:gd name="T80" fmla="*/ 193 w 248"/>
+                <a:gd name="T81" fmla="*/ 184 h 247"/>
+                <a:gd name="T82" fmla="*/ 117 w 248"/>
+                <a:gd name="T83" fmla="*/ 215 h 247"/>
+                <a:gd name="T84" fmla="*/ 124 w 248"/>
+                <a:gd name="T85" fmla="*/ 243 h 247"/>
+                <a:gd name="T86" fmla="*/ 131 w 248"/>
+                <a:gd name="T87" fmla="*/ 236 h 247"/>
+                <a:gd name="T88" fmla="*/ 124 w 248"/>
+                <a:gd name="T89" fmla="*/ 215 h 247"/>
+                <a:gd name="T90" fmla="*/ 41 w 248"/>
+                <a:gd name="T91" fmla="*/ 199 h 247"/>
+                <a:gd name="T92" fmla="*/ 46 w 248"/>
+                <a:gd name="T93" fmla="*/ 210 h 247"/>
+                <a:gd name="T94" fmla="*/ 65 w 248"/>
+                <a:gd name="T95" fmla="*/ 194 h 247"/>
+                <a:gd name="T96" fmla="*/ 55 w 248"/>
+                <a:gd name="T97" fmla="*/ 184 h 247"/>
+                <a:gd name="T98" fmla="*/ 76 w 248"/>
+                <a:gd name="T99" fmla="*/ 124 h 247"/>
+                <a:gd name="T100" fmla="*/ 173 w 248"/>
+                <a:gd name="T101" fmla="*/ 124 h 247"/>
+              </a:gdLst>
+              <a:ahLst/>
+              <a:cxnLst>
+                <a:cxn ang="0">
+                  <a:pos x="T0" y="T1"/>
+                </a:cxn>
+                <a:cxn ang="0">
+                  <a:pos x="T2" y="T3"/>
+                </a:cxn>
+                <a:cxn ang="0">
+                  <a:pos x="T4" y="T5"/>
+                </a:cxn>
+                <a:cxn ang="0">
+                  <a:pos x="T6" y="T7"/>
+                </a:cxn>
+                <a:cxn ang="0">
+                  <a:pos x="T8" y="T9"/>
+                </a:cxn>
+                <a:cxn ang="0">
+                  <a:pos x="T10" y="T11"/>
+                </a:cxn>
+                <a:cxn ang="0">
+                  <a:pos x="T12" y="T13"/>
+                </a:cxn>
+                <a:cxn ang="0">
+                  <a:pos x="T14" y="T15"/>
+                </a:cxn>
+                <a:cxn ang="0">
+                  <a:pos x="T16" y="T17"/>
+                </a:cxn>
+                <a:cxn ang="0">
+                  <a:pos x="T18" y="T19"/>
+                </a:cxn>
+                <a:cxn ang="0">
+                  <a:pos x="T20" y="T21"/>
+                </a:cxn>
+                <a:cxn ang="0">
+                  <a:pos x="T22" y="T23"/>
+                </a:cxn>
+                <a:cxn ang="0">
+                  <a:pos x="T24" y="T25"/>
+                </a:cxn>
+                <a:cxn ang="0">
+                  <a:pos x="T26" y="T27"/>
+                </a:cxn>
+                <a:cxn ang="0">
+                  <a:pos x="T28" y="T29"/>
+                </a:cxn>
+                <a:cxn ang="0">
+                  <a:pos x="T30" y="T31"/>
+                </a:cxn>
+                <a:cxn ang="0">
+                  <a:pos x="T32" y="T33"/>
+                </a:cxn>
+                <a:cxn ang="0">
+                  <a:pos x="T34" y="T35"/>
+                </a:cxn>
+                <a:cxn ang="0">
+                  <a:pos x="T36" y="T37"/>
+                </a:cxn>
+                <a:cxn ang="0">
+                  <a:pos x="T38" y="T39"/>
+                </a:cxn>
+                <a:cxn ang="0">
+                  <a:pos x="T40" y="T41"/>
+                </a:cxn>
+                <a:cxn ang="0">
+                  <a:pos x="T42" y="T43"/>
+                </a:cxn>
+                <a:cxn ang="0">
+                  <a:pos x="T44" y="T45"/>
+                </a:cxn>
+                <a:cxn ang="0">
+                  <a:pos x="T46" y="T47"/>
+                </a:cxn>
+                <a:cxn ang="0">
+                  <a:pos x="T48" y="T49"/>
+                </a:cxn>
+                <a:cxn ang="0">
+                  <a:pos x="T50" y="T51"/>
+                </a:cxn>
+                <a:cxn ang="0">
+                  <a:pos x="T52" y="T53"/>
+                </a:cxn>
+                <a:cxn ang="0">
+                  <a:pos x="T54" y="T55"/>
+                </a:cxn>
+                <a:cxn ang="0">
+                  <a:pos x="T56" y="T57"/>
+                </a:cxn>
+                <a:cxn ang="0">
+                  <a:pos x="T58" y="T59"/>
+                </a:cxn>
+                <a:cxn ang="0">
+                  <a:pos x="T60" y="T61"/>
+                </a:cxn>
+                <a:cxn ang="0">
+                  <a:pos x="T62" y="T63"/>
+                </a:cxn>
+                <a:cxn ang="0">
+                  <a:pos x="T64" y="T65"/>
+                </a:cxn>
+                <a:cxn ang="0">
+                  <a:pos x="T66" y="T67"/>
+                </a:cxn>
+                <a:cxn ang="0">
+                  <a:pos x="T68" y="T69"/>
+                </a:cxn>
+                <a:cxn ang="0">
+                  <a:pos x="T70" y="T71"/>
+                </a:cxn>
+                <a:cxn ang="0">
+                  <a:pos x="T72" y="T73"/>
+                </a:cxn>
+                <a:cxn ang="0">
+                  <a:pos x="T74" y="T75"/>
+                </a:cxn>
+                <a:cxn ang="0">
+                  <a:pos x="T76" y="T77"/>
+                </a:cxn>
+                <a:cxn ang="0">
+                  <a:pos x="T78" y="T79"/>
+                </a:cxn>
+                <a:cxn ang="0">
+                  <a:pos x="T80" y="T81"/>
+                </a:cxn>
+                <a:cxn ang="0">
+                  <a:pos x="T82" y="T83"/>
+                </a:cxn>
+                <a:cxn ang="0">
+                  <a:pos x="T84" y="T85"/>
+                </a:cxn>
+                <a:cxn ang="0">
+                  <a:pos x="T86" y="T87"/>
+                </a:cxn>
+                <a:cxn ang="0">
+                  <a:pos x="T88" y="T89"/>
+                </a:cxn>
+                <a:cxn ang="0">
+                  <a:pos x="T90" y="T91"/>
+                </a:cxn>
+                <a:cxn ang="0">
+                  <a:pos x="T92" y="T93"/>
+                </a:cxn>
+                <a:cxn ang="0">
+                  <a:pos x="T94" y="T95"/>
+                </a:cxn>
+                <a:cxn ang="0">
+                  <a:pos x="T96" y="T97"/>
+                </a:cxn>
+                <a:cxn ang="0">
+                  <a:pos x="T98" y="T99"/>
+                </a:cxn>
+                <a:cxn ang="0">
+                  <a:pos x="T100" y="T101"/>
+                </a:cxn>
+              </a:cxnLst>
+              <a:rect l="0" t="0" r="r" b="b"/>
+              <a:pathLst>
+                <a:path w="248" h="247">
+                  <a:moveTo>
+                    <a:pt x="238" y="161"/>
+                  </a:moveTo>
+                  <a:cubicBezTo>
+                    <a:pt x="219" y="149"/>
+                    <a:pt x="219" y="149"/>
+                    <a:pt x="219" y="149"/>
+                  </a:cubicBezTo>
+                  <a:cubicBezTo>
+                    <a:pt x="209" y="142"/>
+                    <a:pt x="204" y="133"/>
+                    <a:pt x="204" y="124"/>
+                  </a:cubicBezTo>
+                  <a:cubicBezTo>
+                    <a:pt x="204" y="115"/>
+                    <a:pt x="209" y="106"/>
+                    <a:pt x="219" y="99"/>
+                  </a:cubicBezTo>
+                  <a:cubicBezTo>
+                    <a:pt x="238" y="86"/>
+                    <a:pt x="238" y="86"/>
+                    <a:pt x="238" y="86"/>
+                  </a:cubicBezTo>
+                  <a:cubicBezTo>
+                    <a:pt x="248" y="79"/>
+                    <a:pt x="243" y="68"/>
+                    <a:pt x="231" y="70"/>
+                  </a:cubicBezTo>
+                  <a:cubicBezTo>
+                    <a:pt x="209" y="74"/>
+                    <a:pt x="209" y="74"/>
+                    <a:pt x="209" y="74"/>
+                  </a:cubicBezTo>
+                  <a:cubicBezTo>
+                    <a:pt x="185" y="79"/>
+                    <a:pt x="169" y="63"/>
+                    <a:pt x="174" y="39"/>
+                  </a:cubicBezTo>
+                  <a:cubicBezTo>
+                    <a:pt x="178" y="17"/>
+                    <a:pt x="178" y="17"/>
+                    <a:pt x="178" y="17"/>
+                  </a:cubicBezTo>
+                  <a:cubicBezTo>
+                    <a:pt x="181" y="5"/>
+                    <a:pt x="168" y="1"/>
+                    <a:pt x="162" y="10"/>
+                  </a:cubicBezTo>
+                  <a:cubicBezTo>
+                    <a:pt x="150" y="29"/>
+                    <a:pt x="150" y="29"/>
+                    <a:pt x="150" y="29"/>
+                  </a:cubicBezTo>
+                  <a:cubicBezTo>
+                    <a:pt x="136" y="50"/>
+                    <a:pt x="113" y="50"/>
+                    <a:pt x="100" y="29"/>
+                  </a:cubicBezTo>
+                  <a:cubicBezTo>
+                    <a:pt x="87" y="10"/>
+                    <a:pt x="87" y="10"/>
+                    <a:pt x="87" y="10"/>
+                  </a:cubicBezTo>
+                  <a:cubicBezTo>
+                    <a:pt x="81" y="0"/>
+                    <a:pt x="68" y="4"/>
+                    <a:pt x="71" y="17"/>
+                  </a:cubicBezTo>
+                  <a:cubicBezTo>
+                    <a:pt x="75" y="39"/>
+                    <a:pt x="75" y="39"/>
+                    <a:pt x="75" y="39"/>
+                  </a:cubicBezTo>
+                  <a:cubicBezTo>
+                    <a:pt x="80" y="63"/>
+                    <a:pt x="64" y="79"/>
+                    <a:pt x="40" y="74"/>
+                  </a:cubicBezTo>
+                  <a:cubicBezTo>
+                    <a:pt x="18" y="70"/>
+                    <a:pt x="18" y="70"/>
+                    <a:pt x="18" y="70"/>
+                  </a:cubicBezTo>
+                  <a:cubicBezTo>
+                    <a:pt x="6" y="67"/>
+                    <a:pt x="0" y="80"/>
+                    <a:pt x="11" y="86"/>
+                  </a:cubicBezTo>
+                  <a:cubicBezTo>
+                    <a:pt x="30" y="99"/>
+                    <a:pt x="30" y="99"/>
+                    <a:pt x="30" y="99"/>
+                  </a:cubicBezTo>
+                  <a:cubicBezTo>
+                    <a:pt x="40" y="106"/>
+                    <a:pt x="45" y="115"/>
+                    <a:pt x="45" y="124"/>
+                  </a:cubicBezTo>
+                  <a:cubicBezTo>
+                    <a:pt x="45" y="133"/>
+                    <a:pt x="40" y="142"/>
+                    <a:pt x="30" y="149"/>
+                  </a:cubicBezTo>
+                  <a:cubicBezTo>
+                    <a:pt x="11" y="161"/>
+                    <a:pt x="11" y="161"/>
+                    <a:pt x="11" y="161"/>
+                  </a:cubicBezTo>
+                  <a:cubicBezTo>
+                    <a:pt x="0" y="168"/>
+                    <a:pt x="6" y="180"/>
+                    <a:pt x="18" y="177"/>
+                  </a:cubicBezTo>
+                  <a:cubicBezTo>
+                    <a:pt x="40" y="173"/>
+                    <a:pt x="40" y="173"/>
+                    <a:pt x="40" y="173"/>
+                  </a:cubicBezTo>
+                  <a:cubicBezTo>
+                    <a:pt x="64" y="168"/>
+                    <a:pt x="80" y="184"/>
+                    <a:pt x="75" y="208"/>
+                  </a:cubicBezTo>
+                  <a:cubicBezTo>
+                    <a:pt x="71" y="231"/>
+                    <a:pt x="71" y="231"/>
+                    <a:pt x="71" y="231"/>
+                  </a:cubicBezTo>
+                  <a:cubicBezTo>
+                    <a:pt x="68" y="243"/>
+                    <a:pt x="81" y="247"/>
+                    <a:pt x="87" y="237"/>
+                  </a:cubicBezTo>
+                  <a:cubicBezTo>
+                    <a:pt x="100" y="218"/>
+                    <a:pt x="100" y="218"/>
+                    <a:pt x="100" y="218"/>
+                  </a:cubicBezTo>
+                  <a:cubicBezTo>
+                    <a:pt x="113" y="198"/>
+                    <a:pt x="136" y="198"/>
+                    <a:pt x="150" y="218"/>
+                  </a:cubicBezTo>
+                  <a:cubicBezTo>
+                    <a:pt x="162" y="237"/>
+                    <a:pt x="162" y="237"/>
+                    <a:pt x="162" y="237"/>
+                  </a:cubicBezTo>
+                  <a:cubicBezTo>
+                    <a:pt x="168" y="247"/>
+                    <a:pt x="181" y="242"/>
+                    <a:pt x="178" y="231"/>
+                  </a:cubicBezTo>
+                  <a:cubicBezTo>
+                    <a:pt x="174" y="208"/>
+                    <a:pt x="174" y="208"/>
+                    <a:pt x="174" y="208"/>
+                  </a:cubicBezTo>
+                  <a:cubicBezTo>
+                    <a:pt x="169" y="184"/>
+                    <a:pt x="185" y="168"/>
+                    <a:pt x="209" y="173"/>
+                  </a:cubicBezTo>
+                  <a:cubicBezTo>
+                    <a:pt x="231" y="177"/>
+                    <a:pt x="231" y="177"/>
+                    <a:pt x="231" y="177"/>
+                  </a:cubicBezTo>
+                  <a:cubicBezTo>
+                    <a:pt x="243" y="180"/>
+                    <a:pt x="248" y="168"/>
+                    <a:pt x="238" y="161"/>
+                  </a:cubicBezTo>
+                  <a:close/>
+                  <a:moveTo>
+                    <a:pt x="124" y="187"/>
+                  </a:moveTo>
+                  <a:cubicBezTo>
+                    <a:pt x="89" y="187"/>
+                    <a:pt x="61" y="159"/>
+                    <a:pt x="61" y="124"/>
+                  </a:cubicBezTo>
+                  <a:cubicBezTo>
+                    <a:pt x="61" y="89"/>
+                    <a:pt x="89" y="61"/>
+                    <a:pt x="124" y="61"/>
+                  </a:cubicBezTo>
+                  <a:cubicBezTo>
+                    <a:pt x="159" y="61"/>
+                    <a:pt x="187" y="89"/>
+                    <a:pt x="187" y="124"/>
+                  </a:cubicBezTo>
+                  <a:cubicBezTo>
+                    <a:pt x="187" y="159"/>
+                    <a:pt x="159" y="187"/>
+                    <a:pt x="124" y="187"/>
+                  </a:cubicBezTo>
+                  <a:close/>
+                  <a:moveTo>
+                    <a:pt x="215" y="132"/>
+                  </a:moveTo>
+                  <a:cubicBezTo>
+                    <a:pt x="215" y="129"/>
+                    <a:pt x="216" y="127"/>
+                    <a:pt x="216" y="124"/>
+                  </a:cubicBezTo>
+                  <a:cubicBezTo>
+                    <a:pt x="216" y="122"/>
+                    <a:pt x="215" y="120"/>
+                    <a:pt x="215" y="118"/>
+                  </a:cubicBezTo>
+                  <a:cubicBezTo>
+                    <a:pt x="235" y="118"/>
+                    <a:pt x="235" y="118"/>
+                    <a:pt x="235" y="118"/>
+                  </a:cubicBezTo>
+                  <a:cubicBezTo>
+                    <a:pt x="238" y="118"/>
+                    <a:pt x="242" y="121"/>
+                    <a:pt x="242" y="125"/>
+                  </a:cubicBezTo>
+                  <a:cubicBezTo>
+                    <a:pt x="242" y="129"/>
+                    <a:pt x="238" y="132"/>
+                    <a:pt x="235" y="132"/>
+                  </a:cubicBezTo>
+                  <a:lnTo>
+                    <a:pt x="215" y="132"/>
+                  </a:lnTo>
+                  <a:close/>
+                  <a:moveTo>
+                    <a:pt x="54" y="65"/>
+                  </a:moveTo>
+                  <a:cubicBezTo>
+                    <a:pt x="57" y="61"/>
+                    <a:pt x="60" y="58"/>
+                    <a:pt x="64" y="55"/>
+                  </a:cubicBezTo>
+                  <a:cubicBezTo>
+                    <a:pt x="51" y="42"/>
+                    <a:pt x="51" y="42"/>
+                    <a:pt x="51" y="42"/>
+                  </a:cubicBezTo>
+                  <a:cubicBezTo>
+                    <a:pt x="48" y="39"/>
+                    <a:pt x="44" y="39"/>
+                    <a:pt x="41" y="42"/>
+                  </a:cubicBezTo>
+                  <a:cubicBezTo>
+                    <a:pt x="38" y="44"/>
+                    <a:pt x="38" y="49"/>
+                    <a:pt x="41" y="51"/>
+                  </a:cubicBezTo>
+                  <a:lnTo>
+                    <a:pt x="54" y="65"/>
+                  </a:lnTo>
+                  <a:close/>
+                  <a:moveTo>
+                    <a:pt x="131" y="33"/>
+                  </a:moveTo>
+                  <a:cubicBezTo>
+                    <a:pt x="131" y="14"/>
+                    <a:pt x="131" y="14"/>
+                    <a:pt x="131" y="14"/>
+                  </a:cubicBezTo>
+                  <a:cubicBezTo>
+                    <a:pt x="131" y="10"/>
+                    <a:pt x="128" y="7"/>
+                    <a:pt x="124" y="7"/>
+                  </a:cubicBezTo>
+                  <a:cubicBezTo>
+                    <a:pt x="120" y="7"/>
+                    <a:pt x="117" y="10"/>
+                    <a:pt x="117" y="14"/>
+                  </a:cubicBezTo>
+                  <a:cubicBezTo>
+                    <a:pt x="117" y="33"/>
+                    <a:pt x="117" y="33"/>
+                    <a:pt x="117" y="33"/>
+                  </a:cubicBezTo>
+                  <a:cubicBezTo>
+                    <a:pt x="119" y="32"/>
+                    <a:pt x="122" y="32"/>
+                    <a:pt x="124" y="32"/>
+                  </a:cubicBezTo>
+                  <a:cubicBezTo>
+                    <a:pt x="126" y="32"/>
+                    <a:pt x="129" y="32"/>
+                    <a:pt x="131" y="33"/>
+                  </a:cubicBezTo>
+                  <a:close/>
+                  <a:moveTo>
+                    <a:pt x="194" y="65"/>
+                  </a:moveTo>
+                  <a:cubicBezTo>
+                    <a:pt x="207" y="51"/>
+                    <a:pt x="207" y="51"/>
+                    <a:pt x="207" y="51"/>
+                  </a:cubicBezTo>
+                  <a:cubicBezTo>
+                    <a:pt x="210" y="49"/>
+                    <a:pt x="210" y="44"/>
+                    <a:pt x="207" y="42"/>
+                  </a:cubicBezTo>
+                  <a:cubicBezTo>
+                    <a:pt x="204" y="39"/>
+                    <a:pt x="200" y="39"/>
+                    <a:pt x="197" y="42"/>
+                  </a:cubicBezTo>
+                  <a:cubicBezTo>
+                    <a:pt x="184" y="55"/>
+                    <a:pt x="184" y="55"/>
+                    <a:pt x="184" y="55"/>
+                  </a:cubicBezTo>
+                  <a:cubicBezTo>
+                    <a:pt x="186" y="56"/>
+                    <a:pt x="187" y="58"/>
+                    <a:pt x="189" y="59"/>
+                  </a:cubicBezTo>
+                  <a:cubicBezTo>
+                    <a:pt x="191" y="61"/>
+                    <a:pt x="192" y="63"/>
+                    <a:pt x="194" y="65"/>
+                  </a:cubicBezTo>
+                  <a:close/>
+                  <a:moveTo>
+                    <a:pt x="13" y="118"/>
+                  </a:moveTo>
+                  <a:cubicBezTo>
+                    <a:pt x="10" y="118"/>
+                    <a:pt x="6" y="121"/>
+                    <a:pt x="6" y="125"/>
+                  </a:cubicBezTo>
+                  <a:cubicBezTo>
+                    <a:pt x="6" y="129"/>
+                    <a:pt x="10" y="132"/>
+                    <a:pt x="13" y="132"/>
+                  </a:cubicBezTo>
+                  <a:cubicBezTo>
+                    <a:pt x="33" y="132"/>
+                    <a:pt x="33" y="132"/>
+                    <a:pt x="33" y="132"/>
+                  </a:cubicBezTo>
+                  <a:cubicBezTo>
+                    <a:pt x="33" y="129"/>
+                    <a:pt x="33" y="127"/>
+                    <a:pt x="33" y="124"/>
+                  </a:cubicBezTo>
+                  <a:cubicBezTo>
+                    <a:pt x="33" y="122"/>
+                    <a:pt x="33" y="120"/>
+                    <a:pt x="33" y="118"/>
+                  </a:cubicBezTo>
+                  <a:lnTo>
+                    <a:pt x="13" y="118"/>
+                  </a:lnTo>
+                  <a:close/>
+                  <a:moveTo>
+                    <a:pt x="193" y="184"/>
+                  </a:moveTo>
+                  <a:cubicBezTo>
+                    <a:pt x="191" y="186"/>
+                    <a:pt x="190" y="187"/>
+                    <a:pt x="189" y="189"/>
+                  </a:cubicBezTo>
+                  <a:cubicBezTo>
+                    <a:pt x="187" y="190"/>
+                    <a:pt x="185" y="192"/>
+                    <a:pt x="183" y="194"/>
+                  </a:cubicBezTo>
+                  <a:cubicBezTo>
+                    <a:pt x="196" y="207"/>
+                    <a:pt x="196" y="207"/>
+                    <a:pt x="196" y="207"/>
+                  </a:cubicBezTo>
+                  <a:cubicBezTo>
+                    <a:pt x="197" y="208"/>
+                    <a:pt x="199" y="209"/>
+                    <a:pt x="201" y="209"/>
+                  </a:cubicBezTo>
+                  <a:cubicBezTo>
+                    <a:pt x="202" y="209"/>
+                    <a:pt x="204" y="208"/>
+                    <a:pt x="206" y="207"/>
+                  </a:cubicBezTo>
+                  <a:cubicBezTo>
+                    <a:pt x="208" y="204"/>
+                    <a:pt x="208" y="200"/>
+                    <a:pt x="206" y="197"/>
+                  </a:cubicBezTo>
+                  <a:lnTo>
+                    <a:pt x="193" y="184"/>
+                  </a:lnTo>
+                  <a:close/>
+                  <a:moveTo>
+                    <a:pt x="124" y="215"/>
+                  </a:moveTo>
+                  <a:cubicBezTo>
+                    <a:pt x="122" y="215"/>
+                    <a:pt x="119" y="215"/>
+                    <a:pt x="117" y="215"/>
+                  </a:cubicBezTo>
+                  <a:cubicBezTo>
+                    <a:pt x="117" y="236"/>
+                    <a:pt x="117" y="236"/>
+                    <a:pt x="117" y="236"/>
+                  </a:cubicBezTo>
+                  <a:cubicBezTo>
+                    <a:pt x="117" y="240"/>
+                    <a:pt x="120" y="243"/>
+                    <a:pt x="124" y="243"/>
+                  </a:cubicBezTo>
+                  <a:cubicBezTo>
+                    <a:pt x="124" y="243"/>
+                    <a:pt x="124" y="243"/>
+                    <a:pt x="124" y="243"/>
+                  </a:cubicBezTo>
+                  <a:cubicBezTo>
+                    <a:pt x="128" y="243"/>
+                    <a:pt x="131" y="240"/>
+                    <a:pt x="131" y="236"/>
+                  </a:cubicBezTo>
+                  <a:cubicBezTo>
+                    <a:pt x="131" y="215"/>
+                    <a:pt x="131" y="215"/>
+                    <a:pt x="131" y="215"/>
+                  </a:cubicBezTo>
+                  <a:cubicBezTo>
+                    <a:pt x="129" y="215"/>
+                    <a:pt x="126" y="215"/>
+                    <a:pt x="124" y="215"/>
+                  </a:cubicBezTo>
+                  <a:close/>
+                  <a:moveTo>
+                    <a:pt x="55" y="184"/>
+                  </a:moveTo>
+                  <a:cubicBezTo>
+                    <a:pt x="41" y="199"/>
+                    <a:pt x="41" y="199"/>
+                    <a:pt x="41" y="199"/>
+                  </a:cubicBezTo>
+                  <a:cubicBezTo>
+                    <a:pt x="38" y="201"/>
+                    <a:pt x="38" y="206"/>
+                    <a:pt x="41" y="208"/>
+                  </a:cubicBezTo>
+                  <a:cubicBezTo>
+                    <a:pt x="42" y="210"/>
+                    <a:pt x="44" y="210"/>
+                    <a:pt x="46" y="210"/>
+                  </a:cubicBezTo>
+                  <a:cubicBezTo>
+                    <a:pt x="48" y="210"/>
+                    <a:pt x="49" y="210"/>
+                    <a:pt x="51" y="208"/>
+                  </a:cubicBezTo>
+                  <a:cubicBezTo>
+                    <a:pt x="65" y="194"/>
+                    <a:pt x="65" y="194"/>
+                    <a:pt x="65" y="194"/>
+                  </a:cubicBezTo>
+                  <a:cubicBezTo>
+                    <a:pt x="63" y="192"/>
+                    <a:pt x="61" y="190"/>
+                    <a:pt x="59" y="188"/>
+                  </a:cubicBezTo>
+                  <a:cubicBezTo>
+                    <a:pt x="58" y="187"/>
+                    <a:pt x="57" y="186"/>
+                    <a:pt x="55" y="184"/>
+                  </a:cubicBezTo>
+                  <a:close/>
+                  <a:moveTo>
+                    <a:pt x="124" y="75"/>
+                  </a:moveTo>
+                  <a:cubicBezTo>
+                    <a:pt x="98" y="75"/>
+                    <a:pt x="76" y="97"/>
+                    <a:pt x="76" y="124"/>
+                  </a:cubicBezTo>
+                  <a:cubicBezTo>
+                    <a:pt x="76" y="150"/>
+                    <a:pt x="98" y="172"/>
+                    <a:pt x="124" y="172"/>
+                  </a:cubicBezTo>
+                  <a:cubicBezTo>
+                    <a:pt x="151" y="172"/>
+                    <a:pt x="173" y="150"/>
+                    <a:pt x="173" y="124"/>
+                  </a:cubicBezTo>
+                  <a:cubicBezTo>
+                    <a:pt x="173" y="97"/>
+                    <a:pt x="151" y="75"/>
+                    <a:pt x="124" y="75"/>
+                  </a:cubicBezTo>
+                  <a:close/>
+                </a:path>
+              </a:pathLst>
+            </a:custGeom>
+            <a:solidFill>
+              <a:schemeClr val="bg1"/>
+            </a:solidFill>
+            <a:ln>
+              <a:noFill/>
+            </a:ln>
+          </p:spPr>
+          <p:txBody>
+            <a:bodyPr vert="horz" wrap="square" lIns="91419" tIns="45709" rIns="91419" bIns="45709" numCol="1" anchor="t" anchorCtr="0" compatLnSpc="1">
+              <a:prstTxWarp prst="textNoShape">
+                <a:avLst/>
+              </a:prstTxWarp>
+            </a:bodyPr>
+            <a:lstStyle/>
+            <a:p>
+              <a:endParaRPr lang="zh-CN" altLang="en-US"/>
+            </a:p>
+          </p:txBody>
+        </p:sp>
+        <p:sp>
+          <p:nvSpPr>
+            <p:cNvPr id="7" name="Freeform 135">
+              <a:extLst>
+                <a:ext uri="{FF2B5EF4-FFF2-40B4-BE49-F238E27FC236}">
+                  <a16:creationId xmlns:a16="http://schemas.microsoft.com/office/drawing/2014/main" id="{EAF331A9-9AC3-7912-FE34-558F10C400E4}"/>
+                </a:ext>
+              </a:extLst>
+            </p:cNvPr>
+            <p:cNvSpPr>
+              <a:spLocks noEditPoints="1"/>
+            </p:cNvSpPr>
+            <p:nvPr/>
+          </p:nvSpPr>
+          <p:spPr bwMode="auto">
+            <a:xfrm>
+              <a:off x="9305898" y="4231545"/>
+              <a:ext cx="274530" cy="274530"/>
+            </a:xfrm>
+            <a:custGeom>
+              <a:avLst/>
+              <a:gdLst>
+                <a:gd name="T0" fmla="*/ 121 w 260"/>
+                <a:gd name="T1" fmla="*/ 109 h 261"/>
+                <a:gd name="T2" fmla="*/ 120 w 260"/>
+                <a:gd name="T3" fmla="*/ 133 h 261"/>
+                <a:gd name="T4" fmla="*/ 107 w 260"/>
+                <a:gd name="T5" fmla="*/ 133 h 261"/>
+                <a:gd name="T6" fmla="*/ 121 w 260"/>
+                <a:gd name="T7" fmla="*/ 109 h 261"/>
+                <a:gd name="T8" fmla="*/ 125 w 260"/>
+                <a:gd name="T9" fmla="*/ 0 h 261"/>
+                <a:gd name="T10" fmla="*/ 51 w 260"/>
+                <a:gd name="T11" fmla="*/ 44 h 261"/>
+                <a:gd name="T12" fmla="*/ 41 w 260"/>
+                <a:gd name="T13" fmla="*/ 226 h 261"/>
+                <a:gd name="T14" fmla="*/ 125 w 260"/>
+                <a:gd name="T15" fmla="*/ 248 h 261"/>
+                <a:gd name="T16" fmla="*/ 41 w 260"/>
+                <a:gd name="T17" fmla="*/ 226 h 261"/>
+                <a:gd name="T18" fmla="*/ 0 w 260"/>
+                <a:gd name="T19" fmla="*/ 136 h 261"/>
+                <a:gd name="T20" fmla="*/ 43 w 260"/>
+                <a:gd name="T21" fmla="*/ 210 h 261"/>
+                <a:gd name="T22" fmla="*/ 43 w 260"/>
+                <a:gd name="T23" fmla="*/ 51 h 261"/>
+                <a:gd name="T24" fmla="*/ 0 w 260"/>
+                <a:gd name="T25" fmla="*/ 126 h 261"/>
+                <a:gd name="T26" fmla="*/ 43 w 260"/>
+                <a:gd name="T27" fmla="*/ 51 h 261"/>
+                <a:gd name="T28" fmla="*/ 260 w 260"/>
+                <a:gd name="T29" fmla="*/ 126 h 261"/>
+                <a:gd name="T30" fmla="*/ 217 w 260"/>
+                <a:gd name="T31" fmla="*/ 51 h 261"/>
+                <a:gd name="T32" fmla="*/ 218 w 260"/>
+                <a:gd name="T33" fmla="*/ 35 h 261"/>
+                <a:gd name="T34" fmla="*/ 135 w 260"/>
+                <a:gd name="T35" fmla="*/ 13 h 261"/>
+                <a:gd name="T36" fmla="*/ 218 w 260"/>
+                <a:gd name="T37" fmla="*/ 35 h 261"/>
+                <a:gd name="T38" fmla="*/ 135 w 260"/>
+                <a:gd name="T39" fmla="*/ 261 h 261"/>
+                <a:gd name="T40" fmla="*/ 209 w 260"/>
+                <a:gd name="T41" fmla="*/ 217 h 261"/>
+                <a:gd name="T42" fmla="*/ 130 w 260"/>
+                <a:gd name="T43" fmla="*/ 238 h 261"/>
+                <a:gd name="T44" fmla="*/ 130 w 260"/>
+                <a:gd name="T45" fmla="*/ 23 h 261"/>
+                <a:gd name="T46" fmla="*/ 130 w 260"/>
+                <a:gd name="T47" fmla="*/ 238 h 261"/>
+                <a:gd name="T48" fmla="*/ 65 w 260"/>
+                <a:gd name="T49" fmla="*/ 146 h 261"/>
+                <a:gd name="T50" fmla="*/ 71 w 260"/>
+                <a:gd name="T51" fmla="*/ 141 h 261"/>
+                <a:gd name="T52" fmla="*/ 66 w 260"/>
+                <a:gd name="T53" fmla="*/ 97 h 261"/>
+                <a:gd name="T54" fmla="*/ 50 w 260"/>
+                <a:gd name="T55" fmla="*/ 113 h 261"/>
+                <a:gd name="T56" fmla="*/ 73 w 260"/>
+                <a:gd name="T57" fmla="*/ 117 h 261"/>
+                <a:gd name="T58" fmla="*/ 46 w 260"/>
+                <a:gd name="T59" fmla="*/ 149 h 261"/>
+                <a:gd name="T60" fmla="*/ 88 w 260"/>
+                <a:gd name="T61" fmla="*/ 157 h 261"/>
+                <a:gd name="T62" fmla="*/ 141 w 260"/>
+                <a:gd name="T63" fmla="*/ 133 h 261"/>
+                <a:gd name="T64" fmla="*/ 134 w 260"/>
+                <a:gd name="T65" fmla="*/ 98 h 261"/>
+                <a:gd name="T66" fmla="*/ 94 w 260"/>
+                <a:gd name="T67" fmla="*/ 134 h 261"/>
+                <a:gd name="T68" fmla="*/ 120 w 260"/>
+                <a:gd name="T69" fmla="*/ 143 h 261"/>
+                <a:gd name="T70" fmla="*/ 134 w 260"/>
+                <a:gd name="T71" fmla="*/ 157 h 261"/>
+                <a:gd name="T72" fmla="*/ 141 w 260"/>
+                <a:gd name="T73" fmla="*/ 143 h 261"/>
+                <a:gd name="T74" fmla="*/ 160 w 260"/>
+                <a:gd name="T75" fmla="*/ 89 h 261"/>
+                <a:gd name="T76" fmla="*/ 151 w 260"/>
+                <a:gd name="T77" fmla="*/ 180 h 261"/>
+                <a:gd name="T78" fmla="*/ 160 w 260"/>
+                <a:gd name="T79" fmla="*/ 89 h 261"/>
+                <a:gd name="T80" fmla="*/ 215 w 260"/>
+                <a:gd name="T81" fmla="*/ 107 h 261"/>
+                <a:gd name="T82" fmla="*/ 173 w 260"/>
+                <a:gd name="T83" fmla="*/ 98 h 261"/>
+                <a:gd name="T84" fmla="*/ 200 w 260"/>
+                <a:gd name="T85" fmla="*/ 110 h 261"/>
+                <a:gd name="T86" fmla="*/ 176 w 260"/>
+                <a:gd name="T87" fmla="*/ 157 h 261"/>
+                <a:gd name="T88" fmla="*/ 217 w 260"/>
+                <a:gd name="T89" fmla="*/ 210 h 261"/>
+                <a:gd name="T90" fmla="*/ 260 w 260"/>
+                <a:gd name="T91" fmla="*/ 136 h 261"/>
+                <a:gd name="T92" fmla="*/ 217 w 260"/>
+                <a:gd name="T93" fmla="*/ 210 h 261"/>
+              </a:gdLst>
+              <a:ahLst/>
+              <a:cxnLst>
+                <a:cxn ang="0">
+                  <a:pos x="T0" y="T1"/>
+                </a:cxn>
+                <a:cxn ang="0">
+                  <a:pos x="T2" y="T3"/>
+                </a:cxn>
+                <a:cxn ang="0">
+                  <a:pos x="T4" y="T5"/>
+                </a:cxn>
+                <a:cxn ang="0">
+                  <a:pos x="T6" y="T7"/>
+                </a:cxn>
+                <a:cxn ang="0">
+                  <a:pos x="T8" y="T9"/>
+                </a:cxn>
+                <a:cxn ang="0">
+                  <a:pos x="T10" y="T11"/>
+                </a:cxn>
+                <a:cxn ang="0">
+                  <a:pos x="T12" y="T13"/>
+                </a:cxn>
+                <a:cxn ang="0">
+                  <a:pos x="T14" y="T15"/>
+                </a:cxn>
+                <a:cxn ang="0">
+                  <a:pos x="T16" y="T17"/>
+                </a:cxn>
+                <a:cxn ang="0">
+                  <a:pos x="T18" y="T19"/>
+                </a:cxn>
+                <a:cxn ang="0">
+                  <a:pos x="T20" y="T21"/>
+                </a:cxn>
+                <a:cxn ang="0">
+                  <a:pos x="T22" y="T23"/>
+                </a:cxn>
+                <a:cxn ang="0">
+                  <a:pos x="T24" y="T25"/>
+                </a:cxn>
+                <a:cxn ang="0">
+                  <a:pos x="T26" y="T27"/>
+                </a:cxn>
+                <a:cxn ang="0">
+                  <a:pos x="T28" y="T29"/>
+                </a:cxn>
+                <a:cxn ang="0">
+                  <a:pos x="T30" y="T31"/>
+                </a:cxn>
+                <a:cxn ang="0">
+                  <a:pos x="T32" y="T33"/>
+                </a:cxn>
+                <a:cxn ang="0">
+                  <a:pos x="T34" y="T35"/>
+                </a:cxn>
+                <a:cxn ang="0">
+                  <a:pos x="T36" y="T37"/>
+                </a:cxn>
+                <a:cxn ang="0">
+                  <a:pos x="T38" y="T39"/>
+                </a:cxn>
+                <a:cxn ang="0">
+                  <a:pos x="T40" y="T41"/>
+                </a:cxn>
+                <a:cxn ang="0">
+                  <a:pos x="T42" y="T43"/>
+                </a:cxn>
+                <a:cxn ang="0">
+                  <a:pos x="T44" y="T45"/>
+                </a:cxn>
+                <a:cxn ang="0">
+                  <a:pos x="T46" y="T47"/>
+                </a:cxn>
+                <a:cxn ang="0">
+                  <a:pos x="T48" y="T49"/>
+                </a:cxn>
+                <a:cxn ang="0">
+                  <a:pos x="T50" y="T51"/>
+                </a:cxn>
+                <a:cxn ang="0">
+                  <a:pos x="T52" y="T53"/>
+                </a:cxn>
+                <a:cxn ang="0">
+                  <a:pos x="T54" y="T55"/>
+                </a:cxn>
+                <a:cxn ang="0">
+                  <a:pos x="T56" y="T57"/>
+                </a:cxn>
+                <a:cxn ang="0">
+                  <a:pos x="T58" y="T59"/>
+                </a:cxn>
+                <a:cxn ang="0">
+                  <a:pos x="T60" y="T61"/>
+                </a:cxn>
+                <a:cxn ang="0">
+                  <a:pos x="T62" y="T63"/>
+                </a:cxn>
+                <a:cxn ang="0">
+                  <a:pos x="T64" y="T65"/>
+                </a:cxn>
+                <a:cxn ang="0">
+                  <a:pos x="T66" y="T67"/>
+                </a:cxn>
+                <a:cxn ang="0">
+                  <a:pos x="T68" y="T69"/>
+                </a:cxn>
+                <a:cxn ang="0">
+                  <a:pos x="T70" y="T71"/>
+                </a:cxn>
+                <a:cxn ang="0">
+                  <a:pos x="T72" y="T73"/>
+                </a:cxn>
+                <a:cxn ang="0">
+                  <a:pos x="T74" y="T75"/>
+                </a:cxn>
+                <a:cxn ang="0">
+                  <a:pos x="T76" y="T77"/>
+                </a:cxn>
+                <a:cxn ang="0">
+                  <a:pos x="T78" y="T79"/>
+                </a:cxn>
+                <a:cxn ang="0">
+                  <a:pos x="T80" y="T81"/>
+                </a:cxn>
+                <a:cxn ang="0">
+                  <a:pos x="T82" y="T83"/>
+                </a:cxn>
+                <a:cxn ang="0">
+                  <a:pos x="T84" y="T85"/>
+                </a:cxn>
+                <a:cxn ang="0">
+                  <a:pos x="T86" y="T87"/>
+                </a:cxn>
+                <a:cxn ang="0">
+                  <a:pos x="T88" y="T89"/>
+                </a:cxn>
+                <a:cxn ang="0">
+                  <a:pos x="T90" y="T91"/>
+                </a:cxn>
+                <a:cxn ang="0">
+                  <a:pos x="T92" y="T93"/>
+                </a:cxn>
+              </a:cxnLst>
+              <a:rect l="0" t="0" r="r" b="b"/>
+              <a:pathLst>
+                <a:path w="260" h="261">
+                  <a:moveTo>
+                    <a:pt x="121" y="109"/>
+                  </a:moveTo>
+                  <a:cubicBezTo>
+                    <a:pt x="121" y="109"/>
+                    <a:pt x="121" y="109"/>
+                    <a:pt x="121" y="109"/>
+                  </a:cubicBezTo>
+                  <a:cubicBezTo>
+                    <a:pt x="121" y="113"/>
+                    <a:pt x="120" y="116"/>
+                    <a:pt x="120" y="120"/>
+                  </a:cubicBezTo>
+                  <a:cubicBezTo>
+                    <a:pt x="120" y="133"/>
+                    <a:pt x="120" y="133"/>
+                    <a:pt x="120" y="133"/>
+                  </a:cubicBezTo>
+                  <a:cubicBezTo>
+                    <a:pt x="107" y="133"/>
+                    <a:pt x="107" y="133"/>
+                    <a:pt x="107" y="133"/>
+                  </a:cubicBezTo>
+                  <a:cubicBezTo>
+                    <a:pt x="107" y="133"/>
+                    <a:pt x="107" y="133"/>
+                    <a:pt x="107" y="133"/>
+                  </a:cubicBezTo>
+                  <a:cubicBezTo>
+                    <a:pt x="115" y="120"/>
+                    <a:pt x="115" y="120"/>
+                    <a:pt x="115" y="120"/>
+                  </a:cubicBezTo>
+                  <a:cubicBezTo>
+                    <a:pt x="117" y="116"/>
+                    <a:pt x="119" y="113"/>
+                    <a:pt x="121" y="109"/>
+                  </a:cubicBezTo>
+                  <a:close/>
+                  <a:moveTo>
+                    <a:pt x="125" y="13"/>
+                  </a:moveTo>
+                  <a:cubicBezTo>
+                    <a:pt x="125" y="0"/>
+                    <a:pt x="125" y="0"/>
+                    <a:pt x="125" y="0"/>
+                  </a:cubicBezTo>
+                  <a:cubicBezTo>
+                    <a:pt x="93" y="2"/>
+                    <a:pt x="64" y="15"/>
+                    <a:pt x="41" y="35"/>
+                  </a:cubicBezTo>
+                  <a:cubicBezTo>
+                    <a:pt x="51" y="44"/>
+                    <a:pt x="51" y="44"/>
+                    <a:pt x="51" y="44"/>
+                  </a:cubicBezTo>
+                  <a:cubicBezTo>
+                    <a:pt x="70" y="26"/>
+                    <a:pt x="96" y="15"/>
+                    <a:pt x="125" y="13"/>
+                  </a:cubicBezTo>
+                  <a:close/>
+                  <a:moveTo>
+                    <a:pt x="41" y="226"/>
+                  </a:moveTo>
+                  <a:cubicBezTo>
+                    <a:pt x="64" y="247"/>
+                    <a:pt x="93" y="260"/>
+                    <a:pt x="125" y="261"/>
+                  </a:cubicBezTo>
+                  <a:cubicBezTo>
+                    <a:pt x="125" y="248"/>
+                    <a:pt x="125" y="248"/>
+                    <a:pt x="125" y="248"/>
+                  </a:cubicBezTo>
+                  <a:cubicBezTo>
+                    <a:pt x="96" y="247"/>
+                    <a:pt x="70" y="235"/>
+                    <a:pt x="51" y="217"/>
+                  </a:cubicBezTo>
+                  <a:lnTo>
+                    <a:pt x="41" y="226"/>
+                  </a:lnTo>
+                  <a:close/>
+                  <a:moveTo>
+                    <a:pt x="13" y="136"/>
+                  </a:moveTo>
+                  <a:cubicBezTo>
+                    <a:pt x="0" y="136"/>
+                    <a:pt x="0" y="136"/>
+                    <a:pt x="0" y="136"/>
+                  </a:cubicBezTo>
+                  <a:cubicBezTo>
+                    <a:pt x="1" y="168"/>
+                    <a:pt x="14" y="197"/>
+                    <a:pt x="34" y="219"/>
+                  </a:cubicBezTo>
+                  <a:cubicBezTo>
+                    <a:pt x="43" y="210"/>
+                    <a:pt x="43" y="210"/>
+                    <a:pt x="43" y="210"/>
+                  </a:cubicBezTo>
+                  <a:cubicBezTo>
+                    <a:pt x="25" y="190"/>
+                    <a:pt x="14" y="164"/>
+                    <a:pt x="13" y="136"/>
+                  </a:cubicBezTo>
+                  <a:close/>
+                  <a:moveTo>
+                    <a:pt x="43" y="51"/>
+                  </a:moveTo>
+                  <a:cubicBezTo>
+                    <a:pt x="34" y="42"/>
+                    <a:pt x="34" y="42"/>
+                    <a:pt x="34" y="42"/>
+                  </a:cubicBezTo>
+                  <a:cubicBezTo>
+                    <a:pt x="14" y="64"/>
+                    <a:pt x="1" y="94"/>
+                    <a:pt x="0" y="126"/>
+                  </a:cubicBezTo>
+                  <a:cubicBezTo>
+                    <a:pt x="13" y="126"/>
+                    <a:pt x="13" y="126"/>
+                    <a:pt x="13" y="126"/>
+                  </a:cubicBezTo>
+                  <a:cubicBezTo>
+                    <a:pt x="14" y="97"/>
+                    <a:pt x="25" y="71"/>
+                    <a:pt x="43" y="51"/>
+                  </a:cubicBezTo>
+                  <a:close/>
+                  <a:moveTo>
+                    <a:pt x="248" y="126"/>
+                  </a:moveTo>
+                  <a:cubicBezTo>
+                    <a:pt x="260" y="126"/>
+                    <a:pt x="260" y="126"/>
+                    <a:pt x="260" y="126"/>
+                  </a:cubicBezTo>
+                  <a:cubicBezTo>
+                    <a:pt x="259" y="93"/>
+                    <a:pt x="246" y="64"/>
+                    <a:pt x="226" y="42"/>
+                  </a:cubicBezTo>
+                  <a:cubicBezTo>
+                    <a:pt x="217" y="51"/>
+                    <a:pt x="217" y="51"/>
+                    <a:pt x="217" y="51"/>
+                  </a:cubicBezTo>
+                  <a:cubicBezTo>
+                    <a:pt x="235" y="71"/>
+                    <a:pt x="246" y="97"/>
+                    <a:pt x="248" y="126"/>
+                  </a:cubicBezTo>
+                  <a:close/>
+                  <a:moveTo>
+                    <a:pt x="218" y="35"/>
+                  </a:moveTo>
+                  <a:cubicBezTo>
+                    <a:pt x="196" y="14"/>
+                    <a:pt x="167" y="2"/>
+                    <a:pt x="135" y="0"/>
+                  </a:cubicBezTo>
+                  <a:cubicBezTo>
+                    <a:pt x="135" y="13"/>
+                    <a:pt x="135" y="13"/>
+                    <a:pt x="135" y="13"/>
+                  </a:cubicBezTo>
+                  <a:cubicBezTo>
+                    <a:pt x="164" y="14"/>
+                    <a:pt x="190" y="26"/>
+                    <a:pt x="209" y="44"/>
+                  </a:cubicBezTo>
+                  <a:lnTo>
+                    <a:pt x="218" y="35"/>
+                  </a:lnTo>
+                  <a:close/>
+                  <a:moveTo>
+                    <a:pt x="135" y="248"/>
+                  </a:moveTo>
+                  <a:cubicBezTo>
+                    <a:pt x="135" y="261"/>
+                    <a:pt x="135" y="261"/>
+                    <a:pt x="135" y="261"/>
+                  </a:cubicBezTo>
+                  <a:cubicBezTo>
+                    <a:pt x="167" y="260"/>
+                    <a:pt x="196" y="247"/>
+                    <a:pt x="218" y="226"/>
+                  </a:cubicBezTo>
+                  <a:cubicBezTo>
+                    <a:pt x="209" y="217"/>
+                    <a:pt x="209" y="217"/>
+                    <a:pt x="209" y="217"/>
+                  </a:cubicBezTo>
+                  <a:cubicBezTo>
+                    <a:pt x="190" y="236"/>
+                    <a:pt x="164" y="247"/>
+                    <a:pt x="135" y="248"/>
+                  </a:cubicBezTo>
+                  <a:close/>
+                  <a:moveTo>
+                    <a:pt x="130" y="238"/>
+                  </a:moveTo>
+                  <a:cubicBezTo>
+                    <a:pt x="71" y="238"/>
+                    <a:pt x="23" y="190"/>
+                    <a:pt x="23" y="131"/>
+                  </a:cubicBezTo>
+                  <a:cubicBezTo>
+                    <a:pt x="23" y="71"/>
+                    <a:pt x="71" y="23"/>
+                    <a:pt x="130" y="23"/>
+                  </a:cubicBezTo>
+                  <a:cubicBezTo>
+                    <a:pt x="189" y="23"/>
+                    <a:pt x="238" y="71"/>
+                    <a:pt x="238" y="131"/>
+                  </a:cubicBezTo>
+                  <a:cubicBezTo>
+                    <a:pt x="238" y="190"/>
+                    <a:pt x="189" y="238"/>
+                    <a:pt x="130" y="238"/>
+                  </a:cubicBezTo>
+                  <a:close/>
+                  <a:moveTo>
+                    <a:pt x="88" y="146"/>
+                  </a:moveTo>
+                  <a:cubicBezTo>
+                    <a:pt x="65" y="146"/>
+                    <a:pt x="65" y="146"/>
+                    <a:pt x="65" y="146"/>
+                  </a:cubicBezTo>
+                  <a:cubicBezTo>
+                    <a:pt x="65" y="146"/>
+                    <a:pt x="65" y="146"/>
+                    <a:pt x="65" y="146"/>
+                  </a:cubicBezTo>
+                  <a:cubicBezTo>
+                    <a:pt x="71" y="141"/>
+                    <a:pt x="71" y="141"/>
+                    <a:pt x="71" y="141"/>
+                  </a:cubicBezTo>
+                  <a:cubicBezTo>
+                    <a:pt x="79" y="134"/>
+                    <a:pt x="86" y="126"/>
+                    <a:pt x="86" y="116"/>
+                  </a:cubicBezTo>
+                  <a:cubicBezTo>
+                    <a:pt x="86" y="105"/>
+                    <a:pt x="79" y="97"/>
+                    <a:pt x="66" y="97"/>
+                  </a:cubicBezTo>
+                  <a:cubicBezTo>
+                    <a:pt x="58" y="97"/>
+                    <a:pt x="51" y="100"/>
+                    <a:pt x="46" y="103"/>
+                  </a:cubicBezTo>
+                  <a:cubicBezTo>
+                    <a:pt x="50" y="113"/>
+                    <a:pt x="50" y="113"/>
+                    <a:pt x="50" y="113"/>
+                  </a:cubicBezTo>
+                  <a:cubicBezTo>
+                    <a:pt x="53" y="111"/>
+                    <a:pt x="58" y="108"/>
+                    <a:pt x="63" y="108"/>
+                  </a:cubicBezTo>
+                  <a:cubicBezTo>
+                    <a:pt x="70" y="108"/>
+                    <a:pt x="73" y="112"/>
+                    <a:pt x="73" y="117"/>
+                  </a:cubicBezTo>
+                  <a:cubicBezTo>
+                    <a:pt x="72" y="124"/>
+                    <a:pt x="66" y="131"/>
+                    <a:pt x="53" y="142"/>
+                  </a:cubicBezTo>
+                  <a:cubicBezTo>
+                    <a:pt x="46" y="149"/>
+                    <a:pt x="46" y="149"/>
+                    <a:pt x="46" y="149"/>
+                  </a:cubicBezTo>
+                  <a:cubicBezTo>
+                    <a:pt x="46" y="157"/>
+                    <a:pt x="46" y="157"/>
+                    <a:pt x="46" y="157"/>
+                  </a:cubicBezTo>
+                  <a:cubicBezTo>
+                    <a:pt x="88" y="157"/>
+                    <a:pt x="88" y="157"/>
+                    <a:pt x="88" y="157"/>
+                  </a:cubicBezTo>
+                  <a:lnTo>
+                    <a:pt x="88" y="146"/>
+                  </a:lnTo>
+                  <a:close/>
+                  <a:moveTo>
+                    <a:pt x="141" y="133"/>
+                  </a:moveTo>
+                  <a:cubicBezTo>
+                    <a:pt x="134" y="133"/>
+                    <a:pt x="134" y="133"/>
+                    <a:pt x="134" y="133"/>
+                  </a:cubicBezTo>
+                  <a:cubicBezTo>
+                    <a:pt x="134" y="98"/>
+                    <a:pt x="134" y="98"/>
+                    <a:pt x="134" y="98"/>
+                  </a:cubicBezTo>
+                  <a:cubicBezTo>
+                    <a:pt x="117" y="98"/>
+                    <a:pt x="117" y="98"/>
+                    <a:pt x="117" y="98"/>
+                  </a:cubicBezTo>
+                  <a:cubicBezTo>
+                    <a:pt x="94" y="134"/>
+                    <a:pt x="94" y="134"/>
+                    <a:pt x="94" y="134"/>
+                  </a:cubicBezTo>
+                  <a:cubicBezTo>
+                    <a:pt x="94" y="143"/>
+                    <a:pt x="94" y="143"/>
+                    <a:pt x="94" y="143"/>
+                  </a:cubicBezTo>
+                  <a:cubicBezTo>
+                    <a:pt x="120" y="143"/>
+                    <a:pt x="120" y="143"/>
+                    <a:pt x="120" y="143"/>
+                  </a:cubicBezTo>
+                  <a:cubicBezTo>
+                    <a:pt x="120" y="157"/>
+                    <a:pt x="120" y="157"/>
+                    <a:pt x="120" y="157"/>
+                  </a:cubicBezTo>
+                  <a:cubicBezTo>
+                    <a:pt x="134" y="157"/>
+                    <a:pt x="134" y="157"/>
+                    <a:pt x="134" y="157"/>
+                  </a:cubicBezTo>
+                  <a:cubicBezTo>
+                    <a:pt x="134" y="143"/>
+                    <a:pt x="134" y="143"/>
+                    <a:pt x="134" y="143"/>
+                  </a:cubicBezTo>
+                  <a:cubicBezTo>
+                    <a:pt x="141" y="143"/>
+                    <a:pt x="141" y="143"/>
+                    <a:pt x="141" y="143"/>
+                  </a:cubicBezTo>
+                  <a:lnTo>
+                    <a:pt x="141" y="133"/>
+                  </a:lnTo>
+                  <a:close/>
+                  <a:moveTo>
+                    <a:pt x="160" y="89"/>
+                  </a:moveTo>
+                  <a:cubicBezTo>
+                    <a:pt x="151" y="89"/>
+                    <a:pt x="151" y="89"/>
+                    <a:pt x="151" y="89"/>
+                  </a:cubicBezTo>
+                  <a:cubicBezTo>
+                    <a:pt x="151" y="180"/>
+                    <a:pt x="151" y="180"/>
+                    <a:pt x="151" y="180"/>
+                  </a:cubicBezTo>
+                  <a:cubicBezTo>
+                    <a:pt x="160" y="180"/>
+                    <a:pt x="160" y="180"/>
+                    <a:pt x="160" y="180"/>
+                  </a:cubicBezTo>
+                  <a:lnTo>
+                    <a:pt x="160" y="89"/>
+                  </a:lnTo>
+                  <a:close/>
+                  <a:moveTo>
+                    <a:pt x="190" y="157"/>
+                  </a:moveTo>
+                  <a:cubicBezTo>
+                    <a:pt x="215" y="107"/>
+                    <a:pt x="215" y="107"/>
+                    <a:pt x="215" y="107"/>
+                  </a:cubicBezTo>
+                  <a:cubicBezTo>
+                    <a:pt x="215" y="98"/>
+                    <a:pt x="215" y="98"/>
+                    <a:pt x="215" y="98"/>
+                  </a:cubicBezTo>
+                  <a:cubicBezTo>
+                    <a:pt x="173" y="98"/>
+                    <a:pt x="173" y="98"/>
+                    <a:pt x="173" y="98"/>
+                  </a:cubicBezTo>
+                  <a:cubicBezTo>
+                    <a:pt x="173" y="110"/>
+                    <a:pt x="173" y="110"/>
+                    <a:pt x="173" y="110"/>
+                  </a:cubicBezTo>
+                  <a:cubicBezTo>
+                    <a:pt x="200" y="110"/>
+                    <a:pt x="200" y="110"/>
+                    <a:pt x="200" y="110"/>
+                  </a:cubicBezTo>
+                  <a:cubicBezTo>
+                    <a:pt x="200" y="110"/>
+                    <a:pt x="200" y="110"/>
+                    <a:pt x="200" y="110"/>
+                  </a:cubicBezTo>
+                  <a:cubicBezTo>
+                    <a:pt x="176" y="157"/>
+                    <a:pt x="176" y="157"/>
+                    <a:pt x="176" y="157"/>
+                  </a:cubicBezTo>
+                  <a:lnTo>
+                    <a:pt x="190" y="157"/>
+                  </a:lnTo>
+                  <a:close/>
+                  <a:moveTo>
+                    <a:pt x="217" y="210"/>
+                  </a:moveTo>
+                  <a:cubicBezTo>
+                    <a:pt x="226" y="219"/>
+                    <a:pt x="226" y="219"/>
+                    <a:pt x="226" y="219"/>
+                  </a:cubicBezTo>
+                  <a:cubicBezTo>
+                    <a:pt x="246" y="197"/>
+                    <a:pt x="259" y="168"/>
+                    <a:pt x="260" y="136"/>
+                  </a:cubicBezTo>
+                  <a:cubicBezTo>
+                    <a:pt x="248" y="136"/>
+                    <a:pt x="248" y="136"/>
+                    <a:pt x="248" y="136"/>
+                  </a:cubicBezTo>
+                  <a:cubicBezTo>
+                    <a:pt x="246" y="164"/>
+                    <a:pt x="235" y="190"/>
+                    <a:pt x="217" y="210"/>
+                  </a:cubicBezTo>
+                  <a:close/>
+                </a:path>
+              </a:pathLst>
+            </a:custGeom>
+            <a:solidFill>
+              <a:schemeClr val="bg1"/>
+            </a:solidFill>
+            <a:ln>
+              <a:noFill/>
+            </a:ln>
+          </p:spPr>
+          <p:txBody>
+            <a:bodyPr vert="horz" wrap="square" lIns="91419" tIns="45709" rIns="91419" bIns="45709" numCol="1" anchor="t" anchorCtr="0" compatLnSpc="1">
+              <a:prstTxWarp prst="textNoShape">
+                <a:avLst/>
+              </a:prstTxWarp>
+            </a:bodyPr>
+            <a:lstStyle/>
+            <a:p>
+              <a:endParaRPr lang="zh-CN" altLang="en-US"/>
+            </a:p>
+          </p:txBody>
+        </p:sp>
+      </p:grpSp>
     </p:spTree>
     <p:extLst>
       <p:ext uri="{BB962C8B-B14F-4D97-AF65-F5344CB8AC3E}">
@@ -14633,6 +18523,119 @@
                                         <p:cTn id="51" dur="500" tmFilter="0,0; .5, 1; 1, 1"/>
                                         <p:tgtEl>
                                           <p:spTgt spid="40"/>
+                                        </p:tgtEl>
+                                      </p:cBhvr>
+                                    </p:animEffect>
+                                  </p:childTnLst>
+                                </p:cTn>
+                              </p:par>
+                            </p:childTnLst>
+                          </p:cTn>
+                        </p:par>
+                        <p:par>
+                          <p:cTn id="52" fill="hold">
+                            <p:stCondLst>
+                              <p:cond delay="4020"/>
+                            </p:stCondLst>
+                            <p:childTnLst>
+                              <p:par>
+                                <p:cTn id="53" presetID="31" presetClass="entr" presetSubtype="0" fill="hold" nodeType="afterEffect">
+                                  <p:stCondLst>
+                                    <p:cond delay="0"/>
+                                  </p:stCondLst>
+                                  <p:childTnLst>
+                                    <p:set>
+                                      <p:cBhvr>
+                                        <p:cTn id="54" dur="1" fill="hold">
+                                          <p:stCondLst>
+                                            <p:cond delay="0"/>
+                                          </p:stCondLst>
+                                        </p:cTn>
+                                        <p:tgtEl>
+                                          <p:spTgt spid="2"/>
+                                        </p:tgtEl>
+                                        <p:attrNameLst>
+                                          <p:attrName>style.visibility</p:attrName>
+                                        </p:attrNameLst>
+                                      </p:cBhvr>
+                                      <p:to>
+                                        <p:strVal val="visible"/>
+                                      </p:to>
+                                    </p:set>
+                                    <p:anim calcmode="lin" valueType="num">
+                                      <p:cBhvr>
+                                        <p:cTn id="55" dur="750" fill="hold"/>
+                                        <p:tgtEl>
+                                          <p:spTgt spid="2"/>
+                                        </p:tgtEl>
+                                        <p:attrNameLst>
+                                          <p:attrName>ppt_w</p:attrName>
+                                        </p:attrNameLst>
+                                      </p:cBhvr>
+                                      <p:tavLst>
+                                        <p:tav tm="0">
+                                          <p:val>
+                                            <p:fltVal val="0"/>
+                                          </p:val>
+                                        </p:tav>
+                                        <p:tav tm="100000">
+                                          <p:val>
+                                            <p:strVal val="#ppt_w"/>
+                                          </p:val>
+                                        </p:tav>
+                                      </p:tavLst>
+                                    </p:anim>
+                                    <p:anim calcmode="lin" valueType="num">
+                                      <p:cBhvr>
+                                        <p:cTn id="56" dur="750" fill="hold"/>
+                                        <p:tgtEl>
+                                          <p:spTgt spid="2"/>
+                                        </p:tgtEl>
+                                        <p:attrNameLst>
+                                          <p:attrName>ppt_h</p:attrName>
+                                        </p:attrNameLst>
+                                      </p:cBhvr>
+                                      <p:tavLst>
+                                        <p:tav tm="0">
+                                          <p:val>
+                                            <p:fltVal val="0"/>
+                                          </p:val>
+                                        </p:tav>
+                                        <p:tav tm="100000">
+                                          <p:val>
+                                            <p:strVal val="#ppt_h"/>
+                                          </p:val>
+                                        </p:tav>
+                                      </p:tavLst>
+                                    </p:anim>
+                                    <p:anim calcmode="lin" valueType="num">
+                                      <p:cBhvr>
+                                        <p:cTn id="57" dur="750" fill="hold"/>
+                                        <p:tgtEl>
+                                          <p:spTgt spid="2"/>
+                                        </p:tgtEl>
+                                        <p:attrNameLst>
+                                          <p:attrName>style.rotation</p:attrName>
+                                        </p:attrNameLst>
+                                      </p:cBhvr>
+                                      <p:tavLst>
+                                        <p:tav tm="0">
+                                          <p:val>
+                                            <p:fltVal val="90"/>
+                                          </p:val>
+                                        </p:tav>
+                                        <p:tav tm="100000">
+                                          <p:val>
+                                            <p:fltVal val="0"/>
+                                          </p:val>
+                                        </p:tav>
+                                      </p:tavLst>
+                                    </p:anim>
+                                    <p:animEffect transition="in" filter="fade">
+                                      <p:cBhvr>
+                                        <p:cTn id="58" dur="750"/>
+                                        <p:tgtEl>
+                                          <p:spTgt spid="2"/>
                                         </p:tgtEl>
                                       </p:cBhvr>
                                     </p:animEffect>
@@ -17765,7 +21768,7 @@
         <p:spPr>
           <a:xfrm>
             <a:off x="1264299" y="1683061"/>
-            <a:ext cx="9081760" cy="953851"/>
+            <a:ext cx="8217664" cy="830997"/>
           </a:xfrm>
           <a:prstGeom prst="rect">
             <a:avLst/>
@@ -17779,7 +21782,7 @@
           <a:lstStyle/>
           <a:p>
             <a:r>
-              <a:rPr lang="en-US" altLang="zh-CN" sz="2799" dirty="0">
+              <a:rPr lang="zh-CN" altLang="en-US" sz="2000" b="1" dirty="0">
                 <a:solidFill>
                   <a:schemeClr val="tx1">
                     <a:lumMod val="65000"/>
@@ -17789,10 +21792,36 @@
                 <a:latin typeface="微软雅黑" pitchFamily="34" charset="-122"/>
                 <a:ea typeface="微软雅黑" pitchFamily="34" charset="-122"/>
               </a:rPr>
-              <a:t>procinfo (process information) </a:t>
+              <a:t>介绍：</a:t>
             </a:r>
             <a:r>
-              <a:rPr lang="zh-CN" altLang="en-US" sz="2799" dirty="0">
+              <a:rPr lang="en-US" altLang="zh-CN" sz="2400" dirty="0" err="1">
+                <a:solidFill>
+                  <a:schemeClr val="tx1">
+                    <a:lumMod val="65000"/>
+                    <a:lumOff val="35000"/>
+                  </a:schemeClr>
+                </a:solidFill>
+                <a:latin typeface="微软雅黑" pitchFamily="34" charset="-122"/>
+                <a:ea typeface="微软雅黑" pitchFamily="34" charset="-122"/>
+              </a:rPr>
+              <a:t>procinfo</a:t>
+            </a:r>
+            <a:r>
+              <a:rPr lang="en-US" altLang="zh-CN" sz="2400" dirty="0">
+                <a:solidFill>
+                  <a:schemeClr val="tx1">
+                    <a:lumMod val="65000"/>
+                    <a:lumOff val="35000"/>
+                  </a:schemeClr>
+                </a:solidFill>
+                <a:latin typeface="微软雅黑" pitchFamily="34" charset="-122"/>
+                <a:ea typeface="微软雅黑" pitchFamily="34" charset="-122"/>
+              </a:rPr>
+              <a:t> (process information) </a:t>
+            </a:r>
+            <a:r>
+              <a:rPr lang="zh-CN" altLang="en-US" sz="2400" dirty="0">
                 <a:solidFill>
                   <a:schemeClr val="tx1">
                     <a:lumMod val="65000"/>
@@ -17805,7 +21834,7 @@
               <a:t>指令从 </a:t>
             </a:r>
             <a:r>
-              <a:rPr lang="en-US" altLang="zh-CN" sz="2799" dirty="0">
+              <a:rPr lang="en-US" altLang="zh-CN" sz="2400" dirty="0">
                 <a:solidFill>
                   <a:schemeClr val="tx1">
                     <a:lumMod val="65000"/>
@@ -17818,7 +21847,7 @@
               <a:t>/proc </a:t>
             </a:r>
             <a:r>
-              <a:rPr lang="zh-CN" altLang="en-US" sz="2799" dirty="0">
+              <a:rPr lang="zh-CN" altLang="en-US" sz="2400" dirty="0">
                 <a:solidFill>
                   <a:schemeClr val="tx1">
                     <a:lumMod val="65000"/>
@@ -17828,9 +21857,9 @@
                 <a:latin typeface="微软雅黑" pitchFamily="34" charset="-122"/>
                 <a:ea typeface="微软雅黑" pitchFamily="34" charset="-122"/>
               </a:rPr>
-              <a:t>目录里读取相关数据，将数据妥善整理过后输出到标准输出设备。</a:t>
+              <a:t>目录里读取相关数据，将数据妥善整理过后输出到标准输出设备</a:t>
             </a:r>
-            <a:endParaRPr lang="zh-CN" altLang="zh-CN" sz="2799" dirty="0">
+            <a:endParaRPr lang="zh-CN" altLang="zh-CN" sz="2400" dirty="0">
               <a:solidFill>
                 <a:schemeClr val="tx1">
                   <a:lumMod val="65000"/>
@@ -17989,7 +22018,7 @@
         <p:spPr>
           <a:xfrm>
             <a:off x="1264298" y="3121932"/>
-            <a:ext cx="10223647" cy="523092"/>
+            <a:ext cx="8361681" cy="461665"/>
           </a:xfrm>
           <a:prstGeom prst="rect">
             <a:avLst/>
@@ -18003,7 +22032,20 @@
           <a:lstStyle/>
           <a:p>
             <a:r>
-              <a:rPr lang="zh-CN" altLang="en-US" sz="2799" dirty="0">
+              <a:rPr lang="zh-CN" altLang="en-US" sz="2000" b="1" dirty="0">
+                <a:solidFill>
+                  <a:schemeClr val="tx1">
+                    <a:lumMod val="65000"/>
+                    <a:lumOff val="35000"/>
+                  </a:schemeClr>
+                </a:solidFill>
+                <a:latin typeface="微软雅黑" pitchFamily="34" charset="-122"/>
+                <a:ea typeface="微软雅黑" pitchFamily="34" charset="-122"/>
+              </a:rPr>
+              <a:t>需求：</a:t>
+            </a:r>
+            <a:r>
+              <a:rPr lang="zh-CN" altLang="en-US" sz="2400" dirty="0">
                 <a:solidFill>
                   <a:schemeClr val="tx1">
                     <a:lumMod val="65000"/>
@@ -18016,7 +22058,7 @@
               <a:t>使用</a:t>
             </a:r>
             <a:r>
-              <a:rPr lang="en-US" altLang="zh-CN" sz="2799" dirty="0">
+              <a:rPr lang="en-US" altLang="zh-CN" sz="2400" dirty="0">
                 <a:solidFill>
                   <a:schemeClr val="tx1">
                     <a:lumMod val="65000"/>
@@ -18029,7 +22071,7 @@
               <a:t>openEuler</a:t>
             </a:r>
             <a:r>
-              <a:rPr lang="zh-CN" altLang="en-US" sz="2799" dirty="0">
+              <a:rPr lang="zh-CN" altLang="en-US" sz="2400" dirty="0">
                 <a:solidFill>
                   <a:schemeClr val="tx1">
                     <a:lumMod val="65000"/>
@@ -18042,7 +22084,7 @@
               <a:t>社区开放的测试框架</a:t>
             </a:r>
             <a:r>
-              <a:rPr lang="en-US" altLang="zh-CN" sz="2799" dirty="0" err="1">
+              <a:rPr lang="en-US" altLang="zh-CN" sz="2400" dirty="0" err="1">
                 <a:solidFill>
                   <a:schemeClr val="tx1">
                     <a:lumMod val="65000"/>
@@ -18055,7 +22097,7 @@
               <a:t>mugen</a:t>
             </a:r>
             <a:r>
-              <a:rPr lang="zh-CN" altLang="en-US" sz="2799" dirty="0">
+              <a:rPr lang="zh-CN" altLang="en-US" sz="2400" dirty="0">
                 <a:solidFill>
                   <a:schemeClr val="tx1">
                     <a:lumMod val="65000"/>
@@ -18067,7 +22109,7 @@
               </a:rPr>
               <a:t>编写测试</a:t>
             </a:r>
-            <a:endParaRPr lang="zh-CN" altLang="zh-CN" sz="2799" dirty="0">
+            <a:endParaRPr lang="zh-CN" altLang="zh-CN" sz="2400" dirty="0">
               <a:solidFill>
                 <a:schemeClr val="tx1">
                   <a:lumMod val="65000"/>
@@ -18226,7 +22268,7 @@
         <p:spPr>
           <a:xfrm>
             <a:off x="1264298" y="4437112"/>
-            <a:ext cx="10223647" cy="523092"/>
+            <a:ext cx="7929633" cy="461665"/>
           </a:xfrm>
           <a:prstGeom prst="rect">
             <a:avLst/>
@@ -18240,7 +22282,20 @@
           <a:lstStyle/>
           <a:p>
             <a:r>
-              <a:rPr lang="zh-CN" altLang="en-US" sz="2799" dirty="0">
+              <a:rPr lang="zh-CN" altLang="en-US" sz="2000" b="1" dirty="0">
+                <a:solidFill>
+                  <a:schemeClr val="tx1">
+                    <a:lumMod val="65000"/>
+                    <a:lumOff val="35000"/>
+                  </a:schemeClr>
+                </a:solidFill>
+                <a:latin typeface="微软雅黑" pitchFamily="34" charset="-122"/>
+                <a:ea typeface="微软雅黑" pitchFamily="34" charset="-122"/>
+              </a:rPr>
+              <a:t>成果：</a:t>
+            </a:r>
+            <a:r>
+              <a:rPr lang="zh-CN" altLang="en-US" sz="2400" dirty="0">
                 <a:solidFill>
                   <a:schemeClr val="tx1">
                     <a:lumMod val="65000"/>
@@ -18252,7 +22307,7 @@
               </a:rPr>
               <a:t>测试了键盘交互的正确性以及输出信息的的正确性</a:t>
             </a:r>
-            <a:endParaRPr lang="zh-CN" altLang="zh-CN" sz="2799" dirty="0">
+            <a:endParaRPr lang="zh-CN" altLang="zh-CN" sz="2400" dirty="0">
               <a:solidFill>
                 <a:schemeClr val="tx1">
                   <a:lumMod val="65000"/>
@@ -19130,7 +23185,7 @@
                         <p:par>
                           <p:cTn id="40" fill="hold">
                             <p:stCondLst>
-                              <p:cond delay="6470"/>
+                              <p:cond delay="6570"/>
                             </p:stCondLst>
                             <p:childTnLst>
                               <p:par>
@@ -19174,7 +23229,7 @@
                         <p:par>
                           <p:cTn id="44" fill="hold">
                             <p:stCondLst>
-                              <p:cond delay="6720"/>
+                              <p:cond delay="6820"/>
                             </p:stCondLst>
                             <p:childTnLst>
                               <p:par>
@@ -19328,7 +23383,7 @@
                         <p:par>
                           <p:cTn id="52" fill="hold">
                             <p:stCondLst>
-                              <p:cond delay="8620"/>
+                              <p:cond delay="8870"/>
                             </p:stCondLst>
                             <p:childTnLst>
                               <p:par>
@@ -19372,7 +23427,7 @@
                         <p:par>
                           <p:cTn id="56" fill="hold">
                             <p:stCondLst>
-                              <p:cond delay="8870"/>
+                              <p:cond delay="9120"/>
                             </p:stCondLst>
                             <p:childTnLst>
                               <p:par>
@@ -19972,7 +24027,7 @@
         </p:nvSpPr>
         <p:spPr bwMode="auto">
           <a:xfrm>
-            <a:off x="951172" y="2011729"/>
+            <a:off x="951172" y="2015582"/>
             <a:ext cx="177333" cy="333298"/>
           </a:xfrm>
           <a:custGeom>
@@ -20101,8 +24156,8 @@
         </p:nvSpPr>
         <p:spPr>
           <a:xfrm>
-            <a:off x="1264299" y="1683061"/>
-            <a:ext cx="9441800" cy="953851"/>
+            <a:off x="1273051" y="1628800"/>
+            <a:ext cx="8562467" cy="830997"/>
           </a:xfrm>
           <a:prstGeom prst="rect">
             <a:avLst/>
@@ -20116,7 +24171,20 @@
           <a:lstStyle/>
           <a:p>
             <a:r>
-              <a:rPr lang="zh-CN" altLang="en-US" sz="2799" dirty="0">
+              <a:rPr lang="zh-CN" altLang="en-US" sz="2000" b="1" dirty="0">
+                <a:solidFill>
+                  <a:schemeClr val="tx1">
+                    <a:lumMod val="65000"/>
+                    <a:lumOff val="35000"/>
+                  </a:schemeClr>
+                </a:solidFill>
+                <a:latin typeface="微软雅黑" pitchFamily="34" charset="-122"/>
+                <a:ea typeface="微软雅黑" pitchFamily="34" charset="-122"/>
+              </a:rPr>
+              <a:t>需求：</a:t>
+            </a:r>
+            <a:r>
+              <a:rPr lang="zh-CN" altLang="en-US" sz="2400" dirty="0">
                 <a:solidFill>
                   <a:schemeClr val="tx1">
                     <a:lumMod val="65000"/>
@@ -20129,7 +24197,7 @@
               <a:t>引入一款高效、易用、功能完备的图形化备份工具，图形工具相对独立，能够在</a:t>
             </a:r>
             <a:r>
-              <a:rPr lang="en-US" altLang="zh-CN" sz="2799" dirty="0">
+              <a:rPr lang="en-US" altLang="zh-CN" sz="2400" dirty="0">
                 <a:solidFill>
                   <a:schemeClr val="tx1">
                     <a:lumMod val="65000"/>
@@ -20142,7 +24210,7 @@
               <a:t>openEuler</a:t>
             </a:r>
             <a:r>
-              <a:rPr lang="zh-CN" altLang="en-US" sz="2799" dirty="0">
+              <a:rPr lang="zh-CN" altLang="en-US" sz="2400" dirty="0">
                 <a:solidFill>
                   <a:schemeClr val="tx1">
                     <a:lumMod val="65000"/>
@@ -20152,9 +24220,9 @@
                 <a:latin typeface="微软雅黑" pitchFamily="34" charset="-122"/>
                 <a:ea typeface="微软雅黑" pitchFamily="34" charset="-122"/>
               </a:rPr>
-              <a:t>中的主要桌面环境中使用。</a:t>
+              <a:t>中的主要桌面环境中使用</a:t>
             </a:r>
-            <a:endParaRPr lang="zh-CN" altLang="zh-CN" sz="2799" dirty="0">
+            <a:endParaRPr lang="zh-CN" altLang="zh-CN" sz="2400" dirty="0">
               <a:solidFill>
                 <a:schemeClr val="tx1">
                   <a:lumMod val="65000"/>
@@ -20312,8 +24380,8 @@
         </p:nvSpPr>
         <p:spPr>
           <a:xfrm>
-            <a:off x="1264298" y="2708920"/>
-            <a:ext cx="10223647" cy="1384610"/>
+            <a:off x="1273051" y="3120927"/>
+            <a:ext cx="9721080" cy="461665"/>
           </a:xfrm>
           <a:prstGeom prst="rect">
             <a:avLst/>
@@ -20327,7 +24395,7 @@
           <a:lstStyle/>
           <a:p>
             <a:r>
-              <a:rPr lang="zh-CN" altLang="en-US" sz="2799" dirty="0">
+              <a:rPr lang="zh-CN" altLang="en-US" sz="2000" b="1" dirty="0">
                 <a:solidFill>
                   <a:schemeClr val="tx1">
                     <a:lumMod val="65000"/>
@@ -20337,10 +24405,10 @@
                 <a:latin typeface="微软雅黑" pitchFamily="34" charset="-122"/>
                 <a:ea typeface="微软雅黑" pitchFamily="34" charset="-122"/>
               </a:rPr>
-              <a:t>考察了目前主流的比较完善的并且仍在积极维护的图形化备份工具，确定了</a:t>
+              <a:t>实现：</a:t>
             </a:r>
             <a:r>
-              <a:rPr lang="en-GB" altLang="zh-CN" sz="2799" dirty="0" err="1">
+              <a:rPr lang="zh-CN" altLang="en-US" sz="2400" dirty="0">
                 <a:solidFill>
                   <a:schemeClr val="tx1">
                     <a:lumMod val="65000"/>
@@ -20350,49 +24418,10 @@
                 <a:latin typeface="微软雅黑" pitchFamily="34" charset="-122"/>
                 <a:ea typeface="微软雅黑" pitchFamily="34" charset="-122"/>
               </a:rPr>
-              <a:t>TimeShift</a:t>
+              <a:t>考察了目前主流的工具，最终决定引入</a:t>
             </a:r>
             <a:r>
-              <a:rPr lang="zh-CN" altLang="en-GB" sz="2799" dirty="0">
-                <a:solidFill>
-                  <a:schemeClr val="tx1">
-                    <a:lumMod val="65000"/>
-                    <a:lumOff val="35000"/>
-                  </a:schemeClr>
-                </a:solidFill>
-                <a:latin typeface="微软雅黑" pitchFamily="34" charset="-122"/>
-                <a:ea typeface="微软雅黑" pitchFamily="34" charset="-122"/>
-              </a:rPr>
-              <a:t>，</a:t>
-            </a:r>
-            <a:r>
-              <a:rPr lang="en-GB" altLang="zh-CN" sz="2799" dirty="0" err="1">
-                <a:solidFill>
-                  <a:schemeClr val="tx1">
-                    <a:lumMod val="65000"/>
-                    <a:lumOff val="35000"/>
-                  </a:schemeClr>
-                </a:solidFill>
-                <a:latin typeface="微软雅黑" pitchFamily="34" charset="-122"/>
-                <a:ea typeface="微软雅黑" pitchFamily="34" charset="-122"/>
-              </a:rPr>
-              <a:t>Kbackup</a:t>
-            </a:r>
-            <a:r>
-              <a:rPr lang="zh-CN" altLang="en-US" sz="2799" dirty="0">
-                <a:solidFill>
-                  <a:schemeClr val="tx1">
-                    <a:lumMod val="65000"/>
-                    <a:lumOff val="35000"/>
-                  </a:schemeClr>
-                </a:solidFill>
-                <a:latin typeface="微软雅黑" pitchFamily="34" charset="-122"/>
-                <a:ea typeface="微软雅黑" pitchFamily="34" charset="-122"/>
-              </a:rPr>
-              <a:t>以及</a:t>
-            </a:r>
-            <a:r>
-              <a:rPr lang="en-GB" altLang="zh-CN" sz="2799" dirty="0" err="1">
+              <a:rPr lang="en-GB" altLang="zh-CN" sz="2400" dirty="0" err="1">
                 <a:solidFill>
                   <a:schemeClr val="tx1">
                     <a:lumMod val="65000"/>
@@ -20404,46 +24433,7 @@
               </a:rPr>
               <a:t>BackinTime</a:t>
             </a:r>
-            <a:r>
-              <a:rPr lang="zh-CN" altLang="en-US" sz="2799" dirty="0">
-                <a:solidFill>
-                  <a:schemeClr val="tx1">
-                    <a:lumMod val="65000"/>
-                    <a:lumOff val="35000"/>
-                  </a:schemeClr>
-                </a:solidFill>
-                <a:latin typeface="微软雅黑" pitchFamily="34" charset="-122"/>
-                <a:ea typeface="微软雅黑" pitchFamily="34" charset="-122"/>
-              </a:rPr>
-              <a:t>，最终</a:t>
-            </a:r>
-            <a:r>
-              <a:rPr lang="en-GB" altLang="zh-CN" sz="2799" dirty="0" err="1">
-                <a:solidFill>
-                  <a:schemeClr val="tx1">
-                    <a:lumMod val="65000"/>
-                    <a:lumOff val="35000"/>
-                  </a:schemeClr>
-                </a:solidFill>
-                <a:latin typeface="微软雅黑" pitchFamily="34" charset="-122"/>
-                <a:ea typeface="微软雅黑" pitchFamily="34" charset="-122"/>
-              </a:rPr>
-              <a:t>BackinTime</a:t>
-            </a:r>
-            <a:r>
-              <a:rPr lang="zh-CN" altLang="en-US" sz="2799" dirty="0">
-                <a:solidFill>
-                  <a:schemeClr val="tx1">
-                    <a:lumMod val="65000"/>
-                    <a:lumOff val="35000"/>
-                  </a:schemeClr>
-                </a:solidFill>
-                <a:latin typeface="微软雅黑" pitchFamily="34" charset="-122"/>
-                <a:ea typeface="微软雅黑" pitchFamily="34" charset="-122"/>
-              </a:rPr>
-              <a:t>功能最完整，集其他同类软件之大成，决定引入它</a:t>
-            </a:r>
-            <a:endParaRPr lang="zh-CN" altLang="zh-CN" sz="2799" dirty="0">
+            <a:endParaRPr lang="zh-CN" altLang="zh-CN" sz="2400" dirty="0">
               <a:solidFill>
                 <a:schemeClr val="tx1">
                   <a:lumMod val="65000"/>
@@ -20472,7 +24462,7 @@
         </p:nvSpPr>
         <p:spPr bwMode="auto">
           <a:xfrm>
-            <a:off x="951171" y="4526708"/>
+            <a:off x="951171" y="4535862"/>
             <a:ext cx="177333" cy="333298"/>
           </a:xfrm>
           <a:custGeom>
@@ -20601,8 +24591,8 @@
         </p:nvSpPr>
         <p:spPr>
           <a:xfrm>
-            <a:off x="1264298" y="4005064"/>
-            <a:ext cx="10223647" cy="1384610"/>
+            <a:off x="1273051" y="4254187"/>
+            <a:ext cx="8562467" cy="830997"/>
           </a:xfrm>
           <a:prstGeom prst="rect">
             <a:avLst/>
@@ -20616,7 +24606,7 @@
           <a:lstStyle/>
           <a:p>
             <a:r>
-              <a:rPr lang="zh-CN" altLang="en-US" sz="2799" dirty="0">
+              <a:rPr lang="zh-CN" altLang="en-US" sz="2000" b="1" dirty="0">
                 <a:solidFill>
                   <a:schemeClr val="tx1">
                     <a:lumMod val="65000"/>
@@ -20626,10 +24616,10 @@
                 <a:latin typeface="微软雅黑" pitchFamily="34" charset="-122"/>
                 <a:ea typeface="微软雅黑" pitchFamily="34" charset="-122"/>
               </a:rPr>
-              <a:t>在</a:t>
+              <a:t>成果：</a:t>
             </a:r>
             <a:r>
-              <a:rPr lang="en-GB" altLang="zh-CN" sz="2799" dirty="0" err="1">
+              <a:rPr lang="en-GB" altLang="zh-CN" sz="2400" dirty="0" err="1">
                 <a:solidFill>
                   <a:schemeClr val="tx1">
                     <a:lumMod val="65000"/>
@@ -20642,7 +24632,7 @@
               <a:t>openEuler</a:t>
             </a:r>
             <a:r>
-              <a:rPr lang="zh-CN" altLang="en-US" sz="2799" dirty="0">
+              <a:rPr lang="zh-CN" altLang="en-US" sz="2400" dirty="0">
                 <a:solidFill>
                   <a:schemeClr val="tx1">
                     <a:lumMod val="65000"/>
@@ -20655,7 +24645,7 @@
               <a:t>的</a:t>
             </a:r>
             <a:r>
-              <a:rPr lang="en-GB" altLang="zh-CN" sz="2799" dirty="0">
+              <a:rPr lang="en-GB" altLang="zh-CN" sz="2400" dirty="0">
                 <a:solidFill>
                   <a:schemeClr val="tx1">
                     <a:lumMod val="65000"/>
@@ -20668,7 +24658,7 @@
               <a:t>open build service</a:t>
             </a:r>
             <a:r>
-              <a:rPr lang="zh-CN" altLang="en-US" sz="2799" dirty="0">
+              <a:rPr lang="zh-CN" altLang="en-US" sz="2400" dirty="0">
                 <a:solidFill>
                   <a:schemeClr val="tx1">
                     <a:lumMod val="65000"/>
@@ -20678,140 +24668,10 @@
                 <a:latin typeface="微软雅黑" pitchFamily="34" charset="-122"/>
                 <a:ea typeface="微软雅黑" pitchFamily="34" charset="-122"/>
               </a:rPr>
-              <a:t>中编译通过，并在</a:t>
+              <a:t>中编译通过，几大桌面环境中测试无问题。随后在社区建仓，上传至主线和</a:t>
             </a:r>
             <a:r>
-              <a:rPr lang="en-US" altLang="zh-CN" sz="2799" dirty="0">
-                <a:solidFill>
-                  <a:schemeClr val="tx1">
-                    <a:lumMod val="65000"/>
-                    <a:lumOff val="35000"/>
-                  </a:schemeClr>
-                </a:solidFill>
-                <a:latin typeface="微软雅黑" pitchFamily="34" charset="-122"/>
-                <a:ea typeface="微软雅黑" pitchFamily="34" charset="-122"/>
-              </a:rPr>
-              <a:t>openEuler</a:t>
-            </a:r>
-            <a:r>
-              <a:rPr lang="zh-CN" altLang="en-US" sz="2799" dirty="0">
-                <a:solidFill>
-                  <a:schemeClr val="tx1">
-                    <a:lumMod val="65000"/>
-                    <a:lumOff val="35000"/>
-                  </a:schemeClr>
-                </a:solidFill>
-                <a:latin typeface="微软雅黑" pitchFamily="34" charset="-122"/>
-                <a:ea typeface="微软雅黑" pitchFamily="34" charset="-122"/>
-              </a:rPr>
-              <a:t>几大桌面环境（</a:t>
-            </a:r>
-            <a:r>
-              <a:rPr lang="en-US" altLang="zh-CN" sz="2799" dirty="0">
-                <a:solidFill>
-                  <a:schemeClr val="tx1">
-                    <a:lumMod val="65000"/>
-                    <a:lumOff val="35000"/>
-                  </a:schemeClr>
-                </a:solidFill>
-                <a:latin typeface="微软雅黑" pitchFamily="34" charset="-122"/>
-                <a:ea typeface="微软雅黑" pitchFamily="34" charset="-122"/>
-              </a:rPr>
-              <a:t>GNOME</a:t>
-            </a:r>
-            <a:r>
-              <a:rPr lang="zh-CN" altLang="en-US" sz="2799" dirty="0">
-                <a:solidFill>
-                  <a:schemeClr val="tx1">
-                    <a:lumMod val="65000"/>
-                    <a:lumOff val="35000"/>
-                  </a:schemeClr>
-                </a:solidFill>
-                <a:latin typeface="微软雅黑" pitchFamily="34" charset="-122"/>
-                <a:ea typeface="微软雅黑" pitchFamily="34" charset="-122"/>
-              </a:rPr>
-              <a:t>、</a:t>
-            </a:r>
-            <a:r>
-              <a:rPr lang="en-US" altLang="zh-CN" sz="2799" dirty="0">
-                <a:solidFill>
-                  <a:schemeClr val="tx1">
-                    <a:lumMod val="65000"/>
-                    <a:lumOff val="35000"/>
-                  </a:schemeClr>
-                </a:solidFill>
-                <a:latin typeface="微软雅黑" pitchFamily="34" charset="-122"/>
-                <a:ea typeface="微软雅黑" pitchFamily="34" charset="-122"/>
-              </a:rPr>
-              <a:t>UKUI</a:t>
-            </a:r>
-            <a:r>
-              <a:rPr lang="zh-CN" altLang="en-US" sz="2799" dirty="0">
-                <a:solidFill>
-                  <a:schemeClr val="tx1">
-                    <a:lumMod val="65000"/>
-                    <a:lumOff val="35000"/>
-                  </a:schemeClr>
-                </a:solidFill>
-                <a:latin typeface="微软雅黑" pitchFamily="34" charset="-122"/>
-                <a:ea typeface="微软雅黑" pitchFamily="34" charset="-122"/>
-              </a:rPr>
-              <a:t>、</a:t>
-            </a:r>
-            <a:r>
-              <a:rPr lang="en-US" altLang="zh-CN" sz="2799" dirty="0">
-                <a:solidFill>
-                  <a:schemeClr val="tx1">
-                    <a:lumMod val="65000"/>
-                    <a:lumOff val="35000"/>
-                  </a:schemeClr>
-                </a:solidFill>
-                <a:latin typeface="微软雅黑" pitchFamily="34" charset="-122"/>
-                <a:ea typeface="微软雅黑" pitchFamily="34" charset="-122"/>
-              </a:rPr>
-              <a:t>XFCE</a:t>
-            </a:r>
-            <a:r>
-              <a:rPr lang="zh-CN" altLang="en-US" sz="2799" dirty="0">
-                <a:solidFill>
-                  <a:schemeClr val="tx1">
-                    <a:lumMod val="65000"/>
-                    <a:lumOff val="35000"/>
-                  </a:schemeClr>
-                </a:solidFill>
-                <a:latin typeface="微软雅黑" pitchFamily="34" charset="-122"/>
-                <a:ea typeface="微软雅黑" pitchFamily="34" charset="-122"/>
-              </a:rPr>
-              <a:t>、</a:t>
-            </a:r>
-            <a:r>
-              <a:rPr lang="en-US" altLang="zh-CN" sz="2799" dirty="0" err="1">
-                <a:solidFill>
-                  <a:schemeClr val="tx1">
-                    <a:lumMod val="65000"/>
-                    <a:lumOff val="35000"/>
-                  </a:schemeClr>
-                </a:solidFill>
-                <a:latin typeface="微软雅黑" pitchFamily="34" charset="-122"/>
-                <a:ea typeface="微软雅黑" pitchFamily="34" charset="-122"/>
-              </a:rPr>
-              <a:t>Deepin</a:t>
-            </a:r>
-            <a:r>
-              <a:rPr lang="zh-CN" altLang="en-US" sz="2799" dirty="0">
-                <a:solidFill>
-                  <a:schemeClr val="tx1">
-                    <a:lumMod val="65000"/>
-                    <a:lumOff val="35000"/>
-                  </a:schemeClr>
-                </a:solidFill>
-                <a:latin typeface="微软雅黑" pitchFamily="34" charset="-122"/>
-                <a:ea typeface="微软雅黑" pitchFamily="34" charset="-122"/>
-              </a:rPr>
-              <a:t>）中都测试可以使用。随后在社区建仓，上传至主线和</a:t>
-            </a:r>
-            <a:r>
-              <a:rPr lang="en-GB" altLang="zh-CN" sz="2799" dirty="0">
+              <a:rPr lang="en-GB" altLang="zh-CN" sz="2400" dirty="0">
                 <a:solidFill>
                   <a:schemeClr val="tx1">
                     <a:lumMod val="65000"/>
@@ -20824,7 +24684,7 @@
               <a:t>LTS</a:t>
             </a:r>
             <a:r>
-              <a:rPr lang="zh-CN" altLang="en-US" sz="2799" dirty="0">
+              <a:rPr lang="zh-CN" altLang="en-US" sz="2400" dirty="0">
                 <a:solidFill>
                   <a:schemeClr val="tx1">
                     <a:lumMod val="65000"/>
@@ -20836,7 +24696,7 @@
               </a:rPr>
               <a:t>分支</a:t>
             </a:r>
-            <a:endParaRPr lang="zh-CN" altLang="zh-CN" sz="2799" dirty="0">
+            <a:endParaRPr lang="zh-CN" altLang="zh-CN" sz="2400" dirty="0">
               <a:solidFill>
                 <a:schemeClr val="tx1">
                   <a:lumMod val="65000"/>
@@ -21714,7 +25574,7 @@
                         <p:par>
                           <p:cTn id="40" fill="hold">
                             <p:stCondLst>
-                              <p:cond delay="5820"/>
+                              <p:cond delay="5920"/>
                             </p:stCondLst>
                             <p:childTnLst>
                               <p:par>
@@ -21758,7 +25618,7 @@
                         <p:par>
                           <p:cTn id="44" fill="hold">
                             <p:stCondLst>
-                              <p:cond delay="6070"/>
+                              <p:cond delay="6170"/>
                             </p:stCondLst>
                             <p:childTnLst>
                               <p:par>
@@ -21912,7 +25772,7 @@
                         <p:par>
                           <p:cTn id="52" fill="hold">
                             <p:stCondLst>
-                              <p:cond delay="11370"/>
+                              <p:cond delay="8120"/>
                             </p:stCondLst>
                             <p:childTnLst>
                               <p:par>
@@ -21956,7 +25816,7 @@
                         <p:par>
                           <p:cTn id="56" fill="hold">
                             <p:stCondLst>
-                              <p:cond delay="11620"/>
+                              <p:cond delay="8370"/>
                             </p:stCondLst>
                             <p:childTnLst>
                               <p:par>
@@ -22702,7 +26562,7 @@
         <p:spPr>
           <a:xfrm>
             <a:off x="1264299" y="1916832"/>
-            <a:ext cx="10223647" cy="523092"/>
+            <a:ext cx="10223647" cy="461665"/>
           </a:xfrm>
           <a:prstGeom prst="rect">
             <a:avLst/>
@@ -22716,7 +26576,20 @@
           <a:lstStyle/>
           <a:p>
             <a:r>
-              <a:rPr lang="zh-CN" altLang="en-US" sz="2799" dirty="0">
+              <a:rPr lang="zh-CN" altLang="en-US" sz="2000" b="1" dirty="0">
+                <a:solidFill>
+                  <a:schemeClr val="tx1">
+                    <a:lumMod val="65000"/>
+                    <a:lumOff val="35000"/>
+                  </a:schemeClr>
+                </a:solidFill>
+                <a:latin typeface="微软雅黑" pitchFamily="34" charset="-122"/>
+                <a:ea typeface="微软雅黑" pitchFamily="34" charset="-122"/>
+              </a:rPr>
+              <a:t>需求：</a:t>
+            </a:r>
+            <a:r>
+              <a:rPr lang="zh-CN" altLang="en-US" sz="2400" dirty="0">
                 <a:solidFill>
                   <a:schemeClr val="tx1">
                     <a:lumMod val="65000"/>
@@ -22729,7 +26602,7 @@
               <a:t>为麒麟信安</a:t>
             </a:r>
             <a:r>
-              <a:rPr lang="en-US" altLang="zh-CN" sz="2799" dirty="0">
+              <a:rPr lang="en-US" altLang="zh-CN" sz="2400" dirty="0">
                 <a:solidFill>
                   <a:schemeClr val="tx1">
                     <a:lumMod val="65000"/>
@@ -22742,7 +26615,7 @@
               <a:t>Kiran</a:t>
             </a:r>
             <a:r>
-              <a:rPr lang="zh-CN" altLang="en-US" sz="2799" dirty="0">
+              <a:rPr lang="zh-CN" altLang="en-US" sz="2400" dirty="0">
                 <a:solidFill>
                   <a:schemeClr val="tx1">
                     <a:lumMod val="65000"/>
@@ -22755,7 +26628,7 @@
               <a:t>桌面移除</a:t>
             </a:r>
             <a:r>
-              <a:rPr lang="en-GB" altLang="zh-CN" sz="2799" dirty="0" err="1">
+              <a:rPr lang="en-GB" altLang="zh-CN" sz="2400" dirty="0" err="1">
                 <a:solidFill>
                   <a:schemeClr val="tx1">
                     <a:lumMod val="65000"/>
@@ -22768,7 +26641,7 @@
               <a:t>accountsservice</a:t>
             </a:r>
             <a:r>
-              <a:rPr lang="zh-CN" altLang="en-US" sz="2799" dirty="0">
+              <a:rPr lang="zh-CN" altLang="en-US" sz="2400" dirty="0">
                 <a:solidFill>
                   <a:schemeClr val="tx1">
                     <a:lumMod val="65000"/>
@@ -22780,7 +26653,7 @@
               </a:rPr>
               <a:t>依赖</a:t>
             </a:r>
-            <a:endParaRPr lang="zh-CN" altLang="zh-CN" sz="2799" dirty="0">
+            <a:endParaRPr lang="zh-CN" altLang="zh-CN" sz="2400" dirty="0">
               <a:solidFill>
                 <a:schemeClr val="tx1">
                   <a:lumMod val="65000"/>
@@ -22938,8 +26811,8 @@
         </p:nvSpPr>
         <p:spPr>
           <a:xfrm>
-            <a:off x="1264298" y="2885061"/>
-            <a:ext cx="10223647" cy="953851"/>
+            <a:off x="1264298" y="3111351"/>
+            <a:ext cx="10223647" cy="461665"/>
           </a:xfrm>
           <a:prstGeom prst="rect">
             <a:avLst/>
@@ -22953,7 +26826,7 @@
           <a:lstStyle/>
           <a:p>
             <a:r>
-              <a:rPr lang="en-US" altLang="zh-CN" sz="2799" dirty="0">
+              <a:rPr lang="zh-CN" altLang="en-US" sz="2000" b="1" dirty="0">
                 <a:solidFill>
                   <a:schemeClr val="tx1">
                     <a:lumMod val="65000"/>
@@ -22963,36 +26836,10 @@
                 <a:latin typeface="微软雅黑" pitchFamily="34" charset="-122"/>
                 <a:ea typeface="微软雅黑" pitchFamily="34" charset="-122"/>
               </a:rPr>
-              <a:t>a</a:t>
+              <a:t>实现：</a:t>
             </a:r>
             <a:r>
-              <a:rPr lang="en-GB" altLang="zh-CN" sz="2799" dirty="0" err="1">
-                <a:solidFill>
-                  <a:schemeClr val="tx1">
-                    <a:lumMod val="65000"/>
-                    <a:lumOff val="35000"/>
-                  </a:schemeClr>
-                </a:solidFill>
-                <a:latin typeface="微软雅黑" pitchFamily="34" charset="-122"/>
-                <a:ea typeface="微软雅黑" pitchFamily="34" charset="-122"/>
-              </a:rPr>
-              <a:t>ccountsservice</a:t>
-            </a:r>
-            <a:r>
-              <a:rPr lang="zh-CN" altLang="en-US" sz="2799" dirty="0">
-                <a:solidFill>
-                  <a:schemeClr val="tx1">
-                    <a:lumMod val="65000"/>
-                    <a:lumOff val="35000"/>
-                  </a:schemeClr>
-                </a:solidFill>
-                <a:latin typeface="微软雅黑" pitchFamily="34" charset="-122"/>
-                <a:ea typeface="微软雅黑" pitchFamily="34" charset="-122"/>
-              </a:rPr>
-              <a:t>的</a:t>
-            </a:r>
-            <a:r>
-              <a:rPr lang="en-US" altLang="zh-CN" sz="2799" dirty="0" err="1">
+              <a:rPr lang="en-GB" altLang="zh-CN" sz="2400" dirty="0" err="1">
                 <a:solidFill>
                   <a:schemeClr val="tx1">
                     <a:lumMod val="65000"/>
@@ -23005,7 +26852,7 @@
               <a:t>dbus</a:t>
             </a:r>
             <a:r>
-              <a:rPr lang="zh-CN" altLang="en-US" sz="2799" dirty="0">
+              <a:rPr lang="zh-CN" altLang="en-US" sz="2400" dirty="0">
                 <a:solidFill>
                   <a:schemeClr val="tx1">
                     <a:lumMod val="65000"/>
@@ -23015,10 +26862,10 @@
                 <a:latin typeface="微软雅黑" pitchFamily="34" charset="-122"/>
                 <a:ea typeface="微软雅黑" pitchFamily="34" charset="-122"/>
               </a:rPr>
-              <a:t>服务改为</a:t>
+              <a:t>的调用请求由</a:t>
             </a:r>
             <a:r>
-              <a:rPr lang="en-GB" altLang="zh-CN" sz="2799" dirty="0" err="1">
+              <a:rPr lang="en-GB" altLang="zh-CN" sz="2400" dirty="0" err="1">
                 <a:solidFill>
                   <a:schemeClr val="tx1">
                     <a:lumMod val="65000"/>
@@ -23031,7 +26878,7 @@
               <a:t>kiran</a:t>
             </a:r>
             <a:r>
-              <a:rPr lang="en-GB" altLang="zh-CN" sz="2799" dirty="0">
+              <a:rPr lang="en-GB" altLang="zh-CN" sz="2400" dirty="0">
                 <a:solidFill>
                   <a:schemeClr val="tx1">
                     <a:lumMod val="65000"/>
@@ -23043,10 +26890,8 @@
               </a:rPr>
               <a:t>-cc-daemon</a:t>
             </a:r>
-          </a:p>
-          <a:p>
             <a:r>
-              <a:rPr lang="zh-CN" altLang="en-US" sz="2799" dirty="0">
+              <a:rPr lang="zh-CN" altLang="en-US" sz="2400" dirty="0">
                 <a:solidFill>
                   <a:schemeClr val="tx1">
                     <a:lumMod val="65000"/>
@@ -23056,35 +26901,9 @@
                 <a:latin typeface="微软雅黑" pitchFamily="34" charset="-122"/>
                 <a:ea typeface="微软雅黑" pitchFamily="34" charset="-122"/>
               </a:rPr>
-              <a:t>中的</a:t>
+              <a:t>适配器模块转发</a:t>
             </a:r>
-            <a:r>
-              <a:rPr lang="en-GB" altLang="zh-CN" sz="2799" dirty="0">
-                <a:solidFill>
-                  <a:schemeClr val="tx1">
-                    <a:lumMod val="65000"/>
-                    <a:lumOff val="35000"/>
-                  </a:schemeClr>
-                </a:solidFill>
-                <a:latin typeface="微软雅黑" pitchFamily="34" charset="-122"/>
-                <a:ea typeface="微软雅黑" pitchFamily="34" charset="-122"/>
-              </a:rPr>
-              <a:t>accounts</a:t>
-            </a:r>
-            <a:r>
-              <a:rPr lang="zh-CN" altLang="en-US" sz="2799" dirty="0">
-                <a:solidFill>
-                  <a:schemeClr val="tx1">
-                    <a:lumMod val="65000"/>
-                    <a:lumOff val="35000"/>
-                  </a:schemeClr>
-                </a:solidFill>
-                <a:latin typeface="微软雅黑" pitchFamily="34" charset="-122"/>
-                <a:ea typeface="微软雅黑" pitchFamily="34" charset="-122"/>
-              </a:rPr>
-              <a:t>插件提供</a:t>
-            </a:r>
-            <a:endParaRPr lang="zh-CN" altLang="zh-CN" sz="2799" dirty="0">
+            <a:endParaRPr lang="zh-CN" altLang="zh-CN" sz="2400" dirty="0">
               <a:solidFill>
                 <a:schemeClr val="tx1">
                   <a:lumMod val="65000"/>
@@ -23242,8 +27061,8 @@
         </p:nvSpPr>
         <p:spPr>
           <a:xfrm>
-            <a:off x="1264298" y="4437112"/>
-            <a:ext cx="10223647" cy="523092"/>
+            <a:off x="1264298" y="4293096"/>
+            <a:ext cx="8361681" cy="830997"/>
           </a:xfrm>
           <a:prstGeom prst="rect">
             <a:avLst/>
@@ -23257,7 +27076,59 @@
           <a:lstStyle/>
           <a:p>
             <a:r>
-              <a:rPr lang="en-GB" altLang="zh-CN" sz="2799" dirty="0" err="1">
+              <a:rPr lang="zh-CN" altLang="en-US" sz="2000" b="1" dirty="0">
+                <a:solidFill>
+                  <a:schemeClr val="tx1">
+                    <a:lumMod val="65000"/>
+                    <a:lumOff val="35000"/>
+                  </a:schemeClr>
+                </a:solidFill>
+                <a:latin typeface="微软雅黑" pitchFamily="34" charset="-122"/>
+                <a:ea typeface="微软雅黑" pitchFamily="34" charset="-122"/>
+              </a:rPr>
+              <a:t>成果：</a:t>
+            </a:r>
+            <a:r>
+              <a:rPr lang="en-US" altLang="zh-CN" sz="2400" dirty="0">
+                <a:solidFill>
+                  <a:schemeClr val="tx1">
+                    <a:lumMod val="65000"/>
+                    <a:lumOff val="35000"/>
+                  </a:schemeClr>
+                </a:solidFill>
+                <a:latin typeface="微软雅黑" pitchFamily="34" charset="-122"/>
+                <a:ea typeface="微软雅黑" pitchFamily="34" charset="-122"/>
+              </a:rPr>
+              <a:t>a</a:t>
+            </a:r>
+            <a:r>
+              <a:rPr lang="en-GB" altLang="zh-CN" sz="2400" dirty="0" err="1">
+                <a:solidFill>
+                  <a:schemeClr val="tx1">
+                    <a:lumMod val="65000"/>
+                    <a:lumOff val="35000"/>
+                  </a:schemeClr>
+                </a:solidFill>
+                <a:latin typeface="微软雅黑" pitchFamily="34" charset="-122"/>
+                <a:ea typeface="微软雅黑" pitchFamily="34" charset="-122"/>
+              </a:rPr>
+              <a:t>ccountsservice</a:t>
+            </a:r>
+            <a:r>
+              <a:rPr lang="zh-CN" altLang="en-US" sz="2400" dirty="0">
+                <a:solidFill>
+                  <a:schemeClr val="tx1">
+                    <a:lumMod val="65000"/>
+                    <a:lumOff val="35000"/>
+                  </a:schemeClr>
+                </a:solidFill>
+                <a:latin typeface="微软雅黑" pitchFamily="34" charset="-122"/>
+                <a:ea typeface="微软雅黑" pitchFamily="34" charset="-122"/>
+              </a:rPr>
+              <a:t>的</a:t>
+            </a:r>
+            <a:r>
+              <a:rPr lang="en-US" altLang="zh-CN" sz="2400" dirty="0" err="1">
                 <a:solidFill>
                   <a:schemeClr val="tx1">
                     <a:lumMod val="65000"/>
@@ -23270,7 +27141,7 @@
               <a:t>dbus</a:t>
             </a:r>
             <a:r>
-              <a:rPr lang="zh-CN" altLang="en-US" sz="2799" dirty="0">
+              <a:rPr lang="zh-CN" altLang="en-US" sz="2400" dirty="0">
                 <a:solidFill>
                   <a:schemeClr val="tx1">
                     <a:lumMod val="65000"/>
@@ -23280,10 +27151,10 @@
                 <a:latin typeface="微软雅黑" pitchFamily="34" charset="-122"/>
                 <a:ea typeface="微软雅黑" pitchFamily="34" charset="-122"/>
               </a:rPr>
-              <a:t>的调用请求由</a:t>
+              <a:t>服务改为</a:t>
             </a:r>
             <a:r>
-              <a:rPr lang="en-GB" altLang="zh-CN" sz="2799" dirty="0" err="1">
+              <a:rPr lang="en-GB" altLang="zh-CN" sz="2400" dirty="0" err="1">
                 <a:solidFill>
                   <a:schemeClr val="tx1">
                     <a:lumMod val="65000"/>
@@ -23296,7 +27167,7 @@
               <a:t>kiran</a:t>
             </a:r>
             <a:r>
-              <a:rPr lang="en-GB" altLang="zh-CN" sz="2799" dirty="0">
+              <a:rPr lang="en-GB" altLang="zh-CN" sz="2400" dirty="0">
                 <a:solidFill>
                   <a:schemeClr val="tx1">
                     <a:lumMod val="65000"/>
@@ -23309,7 +27180,7 @@
               <a:t>-cc-daemon</a:t>
             </a:r>
             <a:r>
-              <a:rPr lang="zh-CN" altLang="en-US" sz="2799" dirty="0">
+              <a:rPr lang="zh-CN" altLang="en-US" sz="2400" dirty="0">
                 <a:solidFill>
                   <a:schemeClr val="tx1">
                     <a:lumMod val="65000"/>
@@ -23319,9 +27190,35 @@
                 <a:latin typeface="微软雅黑" pitchFamily="34" charset="-122"/>
                 <a:ea typeface="微软雅黑" pitchFamily="34" charset="-122"/>
               </a:rPr>
-              <a:t>适配器模块转发</a:t>
+              <a:t>中的</a:t>
             </a:r>
-            <a:endParaRPr lang="zh-CN" altLang="zh-CN" sz="2799" dirty="0">
+            <a:r>
+              <a:rPr lang="en-GB" altLang="zh-CN" sz="2400" dirty="0">
+                <a:solidFill>
+                  <a:schemeClr val="tx1">
+                    <a:lumMod val="65000"/>
+                    <a:lumOff val="35000"/>
+                  </a:schemeClr>
+                </a:solidFill>
+                <a:latin typeface="微软雅黑" pitchFamily="34" charset="-122"/>
+                <a:ea typeface="微软雅黑" pitchFamily="34" charset="-122"/>
+              </a:rPr>
+              <a:t>accounts</a:t>
+            </a:r>
+            <a:r>
+              <a:rPr lang="zh-CN" altLang="en-US" sz="2400" dirty="0">
+                <a:solidFill>
+                  <a:schemeClr val="tx1">
+                    <a:lumMod val="65000"/>
+                    <a:lumOff val="35000"/>
+                  </a:schemeClr>
+                </a:solidFill>
+                <a:latin typeface="微软雅黑" pitchFamily="34" charset="-122"/>
+                <a:ea typeface="微软雅黑" pitchFamily="34" charset="-122"/>
+              </a:rPr>
+              <a:t>插件提供</a:t>
+            </a:r>
+            <a:endParaRPr lang="zh-CN" altLang="zh-CN" sz="2400" dirty="0">
               <a:solidFill>
                 <a:schemeClr val="tx1">
                   <a:lumMod val="65000"/>
@@ -24199,7 +28096,7 @@
                         <p:par>
                           <p:cTn id="40" fill="hold">
                             <p:stCondLst>
-                              <p:cond delay="5130"/>
+                              <p:cond delay="5280"/>
                             </p:stCondLst>
                             <p:childTnLst>
                               <p:par>
@@ -24243,7 +28140,7 @@
                         <p:par>
                           <p:cTn id="44" fill="hold">
                             <p:stCondLst>
-                              <p:cond delay="5380"/>
+                              <p:cond delay="5530"/>
                             </p:stCondLst>
                             <p:childTnLst>
                               <p:par>
@@ -24397,7 +28294,7 @@
                         <p:par>
                           <p:cTn id="52" fill="hold">
                             <p:stCondLst>
-                              <p:cond delay="8480"/>
+                              <p:cond delay="7730"/>
                             </p:stCondLst>
                             <p:childTnLst>
                               <p:par>
@@ -24441,7 +28338,7 @@
                         <p:par>
                           <p:cTn id="56" fill="hold">
                             <p:stCondLst>
-                              <p:cond delay="8730"/>
+                              <p:cond delay="7980"/>
                             </p:stCondLst>
                             <p:childTnLst>
                               <p:par>
@@ -25179,7 +29076,7 @@
         <p:spPr>
           <a:xfrm>
             <a:off x="1264299" y="1897796"/>
-            <a:ext cx="8643227" cy="523092"/>
+            <a:ext cx="7796663" cy="830997"/>
           </a:xfrm>
           <a:prstGeom prst="rect">
             <a:avLst/>
@@ -25193,7 +29090,7 @@
           <a:lstStyle/>
           <a:p>
             <a:r>
-              <a:rPr lang="zh-CN" altLang="en-US" sz="2799" dirty="0">
+              <a:rPr lang="zh-CN" altLang="en-US" sz="2000" b="1" dirty="0">
                 <a:solidFill>
                   <a:schemeClr val="tx1">
                     <a:lumMod val="65000"/>
@@ -25203,10 +29100,75 @@
                 <a:latin typeface="微软雅黑" pitchFamily="34" charset="-122"/>
                 <a:ea typeface="微软雅黑" pitchFamily="34" charset="-122"/>
               </a:rPr>
-              <a:t>建仓引入了</a:t>
+              <a:t>需求：</a:t>
             </a:r>
             <a:r>
-              <a:rPr lang="en-US" altLang="zh-CN" sz="2799" dirty="0">
+              <a:rPr lang="zh-CN" altLang="en-US" sz="2400" dirty="0">
+                <a:solidFill>
+                  <a:schemeClr val="tx1">
+                    <a:lumMod val="65000"/>
+                    <a:lumOff val="35000"/>
+                  </a:schemeClr>
+                </a:solidFill>
+                <a:latin typeface="微软雅黑" pitchFamily="34" charset="-122"/>
+                <a:ea typeface="微软雅黑" pitchFamily="34" charset="-122"/>
+              </a:rPr>
+              <a:t>适配</a:t>
+            </a:r>
+            <a:r>
+              <a:rPr lang="en-GB" altLang="zh-CN" sz="2400" dirty="0">
+                <a:solidFill>
+                  <a:schemeClr val="tx1">
+                    <a:lumMod val="65000"/>
+                    <a:lumOff val="35000"/>
+                  </a:schemeClr>
+                </a:solidFill>
+                <a:latin typeface="微软雅黑" pitchFamily="34" charset="-122"/>
+                <a:ea typeface="微软雅黑" pitchFamily="34" charset="-122"/>
+              </a:rPr>
+              <a:t>x86_64 </a:t>
+            </a:r>
+            <a:r>
+              <a:rPr lang="zh-CN" altLang="en-US" sz="2400" dirty="0">
+                <a:solidFill>
+                  <a:schemeClr val="tx1">
+                    <a:lumMod val="65000"/>
+                    <a:lumOff val="35000"/>
+                  </a:schemeClr>
+                </a:solidFill>
+                <a:latin typeface="微软雅黑" pitchFamily="34" charset="-122"/>
+                <a:ea typeface="微软雅黑" pitchFamily="34" charset="-122"/>
+              </a:rPr>
+              <a:t>以及</a:t>
+            </a:r>
+            <a:r>
+              <a:rPr lang="en-GB" altLang="zh-CN" sz="2400" dirty="0">
+                <a:solidFill>
+                  <a:schemeClr val="tx1">
+                    <a:lumMod val="65000"/>
+                    <a:lumOff val="35000"/>
+                  </a:schemeClr>
+                </a:solidFill>
+                <a:latin typeface="微软雅黑" pitchFamily="34" charset="-122"/>
+                <a:ea typeface="微软雅黑" pitchFamily="34" charset="-122"/>
+              </a:rPr>
+              <a:t> aarch64</a:t>
+            </a:r>
+            <a:r>
+              <a:rPr lang="zh-CN" altLang="en-US" sz="2400" dirty="0">
+                <a:solidFill>
+                  <a:schemeClr val="tx1">
+                    <a:lumMod val="65000"/>
+                    <a:lumOff val="35000"/>
+                  </a:schemeClr>
+                </a:solidFill>
+                <a:latin typeface="微软雅黑" pitchFamily="34" charset="-122"/>
+                <a:ea typeface="微软雅黑" pitchFamily="34" charset="-122"/>
+              </a:rPr>
+              <a:t>包含</a:t>
+            </a:r>
+            <a:r>
+              <a:rPr lang="en-GB" altLang="zh-CN" sz="2400" dirty="0">
                 <a:solidFill>
                   <a:schemeClr val="tx1">
                     <a:lumMod val="65000"/>
@@ -25219,7 +29181,7 @@
               <a:t>calico</a:t>
             </a:r>
             <a:r>
-              <a:rPr lang="zh-CN" altLang="en-US" sz="2799" dirty="0">
+              <a:rPr lang="zh-CN" altLang="en-US" sz="2400" dirty="0">
                 <a:solidFill>
                   <a:schemeClr val="tx1">
                     <a:lumMod val="65000"/>
@@ -25229,9 +29191,113 @@
                 <a:latin typeface="微软雅黑" pitchFamily="34" charset="-122"/>
                 <a:ea typeface="微软雅黑" pitchFamily="34" charset="-122"/>
               </a:rPr>
-              <a:t>之后开始制作容器镜像</a:t>
+              <a:t>的组件：</a:t>
             </a:r>
-            <a:endParaRPr lang="zh-CN" altLang="zh-CN" sz="2799" dirty="0">
+            <a:r>
+              <a:rPr lang="en-GB" altLang="zh-CN" sz="2400" dirty="0">
+                <a:solidFill>
+                  <a:schemeClr val="tx1">
+                    <a:lumMod val="65000"/>
+                    <a:lumOff val="35000"/>
+                  </a:schemeClr>
+                </a:solidFill>
+                <a:latin typeface="微软雅黑" pitchFamily="34" charset="-122"/>
+                <a:ea typeface="微软雅黑" pitchFamily="34" charset="-122"/>
+              </a:rPr>
+              <a:t>node</a:t>
+            </a:r>
+            <a:r>
+              <a:rPr lang="zh-CN" altLang="en-US" sz="2400" dirty="0">
+                <a:solidFill>
+                  <a:schemeClr val="tx1">
+                    <a:lumMod val="65000"/>
+                    <a:lumOff val="35000"/>
+                  </a:schemeClr>
+                </a:solidFill>
+                <a:latin typeface="微软雅黑" pitchFamily="34" charset="-122"/>
+                <a:ea typeface="微软雅黑" pitchFamily="34" charset="-122"/>
+              </a:rPr>
+              <a:t>、</a:t>
+            </a:r>
+            <a:r>
+              <a:rPr lang="en-GB" altLang="zh-CN" sz="2400" dirty="0" err="1">
+                <a:solidFill>
+                  <a:schemeClr val="tx1">
+                    <a:lumMod val="65000"/>
+                    <a:lumOff val="35000"/>
+                  </a:schemeClr>
+                </a:solidFill>
+                <a:latin typeface="微软雅黑" pitchFamily="34" charset="-122"/>
+                <a:ea typeface="微软雅黑" pitchFamily="34" charset="-122"/>
+              </a:rPr>
+              <a:t>cni</a:t>
+            </a:r>
+            <a:r>
+              <a:rPr lang="zh-CN" altLang="en-US" sz="2400" dirty="0">
+                <a:solidFill>
+                  <a:schemeClr val="tx1">
+                    <a:lumMod val="65000"/>
+                    <a:lumOff val="35000"/>
+                  </a:schemeClr>
+                </a:solidFill>
+                <a:latin typeface="微软雅黑" pitchFamily="34" charset="-122"/>
+                <a:ea typeface="微软雅黑" pitchFamily="34" charset="-122"/>
+              </a:rPr>
+              <a:t>、</a:t>
+            </a:r>
+            <a:r>
+              <a:rPr lang="en-GB" altLang="zh-CN" sz="2400" dirty="0" err="1">
+                <a:solidFill>
+                  <a:schemeClr val="tx1">
+                    <a:lumMod val="65000"/>
+                    <a:lumOff val="35000"/>
+                  </a:schemeClr>
+                </a:solidFill>
+                <a:latin typeface="微软雅黑" pitchFamily="34" charset="-122"/>
+                <a:ea typeface="微软雅黑" pitchFamily="34" charset="-122"/>
+              </a:rPr>
+              <a:t>kube</a:t>
+            </a:r>
+            <a:r>
+              <a:rPr lang="en-GB" altLang="zh-CN" sz="2400" dirty="0">
+                <a:solidFill>
+                  <a:schemeClr val="tx1">
+                    <a:lumMod val="65000"/>
+                    <a:lumOff val="35000"/>
+                  </a:schemeClr>
+                </a:solidFill>
+                <a:latin typeface="微软雅黑" pitchFamily="34" charset="-122"/>
+                <a:ea typeface="微软雅黑" pitchFamily="34" charset="-122"/>
+              </a:rPr>
+              <a:t>-controllers</a:t>
+            </a:r>
+            <a:r>
+              <a:rPr lang="zh-CN" altLang="en-US" sz="2400" dirty="0">
+                <a:solidFill>
+                  <a:schemeClr val="tx1">
+                    <a:lumMod val="65000"/>
+                    <a:lumOff val="35000"/>
+                  </a:schemeClr>
+                </a:solidFill>
+                <a:latin typeface="微软雅黑" pitchFamily="34" charset="-122"/>
+                <a:ea typeface="微软雅黑" pitchFamily="34" charset="-122"/>
+              </a:rPr>
+              <a:t>、</a:t>
+            </a:r>
+            <a:r>
+              <a:rPr lang="en-GB" altLang="zh-CN" sz="2400" dirty="0">
+                <a:solidFill>
+                  <a:schemeClr val="tx1">
+                    <a:lumMod val="65000"/>
+                    <a:lumOff val="35000"/>
+                  </a:schemeClr>
+                </a:solidFill>
+                <a:latin typeface="微软雅黑" pitchFamily="34" charset="-122"/>
+                <a:ea typeface="微软雅黑" pitchFamily="34" charset="-122"/>
+              </a:rPr>
+              <a:t>pod2daemon-flexvol</a:t>
+            </a:r>
+            <a:endParaRPr lang="zh-CN" altLang="zh-CN" sz="2400" dirty="0">
               <a:solidFill>
                 <a:schemeClr val="tx1">
                   <a:lumMod val="65000"/>
@@ -25389,8 +29455,8 @@
         </p:nvSpPr>
         <p:spPr>
           <a:xfrm>
-            <a:off x="1264298" y="2885061"/>
-            <a:ext cx="10223647" cy="953851"/>
+            <a:off x="1264298" y="3118079"/>
+            <a:ext cx="10223647" cy="461665"/>
           </a:xfrm>
           <a:prstGeom prst="rect">
             <a:avLst/>
@@ -25404,7 +29470,7 @@
           <a:lstStyle/>
           <a:p>
             <a:r>
-              <a:rPr lang="zh-CN" altLang="en-US" sz="2799" dirty="0">
+              <a:rPr lang="zh-CN" altLang="en-US" sz="2000" b="1" dirty="0">
                 <a:solidFill>
                   <a:schemeClr val="tx1">
                     <a:lumMod val="65000"/>
@@ -25414,10 +29480,10 @@
                 <a:latin typeface="微软雅黑" pitchFamily="34" charset="-122"/>
                 <a:ea typeface="微软雅黑" pitchFamily="34" charset="-122"/>
               </a:rPr>
-              <a:t>适配</a:t>
+              <a:t>实现：</a:t>
             </a:r>
             <a:r>
-              <a:rPr lang="en-GB" altLang="zh-CN" sz="2799" dirty="0">
+              <a:rPr lang="zh-CN" altLang="en-US" sz="2400" dirty="0">
                 <a:solidFill>
                   <a:schemeClr val="tx1">
                     <a:lumMod val="65000"/>
@@ -25427,49 +29493,10 @@
                 <a:latin typeface="微软雅黑" pitchFamily="34" charset="-122"/>
                 <a:ea typeface="微软雅黑" pitchFamily="34" charset="-122"/>
               </a:rPr>
-              <a:t>x86_64 </a:t>
+              <a:t>建仓引入了</a:t>
             </a:r>
             <a:r>
-              <a:rPr lang="zh-CN" altLang="en-US" sz="2799" dirty="0">
-                <a:solidFill>
-                  <a:schemeClr val="tx1">
-                    <a:lumMod val="65000"/>
-                    <a:lumOff val="35000"/>
-                  </a:schemeClr>
-                </a:solidFill>
-                <a:latin typeface="微软雅黑" pitchFamily="34" charset="-122"/>
-                <a:ea typeface="微软雅黑" pitchFamily="34" charset="-122"/>
-              </a:rPr>
-              <a:t>以及</a:t>
-            </a:r>
-            <a:r>
-              <a:rPr lang="en-GB" altLang="zh-CN" sz="2799" dirty="0">
-                <a:solidFill>
-                  <a:schemeClr val="tx1">
-                    <a:lumMod val="65000"/>
-                    <a:lumOff val="35000"/>
-                  </a:schemeClr>
-                </a:solidFill>
-                <a:latin typeface="微软雅黑" pitchFamily="34" charset="-122"/>
-                <a:ea typeface="微软雅黑" pitchFamily="34" charset="-122"/>
-              </a:rPr>
-              <a:t> aarch64</a:t>
-            </a:r>
-            <a:r>
-              <a:rPr lang="zh-CN" altLang="en-US" sz="2799" dirty="0">
-                <a:solidFill>
-                  <a:schemeClr val="tx1">
-                    <a:lumMod val="65000"/>
-                    <a:lumOff val="35000"/>
-                  </a:schemeClr>
-                </a:solidFill>
-                <a:latin typeface="微软雅黑" pitchFamily="34" charset="-122"/>
-                <a:ea typeface="微软雅黑" pitchFamily="34" charset="-122"/>
-              </a:rPr>
-              <a:t>包含</a:t>
-            </a:r>
-            <a:r>
-              <a:rPr lang="en-GB" altLang="zh-CN" sz="2799" dirty="0">
+              <a:rPr lang="en-US" altLang="zh-CN" sz="2400" dirty="0">
                 <a:solidFill>
                   <a:schemeClr val="tx1">
                     <a:lumMod val="65000"/>
@@ -25482,7 +29509,7 @@
               <a:t>calico</a:t>
             </a:r>
             <a:r>
-              <a:rPr lang="zh-CN" altLang="en-US" sz="2799" dirty="0">
+              <a:rPr lang="zh-CN" altLang="en-US" sz="2400" dirty="0">
                 <a:solidFill>
                   <a:schemeClr val="tx1">
                     <a:lumMod val="65000"/>
@@ -25492,113 +29519,9 @@
                 <a:latin typeface="微软雅黑" pitchFamily="34" charset="-122"/>
                 <a:ea typeface="微软雅黑" pitchFamily="34" charset="-122"/>
               </a:rPr>
-              <a:t>的组件：</a:t>
+              <a:t>之后开始制作容器镜像</a:t>
             </a:r>
-            <a:r>
-              <a:rPr lang="en-GB" altLang="zh-CN" sz="2799" dirty="0">
-                <a:solidFill>
-                  <a:schemeClr val="tx1">
-                    <a:lumMod val="65000"/>
-                    <a:lumOff val="35000"/>
-                  </a:schemeClr>
-                </a:solidFill>
-                <a:latin typeface="微软雅黑" pitchFamily="34" charset="-122"/>
-                <a:ea typeface="微软雅黑" pitchFamily="34" charset="-122"/>
-              </a:rPr>
-              <a:t>node</a:t>
-            </a:r>
-            <a:r>
-              <a:rPr lang="zh-CN" altLang="en-US" sz="2799" dirty="0">
-                <a:solidFill>
-                  <a:schemeClr val="tx1">
-                    <a:lumMod val="65000"/>
-                    <a:lumOff val="35000"/>
-                  </a:schemeClr>
-                </a:solidFill>
-                <a:latin typeface="微软雅黑" pitchFamily="34" charset="-122"/>
-                <a:ea typeface="微软雅黑" pitchFamily="34" charset="-122"/>
-              </a:rPr>
-              <a:t>、</a:t>
-            </a:r>
-            <a:r>
-              <a:rPr lang="en-GB" altLang="zh-CN" sz="2799" dirty="0" err="1">
-                <a:solidFill>
-                  <a:schemeClr val="tx1">
-                    <a:lumMod val="65000"/>
-                    <a:lumOff val="35000"/>
-                  </a:schemeClr>
-                </a:solidFill>
-                <a:latin typeface="微软雅黑" pitchFamily="34" charset="-122"/>
-                <a:ea typeface="微软雅黑" pitchFamily="34" charset="-122"/>
-              </a:rPr>
-              <a:t>cni</a:t>
-            </a:r>
-            <a:r>
-              <a:rPr lang="zh-CN" altLang="en-US" sz="2799" dirty="0">
-                <a:solidFill>
-                  <a:schemeClr val="tx1">
-                    <a:lumMod val="65000"/>
-                    <a:lumOff val="35000"/>
-                  </a:schemeClr>
-                </a:solidFill>
-                <a:latin typeface="微软雅黑" pitchFamily="34" charset="-122"/>
-                <a:ea typeface="微软雅黑" pitchFamily="34" charset="-122"/>
-              </a:rPr>
-              <a:t>、</a:t>
-            </a:r>
-            <a:r>
-              <a:rPr lang="en-GB" altLang="zh-CN" sz="2799" dirty="0" err="1">
-                <a:solidFill>
-                  <a:schemeClr val="tx1">
-                    <a:lumMod val="65000"/>
-                    <a:lumOff val="35000"/>
-                  </a:schemeClr>
-                </a:solidFill>
-                <a:latin typeface="微软雅黑" pitchFamily="34" charset="-122"/>
-                <a:ea typeface="微软雅黑" pitchFamily="34" charset="-122"/>
-              </a:rPr>
-              <a:t>kube</a:t>
-            </a:r>
-            <a:r>
-              <a:rPr lang="en-GB" altLang="zh-CN" sz="2799" dirty="0">
-                <a:solidFill>
-                  <a:schemeClr val="tx1">
-                    <a:lumMod val="65000"/>
-                    <a:lumOff val="35000"/>
-                  </a:schemeClr>
-                </a:solidFill>
-                <a:latin typeface="微软雅黑" pitchFamily="34" charset="-122"/>
-                <a:ea typeface="微软雅黑" pitchFamily="34" charset="-122"/>
-              </a:rPr>
-              <a:t>-controllers</a:t>
-            </a:r>
-            <a:r>
-              <a:rPr lang="zh-CN" altLang="en-US" sz="2799" dirty="0">
-                <a:solidFill>
-                  <a:schemeClr val="tx1">
-                    <a:lumMod val="65000"/>
-                    <a:lumOff val="35000"/>
-                  </a:schemeClr>
-                </a:solidFill>
-                <a:latin typeface="微软雅黑" pitchFamily="34" charset="-122"/>
-                <a:ea typeface="微软雅黑" pitchFamily="34" charset="-122"/>
-              </a:rPr>
-              <a:t>、</a:t>
-            </a:r>
-            <a:r>
-              <a:rPr lang="en-GB" altLang="zh-CN" sz="2799" dirty="0">
-                <a:solidFill>
-                  <a:schemeClr val="tx1">
-                    <a:lumMod val="65000"/>
-                    <a:lumOff val="35000"/>
-                  </a:schemeClr>
-                </a:solidFill>
-                <a:latin typeface="微软雅黑" pitchFamily="34" charset="-122"/>
-                <a:ea typeface="微软雅黑" pitchFamily="34" charset="-122"/>
-              </a:rPr>
-              <a:t>pod2daemon-flexvol</a:t>
-            </a:r>
-            <a:endParaRPr lang="zh-CN" altLang="zh-CN" sz="2799" dirty="0">
+            <a:endParaRPr lang="zh-CN" altLang="zh-CN" sz="2400" dirty="0">
               <a:solidFill>
                 <a:schemeClr val="tx1">
                   <a:lumMod val="65000"/>
@@ -25757,7 +29680,7 @@
         <p:spPr>
           <a:xfrm>
             <a:off x="1264298" y="4437112"/>
-            <a:ext cx="10223647" cy="523092"/>
+            <a:ext cx="10223647" cy="461665"/>
           </a:xfrm>
           <a:prstGeom prst="rect">
             <a:avLst/>
@@ -25771,7 +29694,20 @@
           <a:lstStyle/>
           <a:p>
             <a:r>
-              <a:rPr lang="zh-CN" altLang="en-US" sz="2799" dirty="0">
+              <a:rPr lang="zh-CN" altLang="en-US" sz="2000" b="1" dirty="0">
+                <a:solidFill>
+                  <a:schemeClr val="tx1">
+                    <a:lumMod val="65000"/>
+                    <a:lumOff val="35000"/>
+                  </a:schemeClr>
+                </a:solidFill>
+                <a:latin typeface="微软雅黑" pitchFamily="34" charset="-122"/>
+                <a:ea typeface="微软雅黑" pitchFamily="34" charset="-122"/>
+              </a:rPr>
+              <a:t>成果：</a:t>
+            </a:r>
+            <a:r>
+              <a:rPr lang="zh-CN" altLang="en-US" sz="2400" dirty="0">
                 <a:solidFill>
                   <a:schemeClr val="tx1">
                     <a:lumMod val="65000"/>
@@ -25784,7 +29720,7 @@
               <a:t>基础镜像为</a:t>
             </a:r>
             <a:r>
-              <a:rPr lang="en-US" altLang="zh-CN" sz="2799" dirty="0">
+              <a:rPr lang="en-US" altLang="zh-CN" sz="2400" dirty="0">
                 <a:solidFill>
                   <a:schemeClr val="tx1">
                     <a:lumMod val="65000"/>
@@ -25797,7 +29733,7 @@
               <a:t>openEuler 21.09</a:t>
             </a:r>
             <a:r>
-              <a:rPr lang="zh-CN" altLang="en-US" sz="2799" dirty="0">
+              <a:rPr lang="zh-CN" altLang="en-US" sz="2400" dirty="0">
                 <a:solidFill>
                   <a:schemeClr val="tx1">
                     <a:lumMod val="65000"/>
@@ -25810,7 +29746,7 @@
               <a:t>，提交了</a:t>
             </a:r>
             <a:r>
-              <a:rPr lang="en-US" altLang="zh-CN" sz="2799" dirty="0" err="1">
+              <a:rPr lang="en-US" altLang="zh-CN" sz="2400" dirty="0" err="1">
                 <a:solidFill>
                   <a:schemeClr val="tx1">
                     <a:lumMod val="65000"/>
@@ -25822,7 +29758,7 @@
               </a:rPr>
               <a:t>dockerfile</a:t>
             </a:r>
-            <a:endParaRPr lang="zh-CN" altLang="zh-CN" sz="2799" dirty="0">
+            <a:endParaRPr lang="zh-CN" altLang="zh-CN" sz="2400" dirty="0">
               <a:solidFill>
                 <a:schemeClr val="tx1">
                   <a:lumMod val="65000"/>
@@ -26700,7 +30636,7 @@
                         <p:par>
                           <p:cTn id="40" fill="hold">
                             <p:stCondLst>
-                              <p:cond delay="4350"/>
+                              <p:cond delay="7100"/>
                             </p:stCondLst>
                             <p:childTnLst>
                               <p:par>
@@ -26744,7 +30680,7 @@
                         <p:par>
                           <p:cTn id="44" fill="hold">
                             <p:stCondLst>
-                              <p:cond delay="4600"/>
+                              <p:cond delay="7350"/>
                             </p:stCondLst>
                             <p:childTnLst>
                               <p:par>
@@ -26898,7 +30834,7 @@
                         <p:par>
                           <p:cTn id="52" fill="hold">
                             <p:stCondLst>
-                              <p:cond delay="8700"/>
+                              <p:cond delay="9000"/>
                             </p:stCondLst>
                             <p:childTnLst>
                               <p:par>
@@ -26942,7 +30878,7 @@
                         <p:par>
                           <p:cTn id="56" fill="hold">
                             <p:stCondLst>
-                              <p:cond delay="8950"/>
+                              <p:cond delay="9250"/>
                             </p:stCondLst>
                             <p:childTnLst>
                               <p:par>
@@ -27684,7 +31620,7 @@
         <p:spPr>
           <a:xfrm>
             <a:off x="1264299" y="1897796"/>
-            <a:ext cx="8643227" cy="523092"/>
+            <a:ext cx="8643227" cy="461665"/>
           </a:xfrm>
           <a:prstGeom prst="rect">
             <a:avLst/>
@@ -27698,7 +31634,7 @@
           <a:lstStyle/>
           <a:p>
             <a:r>
-              <a:rPr lang="en-US" altLang="zh-CN" sz="2799" dirty="0">
+              <a:rPr lang="zh-CN" altLang="en-US" sz="2000" b="1" dirty="0">
                 <a:solidFill>
                   <a:schemeClr val="tx1">
                     <a:lumMod val="65000"/>
@@ -27708,10 +31644,10 @@
                 <a:latin typeface="微软雅黑" pitchFamily="34" charset="-122"/>
                 <a:ea typeface="微软雅黑" pitchFamily="34" charset="-122"/>
               </a:rPr>
-              <a:t>openEuler</a:t>
+              <a:t>需求：</a:t>
             </a:r>
             <a:r>
-              <a:rPr lang="zh-CN" altLang="en-US" sz="2799" dirty="0">
+              <a:rPr lang="zh-CN" altLang="en-US" sz="2400" dirty="0">
                 <a:solidFill>
                   <a:schemeClr val="tx1">
                     <a:lumMod val="65000"/>
@@ -27721,10 +31657,62 @@
                 <a:latin typeface="微软雅黑" pitchFamily="34" charset="-122"/>
                 <a:ea typeface="微软雅黑" pitchFamily="34" charset="-122"/>
               </a:rPr>
-              <a:t>已经引入了</a:t>
+              <a:t>适配</a:t>
             </a:r>
             <a:r>
-              <a:rPr lang="en-GB" altLang="zh-CN" sz="2799" dirty="0" err="1">
+              <a:rPr lang="en-GB" altLang="zh-CN" sz="2400" dirty="0">
+                <a:solidFill>
+                  <a:schemeClr val="tx1">
+                    <a:lumMod val="65000"/>
+                    <a:lumOff val="35000"/>
+                  </a:schemeClr>
+                </a:solidFill>
+                <a:latin typeface="微软雅黑" pitchFamily="34" charset="-122"/>
+                <a:ea typeface="微软雅黑" pitchFamily="34" charset="-122"/>
+              </a:rPr>
+              <a:t>x86_64 </a:t>
+            </a:r>
+            <a:r>
+              <a:rPr lang="zh-CN" altLang="en-US" sz="2400" dirty="0">
+                <a:solidFill>
+                  <a:schemeClr val="tx1">
+                    <a:lumMod val="65000"/>
+                    <a:lumOff val="35000"/>
+                  </a:schemeClr>
+                </a:solidFill>
+                <a:latin typeface="微软雅黑" pitchFamily="34" charset="-122"/>
+                <a:ea typeface="微软雅黑" pitchFamily="34" charset="-122"/>
+              </a:rPr>
+              <a:t>以及</a:t>
+            </a:r>
+            <a:r>
+              <a:rPr lang="en-GB" altLang="zh-CN" sz="2400" dirty="0">
+                <a:solidFill>
+                  <a:schemeClr val="tx1">
+                    <a:lumMod val="65000"/>
+                    <a:lumOff val="35000"/>
+                  </a:schemeClr>
+                </a:solidFill>
+                <a:latin typeface="微软雅黑" pitchFamily="34" charset="-122"/>
+                <a:ea typeface="微软雅黑" pitchFamily="34" charset="-122"/>
+              </a:rPr>
+              <a:t> aarch64</a:t>
+            </a:r>
+            <a:r>
+              <a:rPr lang="zh-CN" altLang="en-US" sz="2400" dirty="0">
+                <a:solidFill>
+                  <a:schemeClr val="tx1">
+                    <a:lumMod val="65000"/>
+                    <a:lumOff val="35000"/>
+                  </a:schemeClr>
+                </a:solidFill>
+                <a:latin typeface="微软雅黑" pitchFamily="34" charset="-122"/>
+                <a:ea typeface="微软雅黑" pitchFamily="34" charset="-122"/>
+              </a:rPr>
+              <a:t>架构的</a:t>
+            </a:r>
+            <a:r>
+              <a:rPr lang="en-US" altLang="zh-CN" sz="2400" dirty="0" err="1">
                 <a:solidFill>
                   <a:schemeClr val="tx1">
                     <a:lumMod val="65000"/>
@@ -27736,20 +31724,7 @@
               </a:rPr>
               <a:t>coredns</a:t>
             </a:r>
-            <a:r>
-              <a:rPr lang="zh-CN" altLang="en-US" sz="2799" dirty="0">
-                <a:solidFill>
-                  <a:schemeClr val="tx1">
-                    <a:lumMod val="65000"/>
-                    <a:lumOff val="35000"/>
-                  </a:schemeClr>
-                </a:solidFill>
-                <a:latin typeface="微软雅黑" pitchFamily="34" charset="-122"/>
-                <a:ea typeface="微软雅黑" pitchFamily="34" charset="-122"/>
-              </a:rPr>
-              <a:t>，直接制作容器镜像</a:t>
-            </a:r>
-            <a:endParaRPr lang="zh-CN" altLang="zh-CN" sz="2799" dirty="0">
+            <a:endParaRPr lang="zh-CN" altLang="zh-CN" sz="2400" dirty="0">
               <a:solidFill>
                 <a:schemeClr val="tx1">
                   <a:lumMod val="65000"/>
@@ -27908,7 +31883,7 @@
         <p:spPr>
           <a:xfrm>
             <a:off x="1264298" y="3121932"/>
-            <a:ext cx="10223647" cy="523092"/>
+            <a:ext cx="10223647" cy="461665"/>
           </a:xfrm>
           <a:prstGeom prst="rect">
             <a:avLst/>
@@ -27922,7 +31897,7 @@
           <a:lstStyle/>
           <a:p>
             <a:r>
-              <a:rPr lang="zh-CN" altLang="en-US" sz="2799" dirty="0">
+              <a:rPr lang="zh-CN" altLang="en-US" sz="2000" b="1" dirty="0">
                 <a:solidFill>
                   <a:schemeClr val="tx1">
                     <a:lumMod val="65000"/>
@@ -27932,10 +31907,10 @@
                 <a:latin typeface="微软雅黑" pitchFamily="34" charset="-122"/>
                 <a:ea typeface="微软雅黑" pitchFamily="34" charset="-122"/>
               </a:rPr>
-              <a:t>适配</a:t>
+              <a:t>实现：</a:t>
             </a:r>
             <a:r>
-              <a:rPr lang="en-GB" altLang="zh-CN" sz="2799" dirty="0">
+              <a:rPr lang="en-US" altLang="zh-CN" sz="2400" dirty="0" err="1">
                 <a:solidFill>
                   <a:schemeClr val="tx1">
                     <a:lumMod val="65000"/>
@@ -27945,10 +31920,10 @@
                 <a:latin typeface="微软雅黑" pitchFamily="34" charset="-122"/>
                 <a:ea typeface="微软雅黑" pitchFamily="34" charset="-122"/>
               </a:rPr>
-              <a:t>x86_64 </a:t>
+              <a:t>openEuler</a:t>
             </a:r>
             <a:r>
-              <a:rPr lang="zh-CN" altLang="en-US" sz="2799" dirty="0">
+              <a:rPr lang="zh-CN" altLang="en-US" sz="2400" dirty="0">
                 <a:solidFill>
                   <a:schemeClr val="tx1">
                     <a:lumMod val="65000"/>
@@ -27958,36 +31933,10 @@
                 <a:latin typeface="微软雅黑" pitchFamily="34" charset="-122"/>
                 <a:ea typeface="微软雅黑" pitchFamily="34" charset="-122"/>
               </a:rPr>
-              <a:t>以及</a:t>
+              <a:t>已经引入了</a:t>
             </a:r>
             <a:r>
-              <a:rPr lang="en-GB" altLang="zh-CN" sz="2799" dirty="0">
-                <a:solidFill>
-                  <a:schemeClr val="tx1">
-                    <a:lumMod val="65000"/>
-                    <a:lumOff val="35000"/>
-                  </a:schemeClr>
-                </a:solidFill>
-                <a:latin typeface="微软雅黑" pitchFamily="34" charset="-122"/>
-                <a:ea typeface="微软雅黑" pitchFamily="34" charset="-122"/>
-              </a:rPr>
-              <a:t> aarch64</a:t>
-            </a:r>
-            <a:r>
-              <a:rPr lang="zh-CN" altLang="en-US" sz="2799" dirty="0">
-                <a:solidFill>
-                  <a:schemeClr val="tx1">
-                    <a:lumMod val="65000"/>
-                    <a:lumOff val="35000"/>
-                  </a:schemeClr>
-                </a:solidFill>
-                <a:latin typeface="微软雅黑" pitchFamily="34" charset="-122"/>
-                <a:ea typeface="微软雅黑" pitchFamily="34" charset="-122"/>
-              </a:rPr>
-              <a:t>架构的</a:t>
-            </a:r>
-            <a:r>
-              <a:rPr lang="en-US" altLang="zh-CN" sz="2799" dirty="0" err="1">
+              <a:rPr lang="en-GB" altLang="zh-CN" sz="2400" dirty="0" err="1">
                 <a:solidFill>
                   <a:schemeClr val="tx1">
                     <a:lumMod val="65000"/>
@@ -27999,7 +31948,20 @@
               </a:rPr>
               <a:t>coredns</a:t>
             </a:r>
-            <a:endParaRPr lang="zh-CN" altLang="zh-CN" sz="2799" dirty="0">
+            <a:r>
+              <a:rPr lang="zh-CN" altLang="en-US" sz="2400" dirty="0">
+                <a:solidFill>
+                  <a:schemeClr val="tx1">
+                    <a:lumMod val="65000"/>
+                    <a:lumOff val="35000"/>
+                  </a:schemeClr>
+                </a:solidFill>
+                <a:latin typeface="微软雅黑" pitchFamily="34" charset="-122"/>
+                <a:ea typeface="微软雅黑" pitchFamily="34" charset="-122"/>
+              </a:rPr>
+              <a:t>，直接制作容器镜像</a:t>
+            </a:r>
+            <a:endParaRPr lang="zh-CN" altLang="zh-CN" sz="2400" dirty="0">
               <a:solidFill>
                 <a:schemeClr val="tx1">
                   <a:lumMod val="65000"/>
@@ -28158,7 +32120,7 @@
         <p:spPr>
           <a:xfrm>
             <a:off x="1264298" y="4437112"/>
-            <a:ext cx="10223647" cy="523092"/>
+            <a:ext cx="10223647" cy="461665"/>
           </a:xfrm>
           <a:prstGeom prst="rect">
             <a:avLst/>
@@ -28172,7 +32134,20 @@
           <a:lstStyle/>
           <a:p>
             <a:r>
-              <a:rPr lang="zh-CN" altLang="en-US" sz="2799" dirty="0">
+              <a:rPr lang="zh-CN" altLang="en-US" sz="2000" b="1" dirty="0">
+                <a:solidFill>
+                  <a:schemeClr val="tx1">
+                    <a:lumMod val="65000"/>
+                    <a:lumOff val="35000"/>
+                  </a:schemeClr>
+                </a:solidFill>
+                <a:latin typeface="微软雅黑" pitchFamily="34" charset="-122"/>
+                <a:ea typeface="微软雅黑" pitchFamily="34" charset="-122"/>
+              </a:rPr>
+              <a:t>成果：</a:t>
+            </a:r>
+            <a:r>
+              <a:rPr lang="zh-CN" altLang="en-US" sz="2400" dirty="0">
                 <a:solidFill>
                   <a:schemeClr val="tx1">
                     <a:lumMod val="65000"/>
@@ -28185,7 +32160,7 @@
               <a:t>基础镜像为</a:t>
             </a:r>
             <a:r>
-              <a:rPr lang="en-US" altLang="zh-CN" sz="2799" dirty="0">
+              <a:rPr lang="en-US" altLang="zh-CN" sz="2400" dirty="0">
                 <a:solidFill>
                   <a:schemeClr val="tx1">
                     <a:lumMod val="65000"/>
@@ -28198,7 +32173,7 @@
               <a:t>openEuler 21.09</a:t>
             </a:r>
             <a:r>
-              <a:rPr lang="zh-CN" altLang="en-US" sz="2799" dirty="0">
+              <a:rPr lang="zh-CN" altLang="en-US" sz="2400" dirty="0">
                 <a:solidFill>
                   <a:schemeClr val="tx1">
                     <a:lumMod val="65000"/>
@@ -28211,7 +32186,7 @@
               <a:t>，提交了</a:t>
             </a:r>
             <a:r>
-              <a:rPr lang="en-US" altLang="zh-CN" sz="2799" dirty="0" err="1">
+              <a:rPr lang="en-US" altLang="zh-CN" sz="2400" dirty="0" err="1">
                 <a:solidFill>
                   <a:schemeClr val="tx1">
                     <a:lumMod val="65000"/>
@@ -28223,7 +32198,7 @@
               </a:rPr>
               <a:t>dockerfile</a:t>
             </a:r>
-            <a:endParaRPr lang="zh-CN" altLang="zh-CN" sz="2799" dirty="0">
+            <a:endParaRPr lang="zh-CN" altLang="zh-CN" sz="2400" dirty="0">
               <a:solidFill>
                 <a:schemeClr val="tx1">
                   <a:lumMod val="65000"/>
@@ -29299,7 +33274,7 @@
                         <p:par>
                           <p:cTn id="52" fill="hold">
                             <p:stCondLst>
-                              <p:cond delay="6890"/>
+                              <p:cond delay="7190"/>
                             </p:stCondLst>
                             <p:childTnLst>
                               <p:par>
@@ -29343,7 +33318,7 @@
                         <p:par>
                           <p:cTn id="56" fill="hold">
                             <p:stCondLst>
-                              <p:cond delay="7140"/>
+                              <p:cond delay="7440"/>
                             </p:stCondLst>
                             <p:childTnLst>
                               <p:par>
@@ -31338,7 +35313,7 @@
                 <a:latin typeface="微软雅黑" pitchFamily="34" charset="-122"/>
                 <a:ea typeface="微软雅黑" pitchFamily="34" charset="-122"/>
               </a:rPr>
-              <a:t>如果你对开源有足够的热情，推荐你参加</a:t>
+              <a:t>如果你对开源有足够的热情，推荐你来参加</a:t>
             </a:r>
             <a:r>
               <a:rPr lang="en-US" altLang="zh-CN" sz="2799" dirty="0">
@@ -31791,7 +35766,7 @@
         </p:blipFill>
         <p:spPr bwMode="auto">
           <a:xfrm>
-            <a:off x="4102830" y="4581128"/>
+            <a:off x="4267249" y="4303737"/>
             <a:ext cx="2838450" cy="1933575"/>
           </a:xfrm>
           <a:prstGeom prst="roundRect">
